--- a/lecture/slides/ECE_383_Lec4.pptx
+++ b/lecture/slides/ECE_383_Lec4.pptx
@@ -6,33 +6,36 @@
     <p:sldMasterId id="2147483687" r:id="rId2"/>
   </p:sldMasterIdLst>
   <p:notesMasterIdLst>
-    <p:notesMasterId r:id="rId24"/>
+    <p:notesMasterId r:id="rId27"/>
   </p:notesMasterIdLst>
   <p:handoutMasterIdLst>
-    <p:handoutMasterId r:id="rId25"/>
+    <p:handoutMasterId r:id="rId28"/>
   </p:handoutMasterIdLst>
   <p:sldIdLst>
-    <p:sldId id="299" r:id="rId3"/>
+    <p:sldId id="378" r:id="rId3"/>
     <p:sldId id="366" r:id="rId4"/>
     <p:sldId id="300" r:id="rId5"/>
     <p:sldId id="349" r:id="rId6"/>
     <p:sldId id="355" r:id="rId7"/>
     <p:sldId id="347" r:id="rId8"/>
     <p:sldId id="352" r:id="rId9"/>
-    <p:sldId id="369" r:id="rId10"/>
-    <p:sldId id="375" r:id="rId11"/>
-    <p:sldId id="367" r:id="rId12"/>
-    <p:sldId id="368" r:id="rId13"/>
-    <p:sldId id="377" r:id="rId14"/>
-    <p:sldId id="373" r:id="rId15"/>
-    <p:sldId id="334" r:id="rId16"/>
-    <p:sldId id="376" r:id="rId17"/>
-    <p:sldId id="345" r:id="rId18"/>
-    <p:sldId id="374" r:id="rId19"/>
-    <p:sldId id="370" r:id="rId20"/>
-    <p:sldId id="371" r:id="rId21"/>
-    <p:sldId id="372" r:id="rId22"/>
-    <p:sldId id="346" r:id="rId23"/>
+    <p:sldId id="386" r:id="rId10"/>
+    <p:sldId id="367" r:id="rId11"/>
+    <p:sldId id="368" r:id="rId12"/>
+    <p:sldId id="377" r:id="rId13"/>
+    <p:sldId id="373" r:id="rId14"/>
+    <p:sldId id="382" r:id="rId15"/>
+    <p:sldId id="376" r:id="rId16"/>
+    <p:sldId id="387" r:id="rId17"/>
+    <p:sldId id="383" r:id="rId18"/>
+    <p:sldId id="384" r:id="rId19"/>
+    <p:sldId id="385" r:id="rId20"/>
+    <p:sldId id="345" r:id="rId21"/>
+    <p:sldId id="388" r:id="rId22"/>
+    <p:sldId id="370" r:id="rId23"/>
+    <p:sldId id="371" r:id="rId24"/>
+    <p:sldId id="372" r:id="rId25"/>
+    <p:sldId id="346" r:id="rId26"/>
   </p:sldIdLst>
   <p:sldSz cx="9144000" cy="6858000" type="screen4x3"/>
   <p:notesSz cx="6985000" cy="9283700"/>
@@ -873,144 +876,6 @@
 </p:notesMaster>
 </file>
 
-<file path=ppt/notesSlides/notesSlide1.xml><?xml version="1.0" encoding="utf-8"?>
-<p:notes xmlns:a="http://schemas.openxmlformats.org/drawingml/2006/main" xmlns:r="http://schemas.openxmlformats.org/officeDocument/2006/relationships" xmlns:p="http://schemas.openxmlformats.org/presentationml/2006/main">
-  <p:cSld>
-    <p:spTree>
-      <p:nvGrpSpPr>
-        <p:cNvPr id="1" name=""/>
-        <p:cNvGrpSpPr/>
-        <p:nvPr/>
-      </p:nvGrpSpPr>
-      <p:grpSpPr>
-        <a:xfrm>
-          <a:off x="0" y="0"/>
-          <a:ext cx="0" cy="0"/>
-          <a:chOff x="0" y="0"/>
-          <a:chExt cx="0" cy="0"/>
-        </a:xfrm>
-      </p:grpSpPr>
-      <p:sp>
-        <p:nvSpPr>
-          <p:cNvPr id="15362" name="Slide Image Placeholder 1"/>
-          <p:cNvSpPr>
-            <a:spLocks noGrp="1" noRot="1" noChangeAspect="1" noTextEdit="1"/>
-          </p:cNvSpPr>
-          <p:nvPr>
-            <p:ph type="sldImg"/>
-          </p:nvPr>
-        </p:nvSpPr>
-        <p:spPr>
-          <a:ln/>
-        </p:spPr>
-      </p:sp>
-      <p:sp>
-        <p:nvSpPr>
-          <p:cNvPr id="15363" name="Notes Placeholder 2"/>
-          <p:cNvSpPr>
-            <a:spLocks noGrp="1"/>
-          </p:cNvSpPr>
-          <p:nvPr>
-            <p:ph type="body" idx="1"/>
-          </p:nvPr>
-        </p:nvSpPr>
-        <p:spPr>
-          <a:noFill/>
-          <a:ln w="9525"/>
-        </p:spPr>
-        <p:txBody>
-          <a:bodyPr/>
-          <a:lstStyle/>
-          <a:p>
-            <a:r>
-              <a:rPr lang="en-US" dirty="0" smtClean="0"/>
-              <a:t>Write on board:</a:t>
-            </a:r>
-          </a:p>
-          <a:p>
-            <a:endParaRPr lang="en-US" dirty="0" smtClean="0"/>
-          </a:p>
-          <a:p>
-            <a:r>
-              <a:rPr lang="en-US" u="sng" dirty="0" smtClean="0"/>
-              <a:t>ECE</a:t>
-            </a:r>
-            <a:r>
-              <a:rPr lang="en-US" u="sng" baseline="0" dirty="0" smtClean="0"/>
-              <a:t> 315</a:t>
-            </a:r>
-          </a:p>
-          <a:p>
-            <a:r>
-              <a:rPr lang="en-US" baseline="0" dirty="0" smtClean="0"/>
-              <a:t>Day 1 – Admin</a:t>
-            </a:r>
-          </a:p>
-          <a:p>
-            <a:r>
-              <a:rPr lang="en-US" baseline="0" dirty="0" smtClean="0"/>
-              <a:t>Section Marcher</a:t>
-            </a:r>
-          </a:p>
-          <a:p>
-            <a:r>
-              <a:rPr lang="en-US" baseline="0" dirty="0" smtClean="0"/>
-              <a:t>Introductions</a:t>
-            </a:r>
-          </a:p>
-          <a:p>
-            <a:r>
-              <a:rPr lang="en-US" baseline="0" dirty="0" smtClean="0"/>
-              <a:t>Syllabus</a:t>
-            </a:r>
-          </a:p>
-          <a:p>
-            <a:endParaRPr lang="en-US" dirty="0" smtClean="0"/>
-          </a:p>
-        </p:txBody>
-      </p:sp>
-      <p:sp>
-        <p:nvSpPr>
-          <p:cNvPr id="15364" name="Slide Number Placeholder 3"/>
-          <p:cNvSpPr>
-            <a:spLocks noGrp="1"/>
-          </p:cNvSpPr>
-          <p:nvPr>
-            <p:ph type="sldNum" sz="quarter" idx="5"/>
-          </p:nvPr>
-        </p:nvSpPr>
-        <p:spPr>
-          <a:noFill/>
-        </p:spPr>
-        <p:txBody>
-          <a:bodyPr/>
-          <a:lstStyle/>
-          <a:p>
-            <a:fld id="{B581BCBC-E066-4910-B192-91C4189936ED}" type="slidenum">
-              <a:rPr lang="en-US">
-                <a:solidFill>
-                  <a:prstClr val="black"/>
-                </a:solidFill>
-              </a:rPr>
-              <a:pPr/>
-              <a:t>1</a:t>
-            </a:fld>
-            <a:endParaRPr lang="en-US">
-              <a:solidFill>
-                <a:prstClr val="black"/>
-              </a:solidFill>
-            </a:endParaRPr>
-          </a:p>
-        </p:txBody>
-      </p:sp>
-    </p:spTree>
-  </p:cSld>
-  <p:clrMapOvr>
-    <a:masterClrMapping/>
-  </p:clrMapOvr>
-</p:notes>
-</file>
-
 <file path=ppt/slideLayouts/slideLayout1.xml><?xml version="1.0" encoding="utf-8"?>
 <p:sldLayout xmlns:a="http://schemas.openxmlformats.org/drawingml/2006/main" xmlns:r="http://schemas.openxmlformats.org/officeDocument/2006/relationships" xmlns:p="http://schemas.openxmlformats.org/presentationml/2006/main" type="title" preserve="1">
   <p:cSld name="Title Slide">
@@ -1199,7 +1064,7 @@
                 </a:solidFill>
               </a:rPr>
               <a:pPr/>
-              <a:t>1/14/2016</a:t>
+              <a:t>1/11/2017</a:t>
             </a:fld>
             <a:endParaRPr lang="en-US">
               <a:solidFill>
@@ -1401,7 +1266,7 @@
                 </a:solidFill>
               </a:rPr>
               <a:pPr/>
-              <a:t>1/14/2016</a:t>
+              <a:t>1/11/2017</a:t>
             </a:fld>
             <a:endParaRPr lang="en-US">
               <a:solidFill>
@@ -1613,7 +1478,7 @@
                 </a:solidFill>
               </a:rPr>
               <a:pPr/>
-              <a:t>1/14/2016</a:t>
+              <a:t>1/11/2017</a:t>
             </a:fld>
             <a:endParaRPr lang="en-US">
               <a:solidFill>
@@ -2104,7 +1969,7 @@
                 </a:spcAft>
                 <a:defRPr/>
               </a:pPr>
-              <a:t>14 January 2016</a:t>
+              <a:t>11 January 2017</a:t>
             </a:fld>
             <a:endParaRPr lang="en-US" sz="1800">
               <a:solidFill>
@@ -2369,7 +2234,7 @@
                 </a:spcAft>
                 <a:defRPr/>
               </a:pPr>
-              <a:t>14 January 2016</a:t>
+              <a:t>11 January 2017</a:t>
             </a:fld>
             <a:endParaRPr lang="en-US" sz="1800">
               <a:solidFill>
@@ -2723,7 +2588,7 @@
                 </a:spcAft>
                 <a:defRPr/>
               </a:pPr>
-              <a:t>14 January 2016</a:t>
+              <a:t>11 January 2017</a:t>
             </a:fld>
             <a:endParaRPr lang="en-US" sz="1800">
               <a:solidFill>
@@ -3216,7 +3081,7 @@
                 </a:spcAft>
                 <a:defRPr/>
               </a:pPr>
-              <a:t>14 January 2016</a:t>
+              <a:t>11 January 2017</a:t>
             </a:fld>
             <a:endParaRPr lang="en-US" sz="1800">
               <a:solidFill>
@@ -3400,7 +3265,7 @@
                 </a:spcAft>
                 <a:defRPr/>
               </a:pPr>
-              <a:t>14 January 2016</a:t>
+              <a:t>11 January 2017</a:t>
             </a:fld>
             <a:endParaRPr lang="en-US" sz="1800">
               <a:solidFill>
@@ -3561,7 +3426,7 @@
                 </a:spcAft>
                 <a:defRPr/>
               </a:pPr>
-              <a:t>14 January 2016</a:t>
+              <a:t>11 January 2017</a:t>
             </a:fld>
             <a:endParaRPr lang="en-US" sz="1800">
               <a:solidFill>
@@ -3904,7 +3769,7 @@
                 </a:spcAft>
                 <a:defRPr/>
               </a:pPr>
-              <a:t>14 January 2016</a:t>
+              <a:t>11 January 2017</a:t>
             </a:fld>
             <a:endParaRPr lang="en-US" sz="1800">
               <a:solidFill>
@@ -4043,7 +3908,7 @@
                 </a:solidFill>
               </a:rPr>
               <a:pPr/>
-              <a:t>1/14/2016</a:t>
+              <a:t>1/11/2017</a:t>
             </a:fld>
             <a:endParaRPr lang="en-US">
               <a:solidFill>
@@ -4426,7 +4291,7 @@
                 </a:spcAft>
                 <a:defRPr/>
               </a:pPr>
-              <a:t>14 January 2016</a:t>
+              <a:t>11 January 2017</a:t>
             </a:fld>
             <a:endParaRPr lang="en-US" sz="1800">
               <a:solidFill>
@@ -4662,7 +4527,7 @@
                 </a:spcAft>
                 <a:defRPr/>
               </a:pPr>
-              <a:t>14 January 2016</a:t>
+              <a:t>11 January 2017</a:t>
             </a:fld>
             <a:endParaRPr lang="en-US" sz="1800">
               <a:solidFill>
@@ -4908,7 +4773,7 @@
                 </a:spcAft>
                 <a:defRPr/>
               </a:pPr>
-              <a:t>14 January 2016</a:t>
+              <a:t>11 January 2017</a:t>
             </a:fld>
             <a:endParaRPr lang="en-US" sz="1800">
               <a:solidFill>
@@ -5122,7 +4987,7 @@
                 </a:spcAft>
                 <a:defRPr/>
               </a:pPr>
-              <a:t>14 January 2016</a:t>
+              <a:t>11 January 2017</a:t>
             </a:fld>
             <a:endParaRPr lang="en-US" sz="1800">
               <a:solidFill>
@@ -5337,7 +5202,7 @@
                 </a:solidFill>
               </a:rPr>
               <a:pPr/>
-              <a:t>1/14/2016</a:t>
+              <a:t>1/11/2017</a:t>
             </a:fld>
             <a:endParaRPr lang="en-US">
               <a:solidFill>
@@ -5657,7 +5522,7 @@
                 </a:solidFill>
               </a:rPr>
               <a:pPr/>
-              <a:t>1/14/2016</a:t>
+              <a:t>1/11/2017</a:t>
             </a:fld>
             <a:endParaRPr lang="en-US">
               <a:solidFill>
@@ -6111,7 +5976,7 @@
                 </a:solidFill>
               </a:rPr>
               <a:pPr/>
-              <a:t>1/14/2016</a:t>
+              <a:t>1/11/2017</a:t>
             </a:fld>
             <a:endParaRPr lang="en-US">
               <a:solidFill>
@@ -6261,7 +6126,7 @@
                 </a:solidFill>
               </a:rPr>
               <a:pPr/>
-              <a:t>1/14/2016</a:t>
+              <a:t>1/11/2017</a:t>
             </a:fld>
             <a:endParaRPr lang="en-US">
               <a:solidFill>
@@ -6388,7 +6253,7 @@
                 </a:solidFill>
               </a:rPr>
               <a:pPr/>
-              <a:t>1/14/2016</a:t>
+              <a:t>1/11/2017</a:t>
             </a:fld>
             <a:endParaRPr lang="en-US">
               <a:solidFill>
@@ -6697,7 +6562,7 @@
                 </a:solidFill>
               </a:rPr>
               <a:pPr/>
-              <a:t>1/14/2016</a:t>
+              <a:t>1/11/2017</a:t>
             </a:fld>
             <a:endParaRPr lang="en-US">
               <a:solidFill>
@@ -6982,7 +6847,7 @@
                 </a:solidFill>
               </a:rPr>
               <a:pPr/>
-              <a:t>1/14/2016</a:t>
+              <a:t>1/11/2017</a:t>
             </a:fld>
             <a:endParaRPr lang="en-US">
               <a:solidFill>
@@ -7243,7 +7108,7 @@
                   <a:spcPts val="0"/>
                 </a:spcAft>
               </a:pPr>
-              <a:t>1/14/2016</a:t>
+              <a:t>1/11/2017</a:t>
             </a:fld>
             <a:endParaRPr lang="en-US">
               <a:solidFill>
@@ -7874,38 +7739,6 @@
           </a:p>
         </p:txBody>
       </p:sp>
-      <p:pic>
-        <p:nvPicPr>
-          <p:cNvPr id="1030" name="Picture 41" descr="usafaseal2"/>
-          <p:cNvPicPr>
-            <a:picLocks noChangeAspect="1" noChangeArrowheads="1"/>
-          </p:cNvPicPr>
-          <p:nvPr userDrawn="1"/>
-        </p:nvPicPr>
-        <p:blipFill>
-          <a:blip r:embed="rId14" cstate="print"/>
-          <a:srcRect/>
-          <a:stretch>
-            <a:fillRect/>
-          </a:stretch>
-        </p:blipFill>
-        <p:spPr bwMode="auto">
-          <a:xfrm>
-            <a:off x="385763" y="0"/>
-            <a:ext cx="1287462" cy="1352550"/>
-          </a:xfrm>
-          <a:prstGeom prst="rect">
-            <a:avLst/>
-          </a:prstGeom>
-          <a:noFill/>
-          <a:ln w="9525">
-            <a:noFill/>
-            <a:miter lim="800000"/>
-            <a:headEnd/>
-            <a:tailEnd/>
-          </a:ln>
-        </p:spPr>
-      </p:pic>
       <p:sp>
         <p:nvSpPr>
           <p:cNvPr id="1067" name="Text Box 43"/>
@@ -8064,6 +7897,47 @@
           </a:p>
         </p:txBody>
       </p:sp>
+      <p:pic>
+        <p:nvPicPr>
+          <p:cNvPr id="9" name="Picture 2" descr="C:\Users\Ashley.Murphy\Desktop\USAFA%20Logo%20v%203%20line%20CMYK.png"/>
+          <p:cNvPicPr>
+            <a:picLocks noChangeAspect="1" noChangeArrowheads="1"/>
+          </p:cNvPicPr>
+          <p:nvPr userDrawn="1"/>
+        </p:nvPicPr>
+        <p:blipFill>
+          <a:blip r:embed="rId14" cstate="print">
+            <a:extLst>
+              <a:ext uri="{28A0092B-C50C-407E-A947-70E740481C1C}">
+                <a14:useLocalDpi xmlns:a14="http://schemas.microsoft.com/office/drawing/2010/main" val="0"/>
+              </a:ext>
+            </a:extLst>
+          </a:blip>
+          <a:srcRect/>
+          <a:stretch>
+            <a:fillRect/>
+          </a:stretch>
+        </p:blipFill>
+        <p:spPr bwMode="auto">
+          <a:xfrm>
+            <a:off x="462599" y="76200"/>
+            <a:ext cx="1065031" cy="1213885"/>
+          </a:xfrm>
+          <a:prstGeom prst="rect">
+            <a:avLst/>
+          </a:prstGeom>
+          <a:noFill/>
+          <a:extLst>
+            <a:ext uri="{909E8E84-426E-40DD-AFC4-6F175D3DCCD1}">
+              <a14:hiddenFill xmlns:a14="http://schemas.microsoft.com/office/drawing/2010/main">
+                <a:solidFill>
+                  <a:srgbClr val="FFFFFF"/>
+                </a:solidFill>
+              </a14:hiddenFill>
+            </a:ext>
+          </a:extLst>
+        </p:spPr>
+      </p:pic>
     </p:spTree>
     <p:extLst>
       <p:ext uri="{BB962C8B-B14F-4D97-AF65-F5344CB8AC3E}">
@@ -8520,116 +8394,62 @@
       </p:grpSpPr>
       <p:sp>
         <p:nvSpPr>
-          <p:cNvPr id="4098" name="Rectangle 2"/>
-          <p:cNvSpPr>
-            <a:spLocks noGrp="1" noChangeArrowheads="1"/>
-          </p:cNvSpPr>
-          <p:nvPr>
-            <p:ph type="ctrTitle"/>
-          </p:nvPr>
-        </p:nvSpPr>
-        <p:spPr>
-          <a:xfrm>
-            <a:off x="0" y="1524000"/>
-            <a:ext cx="9144000" cy="1905000"/>
-          </a:xfrm>
-        </p:spPr>
-        <p:txBody>
-          <a:bodyPr>
-            <a:normAutofit/>
-          </a:bodyPr>
-          <a:lstStyle/>
-          <a:p>
-            <a:pPr algn="ctr"/>
-            <a:r>
-              <a:rPr lang="en-US" sz="4000" dirty="0" smtClean="0"/>
-              <a:t>ECE 383 – Embedded Computer Systems II</a:t>
-            </a:r>
-            <a:br>
-              <a:rPr lang="en-US" sz="4000" dirty="0" smtClean="0"/>
-            </a:br>
-            <a:r>
-              <a:rPr lang="en-US" sz="4000" dirty="0" smtClean="0"/>
-              <a:t>Lecture </a:t>
-            </a:r>
-            <a:r>
-              <a:rPr lang="en-US" sz="4000" dirty="0" smtClean="0"/>
-              <a:t>4 </a:t>
-            </a:r>
-            <a:r>
-              <a:rPr lang="en-US" sz="4000" dirty="0" smtClean="0"/>
-              <a:t>– </a:t>
-            </a:r>
-            <a:r>
-              <a:rPr lang="en-US" sz="4000" dirty="0" smtClean="0"/>
-              <a:t>Sequential Element</a:t>
-            </a:r>
-            <a:endParaRPr lang="en-US" sz="4000" dirty="0" smtClean="0"/>
-          </a:p>
-        </p:txBody>
-      </p:sp>
-      <p:sp>
-        <p:nvSpPr>
-          <p:cNvPr id="4099" name="Rectangle 3"/>
-          <p:cNvSpPr>
-            <a:spLocks noGrp="1" noChangeArrowheads="1"/>
-          </p:cNvSpPr>
-          <p:nvPr>
-            <p:ph type="subTitle" idx="1"/>
-          </p:nvPr>
-        </p:nvSpPr>
-        <p:spPr>
-          <a:xfrm>
-            <a:off x="3333750" y="3754438"/>
-            <a:ext cx="5048250" cy="2187575"/>
-          </a:xfrm>
-        </p:spPr>
-        <p:txBody>
-          <a:bodyPr>
-            <a:normAutofit/>
-          </a:bodyPr>
-          <a:lstStyle/>
-          <a:p>
-            <a:r>
-              <a:rPr lang="en-US" dirty="0" smtClean="0"/>
-              <a:t>Capt Jeffrey Falkinburg</a:t>
-            </a:r>
-            <a:br>
-              <a:rPr lang="en-US" dirty="0" smtClean="0"/>
-            </a:br>
-            <a:r>
-              <a:rPr lang="en-US" dirty="0" smtClean="0"/>
-              <a:t>Room 2E46C</a:t>
-            </a:r>
-            <a:br>
-              <a:rPr lang="en-US" dirty="0" smtClean="0"/>
-            </a:br>
-            <a:r>
-              <a:rPr lang="en-US" dirty="0" smtClean="0"/>
-              <a:t>333-7366</a:t>
-            </a:r>
-          </a:p>
-        </p:txBody>
-      </p:sp>
-      <p:pic>
-        <p:nvPicPr>
-          <p:cNvPr id="4101" name="Picture 31" descr="usafaseal2"/>
-          <p:cNvPicPr>
-            <a:picLocks noChangeAspect="1" noChangeArrowheads="1"/>
-          </p:cNvPicPr>
+          <p:cNvPr id="4" name="Line 14"/>
+          <p:cNvSpPr>
+            <a:spLocks noChangeShapeType="1"/>
+          </p:cNvSpPr>
           <p:nvPr/>
-        </p:nvPicPr>
-        <p:blipFill>
-          <a:blip r:embed="rId3" cstate="print"/>
-          <a:srcRect/>
-          <a:stretch>
-            <a:fillRect/>
-          </a:stretch>
-        </p:blipFill>
+        </p:nvSpPr>
         <p:spPr bwMode="auto">
           <a:xfrm>
-            <a:off x="520700" y="2903538"/>
-            <a:ext cx="3035300" cy="3187700"/>
+            <a:off x="381000" y="6451600"/>
+            <a:ext cx="8382000" cy="0"/>
+          </a:xfrm>
+          <a:prstGeom prst="line">
+            <a:avLst/>
+          </a:prstGeom>
+          <a:noFill/>
+          <a:ln w="57150">
+            <a:solidFill>
+              <a:srgbClr val="0C2D83"/>
+            </a:solidFill>
+            <a:round/>
+            <a:headEnd/>
+            <a:tailEnd/>
+          </a:ln>
+          <a:effectLst/>
+        </p:spPr>
+        <p:txBody>
+          <a:bodyPr wrap="none" anchor="ctr"/>
+          <a:lstStyle/>
+          <a:p>
+            <a:pPr algn="ctr" eaLnBrk="0" hangingPunct="0">
+              <a:spcBef>
+                <a:spcPct val="0"/>
+              </a:spcBef>
+              <a:defRPr/>
+            </a:pPr>
+            <a:endParaRPr lang="en-US" sz="1400" dirty="0">
+              <a:solidFill>
+                <a:srgbClr val="000000"/>
+              </a:solidFill>
+              <a:latin typeface="Arial" charset="0"/>
+            </a:endParaRPr>
+          </a:p>
+        </p:txBody>
+      </p:sp>
+      <p:sp>
+        <p:nvSpPr>
+          <p:cNvPr id="8" name="Rectangle 13"/>
+          <p:cNvSpPr txBox="1">
+            <a:spLocks noChangeArrowheads="1"/>
+          </p:cNvSpPr>
+          <p:nvPr/>
+        </p:nvSpPr>
+        <p:spPr bwMode="auto">
+          <a:xfrm>
+            <a:off x="3070748" y="1774209"/>
+            <a:ext cx="5581888" cy="2854051"/>
           </a:xfrm>
           <a:prstGeom prst="rect">
             <a:avLst/>
@@ -8642,134 +8462,569 @@
             <a:tailEnd/>
           </a:ln>
         </p:spPr>
-      </p:pic>
-      <p:sp>
-        <p:nvSpPr>
-          <p:cNvPr id="4102" name="Text Box 6"/>
+        <p:txBody>
+          <a:bodyPr vert="horz" wrap="square" lIns="91440" tIns="45720" rIns="91440" bIns="45720" numCol="1" anchor="ctr" anchorCtr="0" compatLnSpc="1">
+            <a:prstTxWarp prst="textNoShape">
+              <a:avLst/>
+            </a:prstTxWarp>
+          </a:bodyPr>
+          <a:lstStyle>
+            <a:lvl1pPr algn="r" rtl="0" eaLnBrk="0" fontAlgn="base" hangingPunct="0">
+              <a:spcBef>
+                <a:spcPct val="0"/>
+              </a:spcBef>
+              <a:spcAft>
+                <a:spcPct val="0"/>
+              </a:spcAft>
+              <a:defRPr sz="4400" b="1">
+                <a:solidFill>
+                  <a:srgbClr val="0C2D83"/>
+                </a:solidFill>
+                <a:effectLst>
+                  <a:outerShdw blurRad="38100" dist="38100" dir="2700000" algn="tl">
+                    <a:srgbClr val="000000">
+                      <a:alpha val="43137"/>
+                    </a:srgbClr>
+                  </a:outerShdw>
+                </a:effectLst>
+                <a:latin typeface="+mj-lt"/>
+                <a:ea typeface="+mj-ea"/>
+                <a:cs typeface="+mj-cs"/>
+              </a:defRPr>
+            </a:lvl1pPr>
+            <a:lvl2pPr algn="r" rtl="0" eaLnBrk="0" fontAlgn="base" hangingPunct="0">
+              <a:spcBef>
+                <a:spcPct val="0"/>
+              </a:spcBef>
+              <a:spcAft>
+                <a:spcPct val="0"/>
+              </a:spcAft>
+              <a:defRPr sz="3600" b="1">
+                <a:solidFill>
+                  <a:srgbClr val="0C2D83"/>
+                </a:solidFill>
+                <a:latin typeface="Arial" charset="0"/>
+              </a:defRPr>
+            </a:lvl2pPr>
+            <a:lvl3pPr algn="r" rtl="0" eaLnBrk="0" fontAlgn="base" hangingPunct="0">
+              <a:spcBef>
+                <a:spcPct val="0"/>
+              </a:spcBef>
+              <a:spcAft>
+                <a:spcPct val="0"/>
+              </a:spcAft>
+              <a:defRPr sz="3600" b="1">
+                <a:solidFill>
+                  <a:srgbClr val="0C2D83"/>
+                </a:solidFill>
+                <a:latin typeface="Arial" charset="0"/>
+              </a:defRPr>
+            </a:lvl3pPr>
+            <a:lvl4pPr algn="r" rtl="0" eaLnBrk="0" fontAlgn="base" hangingPunct="0">
+              <a:spcBef>
+                <a:spcPct val="0"/>
+              </a:spcBef>
+              <a:spcAft>
+                <a:spcPct val="0"/>
+              </a:spcAft>
+              <a:defRPr sz="3600" b="1">
+                <a:solidFill>
+                  <a:srgbClr val="0C2D83"/>
+                </a:solidFill>
+                <a:latin typeface="Arial" charset="0"/>
+              </a:defRPr>
+            </a:lvl4pPr>
+            <a:lvl5pPr algn="r" rtl="0" eaLnBrk="0" fontAlgn="base" hangingPunct="0">
+              <a:spcBef>
+                <a:spcPct val="0"/>
+              </a:spcBef>
+              <a:spcAft>
+                <a:spcPct val="0"/>
+              </a:spcAft>
+              <a:defRPr sz="3600" b="1">
+                <a:solidFill>
+                  <a:srgbClr val="0C2D83"/>
+                </a:solidFill>
+                <a:latin typeface="Arial" charset="0"/>
+              </a:defRPr>
+            </a:lvl5pPr>
+            <a:lvl6pPr marL="457200" algn="r" rtl="0" fontAlgn="base">
+              <a:spcBef>
+                <a:spcPct val="0"/>
+              </a:spcBef>
+              <a:spcAft>
+                <a:spcPct val="0"/>
+              </a:spcAft>
+              <a:defRPr sz="3600" b="1">
+                <a:solidFill>
+                  <a:srgbClr val="0C2D83"/>
+                </a:solidFill>
+                <a:latin typeface="Arial" charset="0"/>
+              </a:defRPr>
+            </a:lvl6pPr>
+            <a:lvl7pPr marL="914400" algn="r" rtl="0" fontAlgn="base">
+              <a:spcBef>
+                <a:spcPct val="0"/>
+              </a:spcBef>
+              <a:spcAft>
+                <a:spcPct val="0"/>
+              </a:spcAft>
+              <a:defRPr sz="3600" b="1">
+                <a:solidFill>
+                  <a:srgbClr val="0C2D83"/>
+                </a:solidFill>
+                <a:latin typeface="Arial" charset="0"/>
+              </a:defRPr>
+            </a:lvl7pPr>
+            <a:lvl8pPr marL="1371600" algn="r" rtl="0" fontAlgn="base">
+              <a:spcBef>
+                <a:spcPct val="0"/>
+              </a:spcBef>
+              <a:spcAft>
+                <a:spcPct val="0"/>
+              </a:spcAft>
+              <a:defRPr sz="3600" b="1">
+                <a:solidFill>
+                  <a:srgbClr val="0C2D83"/>
+                </a:solidFill>
+                <a:latin typeface="Arial" charset="0"/>
+              </a:defRPr>
+            </a:lvl8pPr>
+            <a:lvl9pPr marL="1828800" algn="r" rtl="0" fontAlgn="base">
+              <a:spcBef>
+                <a:spcPct val="0"/>
+              </a:spcBef>
+              <a:spcAft>
+                <a:spcPct val="0"/>
+              </a:spcAft>
+              <a:defRPr sz="3600" b="1">
+                <a:solidFill>
+                  <a:srgbClr val="0C2D83"/>
+                </a:solidFill>
+                <a:latin typeface="Arial" charset="0"/>
+              </a:defRPr>
+            </a:lvl9pPr>
+          </a:lstStyle>
+          <a:p>
+            <a:pPr algn="ctr"/>
+            <a:r>
+              <a:rPr lang="en-US" sz="4000" kern="0" dirty="0">
+                <a:effectLst/>
+                <a:latin typeface="Trebuchet MS" panose="020B0603020202020204" pitchFamily="34" charset="0"/>
+              </a:rPr>
+              <a:t>ECE 383 – Embedded </a:t>
+            </a:r>
+            <a:r>
+              <a:rPr lang="en-US" sz="4000" kern="0" dirty="0" smtClean="0">
+                <a:effectLst/>
+                <a:latin typeface="Trebuchet MS" panose="020B0603020202020204" pitchFamily="34" charset="0"/>
+              </a:rPr>
+              <a:t>Computer Systems </a:t>
+            </a:r>
+            <a:r>
+              <a:rPr lang="en-US" sz="4000" kern="0" dirty="0">
+                <a:effectLst/>
+                <a:latin typeface="Trebuchet MS" panose="020B0603020202020204" pitchFamily="34" charset="0"/>
+              </a:rPr>
+              <a:t>II</a:t>
+            </a:r>
+            <a:br>
+              <a:rPr lang="en-US" sz="4000" kern="0" dirty="0">
+                <a:effectLst/>
+                <a:latin typeface="Trebuchet MS" panose="020B0603020202020204" pitchFamily="34" charset="0"/>
+              </a:rPr>
+            </a:br>
+            <a:r>
+              <a:rPr lang="en-US" sz="4000" kern="0" dirty="0">
+                <a:effectLst/>
+                <a:latin typeface="Trebuchet MS" panose="020B0603020202020204" pitchFamily="34" charset="0"/>
+              </a:rPr>
+              <a:t>Lecture 4 – Sequential Element</a:t>
+            </a:r>
+            <a:endParaRPr lang="en-US" sz="4000" kern="0" dirty="0">
+              <a:effectLst/>
+              <a:latin typeface="Trebuchet MS" panose="020B0603020202020204" pitchFamily="34" charset="0"/>
+            </a:endParaRPr>
+          </a:p>
+        </p:txBody>
+      </p:sp>
+      <p:sp>
+        <p:nvSpPr>
+          <p:cNvPr id="6" name="Slide Number Placeholder 21"/>
           <p:cNvSpPr txBox="1">
-            <a:spLocks noChangeArrowheads="1"/>
+            <a:spLocks/>
+          </p:cNvSpPr>
+          <p:nvPr/>
+        </p:nvSpPr>
+        <p:spPr>
+          <a:xfrm>
+            <a:off x="8551333" y="6521450"/>
+            <a:ext cx="592667" cy="336550"/>
+          </a:xfrm>
+          <a:prstGeom prst="rect">
+            <a:avLst/>
+          </a:prstGeom>
+        </p:spPr>
+        <p:txBody>
+          <a:bodyPr/>
+          <a:lstStyle>
+            <a:defPPr>
+              <a:defRPr lang="en-US"/>
+            </a:defPPr>
+            <a:lvl1pPr algn="l" rtl="0" fontAlgn="base">
+              <a:spcBef>
+                <a:spcPct val="0"/>
+              </a:spcBef>
+              <a:spcAft>
+                <a:spcPct val="0"/>
+              </a:spcAft>
+              <a:defRPr sz="1400" kern="1200">
+                <a:solidFill>
+                  <a:schemeClr val="tx1"/>
+                </a:solidFill>
+                <a:latin typeface="Arial" charset="0"/>
+                <a:ea typeface="+mn-ea"/>
+                <a:cs typeface="+mn-cs"/>
+              </a:defRPr>
+            </a:lvl1pPr>
+            <a:lvl2pPr marL="457200" algn="l" rtl="0" fontAlgn="base">
+              <a:spcBef>
+                <a:spcPct val="0"/>
+              </a:spcBef>
+              <a:spcAft>
+                <a:spcPct val="0"/>
+              </a:spcAft>
+              <a:defRPr sz="1400" kern="1200">
+                <a:solidFill>
+                  <a:schemeClr val="tx1"/>
+                </a:solidFill>
+                <a:latin typeface="Arial" charset="0"/>
+                <a:ea typeface="+mn-ea"/>
+                <a:cs typeface="+mn-cs"/>
+              </a:defRPr>
+            </a:lvl2pPr>
+            <a:lvl3pPr marL="914400" algn="l" rtl="0" fontAlgn="base">
+              <a:spcBef>
+                <a:spcPct val="0"/>
+              </a:spcBef>
+              <a:spcAft>
+                <a:spcPct val="0"/>
+              </a:spcAft>
+              <a:defRPr sz="1400" kern="1200">
+                <a:solidFill>
+                  <a:schemeClr val="tx1"/>
+                </a:solidFill>
+                <a:latin typeface="Arial" charset="0"/>
+                <a:ea typeface="+mn-ea"/>
+                <a:cs typeface="+mn-cs"/>
+              </a:defRPr>
+            </a:lvl3pPr>
+            <a:lvl4pPr marL="1371600" algn="l" rtl="0" fontAlgn="base">
+              <a:spcBef>
+                <a:spcPct val="0"/>
+              </a:spcBef>
+              <a:spcAft>
+                <a:spcPct val="0"/>
+              </a:spcAft>
+              <a:defRPr sz="1400" kern="1200">
+                <a:solidFill>
+                  <a:schemeClr val="tx1"/>
+                </a:solidFill>
+                <a:latin typeface="Arial" charset="0"/>
+                <a:ea typeface="+mn-ea"/>
+                <a:cs typeface="+mn-cs"/>
+              </a:defRPr>
+            </a:lvl4pPr>
+            <a:lvl5pPr marL="1828800" algn="l" rtl="0" fontAlgn="base">
+              <a:spcBef>
+                <a:spcPct val="0"/>
+              </a:spcBef>
+              <a:spcAft>
+                <a:spcPct val="0"/>
+              </a:spcAft>
+              <a:defRPr sz="1400" kern="1200">
+                <a:solidFill>
+                  <a:schemeClr val="tx1"/>
+                </a:solidFill>
+                <a:latin typeface="Arial" charset="0"/>
+                <a:ea typeface="+mn-ea"/>
+                <a:cs typeface="+mn-cs"/>
+              </a:defRPr>
+            </a:lvl5pPr>
+            <a:lvl6pPr marL="2286000" algn="l" defTabSz="914400" rtl="0" eaLnBrk="1" latinLnBrk="0" hangingPunct="1">
+              <a:defRPr sz="1400" kern="1200">
+                <a:solidFill>
+                  <a:schemeClr val="tx1"/>
+                </a:solidFill>
+                <a:latin typeface="Arial" charset="0"/>
+                <a:ea typeface="+mn-ea"/>
+                <a:cs typeface="+mn-cs"/>
+              </a:defRPr>
+            </a:lvl6pPr>
+            <a:lvl7pPr marL="2743200" algn="l" defTabSz="914400" rtl="0" eaLnBrk="1" latinLnBrk="0" hangingPunct="1">
+              <a:defRPr sz="1400" kern="1200">
+                <a:solidFill>
+                  <a:schemeClr val="tx1"/>
+                </a:solidFill>
+                <a:latin typeface="Arial" charset="0"/>
+                <a:ea typeface="+mn-ea"/>
+                <a:cs typeface="+mn-cs"/>
+              </a:defRPr>
+            </a:lvl7pPr>
+            <a:lvl8pPr marL="3200400" algn="l" defTabSz="914400" rtl="0" eaLnBrk="1" latinLnBrk="0" hangingPunct="1">
+              <a:defRPr sz="1400" kern="1200">
+                <a:solidFill>
+                  <a:schemeClr val="tx1"/>
+                </a:solidFill>
+                <a:latin typeface="Arial" charset="0"/>
+                <a:ea typeface="+mn-ea"/>
+                <a:cs typeface="+mn-cs"/>
+              </a:defRPr>
+            </a:lvl8pPr>
+            <a:lvl9pPr marL="3657600" algn="l" defTabSz="914400" rtl="0" eaLnBrk="1" latinLnBrk="0" hangingPunct="1">
+              <a:defRPr sz="1400" kern="1200">
+                <a:solidFill>
+                  <a:schemeClr val="tx1"/>
+                </a:solidFill>
+                <a:latin typeface="Arial" charset="0"/>
+                <a:ea typeface="+mn-ea"/>
+                <a:cs typeface="+mn-cs"/>
+              </a:defRPr>
+            </a:lvl9pPr>
+          </a:lstStyle>
+          <a:p>
+            <a:pPr algn="ctr">
+              <a:defRPr/>
+            </a:pPr>
+            <a:fld id="{D7580031-58D8-4E1D-BF97-18519902E6F9}" type="slidenum">
+              <a:rPr lang="en-US" smtClean="0">
+                <a:solidFill>
+                  <a:srgbClr val="000000"/>
+                </a:solidFill>
+                <a:latin typeface="Trebuchet MS" panose="020B0603020202020204" pitchFamily="34" charset="0"/>
+              </a:rPr>
+              <a:pPr algn="ctr">
+                <a:defRPr/>
+              </a:pPr>
+              <a:t>1</a:t>
+            </a:fld>
+            <a:endParaRPr lang="en-US" dirty="0">
+              <a:solidFill>
+                <a:srgbClr val="000000"/>
+              </a:solidFill>
+              <a:latin typeface="Trebuchet MS" panose="020B0603020202020204" pitchFamily="34" charset="0"/>
+            </a:endParaRPr>
+          </a:p>
+        </p:txBody>
+      </p:sp>
+      <p:sp>
+        <p:nvSpPr>
+          <p:cNvPr id="5" name="Line 14"/>
+          <p:cNvSpPr>
+            <a:spLocks noChangeShapeType="1"/>
           </p:cNvSpPr>
           <p:nvPr/>
         </p:nvSpPr>
         <p:spPr bwMode="auto">
           <a:xfrm>
-            <a:off x="1610251" y="500063"/>
-            <a:ext cx="5872698" cy="707886"/>
+            <a:off x="382200" y="6316000"/>
+            <a:ext cx="8382000" cy="0"/>
+          </a:xfrm>
+          <a:prstGeom prst="line">
+            <a:avLst/>
+          </a:prstGeom>
+          <a:noFill/>
+          <a:ln w="57150">
+            <a:solidFill>
+              <a:schemeClr val="bg1">
+                <a:lumMod val="65000"/>
+              </a:schemeClr>
+            </a:solidFill>
+            <a:round/>
+            <a:headEnd/>
+            <a:tailEnd/>
+          </a:ln>
+          <a:effectLst/>
+        </p:spPr>
+        <p:txBody>
+          <a:bodyPr wrap="none" anchor="ctr"/>
+          <a:lstStyle/>
+          <a:p>
+            <a:pPr algn="ctr" eaLnBrk="0" hangingPunct="0">
+              <a:spcBef>
+                <a:spcPct val="0"/>
+              </a:spcBef>
+              <a:defRPr/>
+            </a:pPr>
+            <a:endParaRPr lang="en-US" sz="1400" dirty="0">
+              <a:solidFill>
+                <a:srgbClr val="000000"/>
+              </a:solidFill>
+              <a:latin typeface="Arial" charset="0"/>
+            </a:endParaRPr>
+          </a:p>
+        </p:txBody>
+      </p:sp>
+      <p:sp>
+        <p:nvSpPr>
+          <p:cNvPr id="7" name="Line 14"/>
+          <p:cNvSpPr>
+            <a:spLocks noChangeShapeType="1"/>
+          </p:cNvSpPr>
+          <p:nvPr/>
+        </p:nvSpPr>
+        <p:spPr bwMode="auto">
+          <a:xfrm>
+            <a:off x="382200" y="1567588"/>
+            <a:ext cx="8382000" cy="0"/>
+          </a:xfrm>
+          <a:prstGeom prst="line">
+            <a:avLst/>
+          </a:prstGeom>
+          <a:noFill/>
+          <a:ln w="57150">
+            <a:solidFill>
+              <a:schemeClr val="bg1">
+                <a:lumMod val="65000"/>
+              </a:schemeClr>
+            </a:solidFill>
+            <a:round/>
+            <a:headEnd/>
+            <a:tailEnd/>
+          </a:ln>
+          <a:effectLst/>
+        </p:spPr>
+        <p:txBody>
+          <a:bodyPr wrap="none" anchor="ctr"/>
+          <a:lstStyle/>
+          <a:p>
+            <a:pPr algn="ctr" eaLnBrk="0" hangingPunct="0">
+              <a:spcBef>
+                <a:spcPct val="0"/>
+              </a:spcBef>
+              <a:defRPr/>
+            </a:pPr>
+            <a:endParaRPr lang="en-US" sz="1400" dirty="0">
+              <a:solidFill>
+                <a:srgbClr val="000000"/>
+              </a:solidFill>
+              <a:latin typeface="Arial" charset="0"/>
+            </a:endParaRPr>
+          </a:p>
+        </p:txBody>
+      </p:sp>
+      <p:sp>
+        <p:nvSpPr>
+          <p:cNvPr id="9" name="Rectangle 10"/>
+          <p:cNvSpPr>
+            <a:spLocks noGrp="1" noChangeArrowheads="1"/>
+          </p:cNvSpPr>
+          <p:nvPr>
+            <p:ph type="subTitle" idx="1"/>
+          </p:nvPr>
+        </p:nvSpPr>
+        <p:spPr>
+          <a:xfrm>
+            <a:off x="4159624" y="4743731"/>
+            <a:ext cx="4508500" cy="1489075"/>
+          </a:xfrm>
+        </p:spPr>
+        <p:txBody>
+          <a:bodyPr anchor="ctr">
+            <a:normAutofit lnSpcReduction="10000"/>
+          </a:bodyPr>
+          <a:lstStyle>
+            <a:lvl1pPr marL="0" indent="0" algn="r">
+              <a:buFont typeface="Wingdings" pitchFamily="2" charset="2"/>
+              <a:buNone/>
+              <a:defRPr/>
+            </a:lvl1pPr>
+          </a:lstStyle>
+          <a:p>
+            <a:r>
+              <a:rPr lang="en-US" dirty="0" smtClean="0"/>
+              <a:t>Maj Jeffrey </a:t>
+            </a:r>
+            <a:r>
+              <a:rPr lang="en-US" dirty="0"/>
+              <a:t>Falkinburg</a:t>
+            </a:r>
+            <a:br>
+              <a:rPr lang="en-US" dirty="0"/>
+            </a:br>
+            <a:r>
+              <a:rPr lang="en-US" dirty="0"/>
+              <a:t>Room 2E46E</a:t>
+            </a:r>
+            <a:br>
+              <a:rPr lang="en-US" dirty="0"/>
+            </a:br>
+            <a:r>
+              <a:rPr lang="en-US" dirty="0" smtClean="0"/>
+              <a:t>333-9193</a:t>
+            </a:r>
+          </a:p>
+        </p:txBody>
+      </p:sp>
+      <p:pic>
+        <p:nvPicPr>
+          <p:cNvPr id="1026" name="Picture 2" descr="https://sharepoint.usafa.edu/hq/CM/Shared%20Documents/Logo/USAFA%20Logo%20v%203%20line%20CMYK.png"/>
+          <p:cNvPicPr>
+            <a:picLocks noChangeAspect="1" noChangeArrowheads="1"/>
+          </p:cNvPicPr>
+          <p:nvPr/>
+        </p:nvPicPr>
+        <p:blipFill>
+          <a:blip r:embed="rId2" cstate="print">
+            <a:extLst>
+              <a:ext uri="{28A0092B-C50C-407E-A947-70E740481C1C}">
+                <a14:useLocalDpi xmlns:a14="http://schemas.microsoft.com/office/drawing/2010/main" val="0"/>
+              </a:ext>
+            </a:extLst>
+          </a:blip>
+          <a:srcRect/>
+          <a:stretch>
+            <a:fillRect/>
+          </a:stretch>
+        </p:blipFill>
+        <p:spPr bwMode="auto">
+          <a:xfrm>
+            <a:off x="480812" y="2281515"/>
+            <a:ext cx="2973096" cy="3389753"/>
           </a:xfrm>
           <a:prstGeom prst="rect">
             <a:avLst/>
           </a:prstGeom>
           <a:noFill/>
-          <a:ln w="9525">
-            <a:noFill/>
-            <a:miter lim="800000"/>
-            <a:headEnd/>
-            <a:tailEnd/>
-          </a:ln>
-          <a:effectLst/>
+          <a:extLst>
+            <a:ext uri="{909E8E84-426E-40DD-AFC4-6F175D3DCCD1}">
+              <a14:hiddenFill xmlns:a14="http://schemas.microsoft.com/office/drawing/2010/main">
+                <a:solidFill>
+                  <a:srgbClr val="FFFFFF"/>
+                </a:solidFill>
+              </a14:hiddenFill>
+            </a:ext>
+          </a:extLst>
         </p:spPr>
-        <p:txBody>
-          <a:bodyPr wrap="none">
-            <a:spAutoFit/>
-          </a:bodyPr>
-          <a:lstStyle/>
-          <a:p>
-            <a:pPr algn="ctr" fontAlgn="auto">
-              <a:spcBef>
-                <a:spcPts val="0"/>
-              </a:spcBef>
-              <a:spcAft>
-                <a:spcPts val="0"/>
-              </a:spcAft>
-            </a:pPr>
-            <a:r>
-              <a:rPr lang="en-US" sz="4000" b="1" i="1" dirty="0">
-                <a:solidFill>
-                  <a:prstClr val="black"/>
-                </a:solidFill>
-                <a:latin typeface="Calibri"/>
-              </a:rPr>
-              <a:t>HQ U.S. Air Force Academy</a:t>
-            </a:r>
-          </a:p>
-        </p:txBody>
-      </p:sp>
-      <p:sp>
-        <p:nvSpPr>
-          <p:cNvPr id="4103" name="Text Box 7"/>
-          <p:cNvSpPr txBox="1">
-            <a:spLocks noChangeArrowheads="1"/>
-          </p:cNvSpPr>
-          <p:nvPr/>
-        </p:nvSpPr>
-        <p:spPr bwMode="auto">
-          <a:xfrm>
-            <a:off x="1270000" y="6444160"/>
-            <a:ext cx="6553200" cy="396875"/>
-          </a:xfrm>
-          <a:prstGeom prst="rect">
-            <a:avLst/>
-          </a:prstGeom>
-          <a:noFill/>
-          <a:ln w="9525">
-            <a:noFill/>
-            <a:miter lim="800000"/>
-            <a:headEnd/>
-            <a:tailEnd/>
-          </a:ln>
-          <a:effectLst/>
-        </p:spPr>
-        <p:txBody>
-          <a:bodyPr>
-            <a:spAutoFit/>
-          </a:bodyPr>
-          <a:lstStyle/>
-          <a:p>
-            <a:pPr algn="ctr" fontAlgn="auto">
-              <a:spcAft>
-                <a:spcPts val="0"/>
-              </a:spcAft>
-            </a:pPr>
-            <a:r>
-              <a:rPr lang="en-US" sz="2000" b="1" i="1" dirty="0">
-                <a:solidFill>
-                  <a:prstClr val="black"/>
-                </a:solidFill>
-                <a:latin typeface="Century Schoolbook" pitchFamily="18" charset="0"/>
-              </a:rPr>
-              <a:t>I n t e g r i t y  -  S e r v i c e  -  E x c e l </a:t>
-            </a:r>
-            <a:r>
-              <a:rPr lang="en-US" sz="2000" b="1" i="1" dirty="0" err="1">
-                <a:solidFill>
-                  <a:prstClr val="black"/>
-                </a:solidFill>
-                <a:latin typeface="Century Schoolbook" pitchFamily="18" charset="0"/>
-              </a:rPr>
-              <a:t>l</a:t>
-            </a:r>
-            <a:r>
-              <a:rPr lang="en-US" sz="2000" b="1" i="1" dirty="0">
-                <a:solidFill>
-                  <a:prstClr val="black"/>
-                </a:solidFill>
-                <a:latin typeface="Century Schoolbook" pitchFamily="18" charset="0"/>
-              </a:rPr>
-              <a:t> e n c e</a:t>
-            </a:r>
-          </a:p>
-        </p:txBody>
-      </p:sp>
+      </p:pic>
     </p:spTree>
     <p:extLst>
       <p:ext uri="{BB962C8B-B14F-4D97-AF65-F5344CB8AC3E}">
-        <p14:creationId xmlns:p14="http://schemas.microsoft.com/office/powerpoint/2010/main" val="2545300548"/>
+        <p14:creationId xmlns:p14="http://schemas.microsoft.com/office/powerpoint/2010/main" val="3642310579"/>
       </p:ext>
     </p:extLst>
   </p:cSld>
   <p:clrMapOvr>
     <a:masterClrMapping/>
   </p:clrMapOvr>
+  <mc:AlternateContent xmlns:mc="http://schemas.openxmlformats.org/markup-compatibility/2006" xmlns:p14="http://schemas.microsoft.com/office/powerpoint/2010/main">
+    <mc:Choice Requires="p14">
+      <p:transition spd="slow" p14:dur="2000"/>
+    </mc:Choice>
+    <mc:Fallback xmlns="">
+      <p:transition spd="slow"/>
+    </mc:Fallback>
+  </mc:AlternateContent>
   <p:timing>
     <p:tnLst>
       <p:par>
@@ -8898,323 +9153,6 @@
                 <a:defRPr/>
               </a:pPr>
               <a:t>10</a:t>
-            </a:fld>
-            <a:endParaRPr lang="en-US" dirty="0">
-              <a:solidFill>
-                <a:srgbClr val="000000"/>
-              </a:solidFill>
-            </a:endParaRPr>
-          </a:p>
-        </p:txBody>
-      </p:sp>
-      <p:sp>
-        <p:nvSpPr>
-          <p:cNvPr id="7" name="Rectangle 1"/>
-          <p:cNvSpPr>
-            <a:spLocks noChangeArrowheads="1"/>
-          </p:cNvSpPr>
-          <p:nvPr/>
-        </p:nvSpPr>
-        <p:spPr bwMode="auto">
-          <a:xfrm>
-            <a:off x="800100" y="2803525"/>
-            <a:ext cx="9144000" cy="0"/>
-          </a:xfrm>
-          <a:prstGeom prst="rect">
-            <a:avLst/>
-          </a:prstGeom>
-          <a:noFill/>
-          <a:ln>
-            <a:noFill/>
-          </a:ln>
-          <a:effectLst/>
-          <a:extLst>
-            <a:ext uri="{909E8E84-426E-40DD-AFC4-6F175D3DCCD1}">
-              <a14:hiddenFill xmlns:a14="http://schemas.microsoft.com/office/drawing/2010/main">
-                <a:solidFill>
-                  <a:schemeClr val="accent1"/>
-                </a:solidFill>
-              </a14:hiddenFill>
-            </a:ext>
-            <a:ext uri="{91240B29-F687-4F45-9708-019B960494DF}">
-              <a14:hiddenLine xmlns:a14="http://schemas.microsoft.com/office/drawing/2010/main" w="9525">
-                <a:solidFill>
-                  <a:schemeClr val="tx1"/>
-                </a:solidFill>
-                <a:miter lim="800000"/>
-                <a:headEnd/>
-                <a:tailEnd/>
-              </a14:hiddenLine>
-            </a:ext>
-            <a:ext uri="{AF507438-7753-43E0-B8FC-AC1667EBCBE1}">
-              <a14:hiddenEffects xmlns:a14="http://schemas.microsoft.com/office/drawing/2010/main">
-                <a:effectLst>
-                  <a:outerShdw dist="35921" dir="2700000" algn="ctr" rotWithShape="0">
-                    <a:schemeClr val="bg2"/>
-                  </a:outerShdw>
-                </a:effectLst>
-              </a14:hiddenEffects>
-            </a:ext>
-          </a:extLst>
-        </p:spPr>
-        <p:txBody>
-          <a:bodyPr vert="horz" wrap="none" lIns="91440" tIns="45720" rIns="91440" bIns="45720" numCol="1" anchor="ctr" anchorCtr="0" compatLnSpc="1">
-            <a:prstTxWarp prst="textNoShape">
-              <a:avLst/>
-            </a:prstTxWarp>
-            <a:spAutoFit/>
-          </a:bodyPr>
-          <a:lstStyle/>
-          <a:p>
-            <a:pPr marL="0" marR="0" lvl="0" indent="0" algn="l" defTabSz="914400" rtl="0" eaLnBrk="1" fontAlgn="base" latinLnBrk="0" hangingPunct="1">
-              <a:lnSpc>
-                <a:spcPct val="100000"/>
-              </a:lnSpc>
-              <a:spcBef>
-                <a:spcPct val="0"/>
-              </a:spcBef>
-              <a:spcAft>
-                <a:spcPct val="0"/>
-              </a:spcAft>
-              <a:buClrTx/>
-              <a:buSzTx/>
-              <a:buFontTx/>
-              <a:buNone/>
-              <a:tabLst/>
-            </a:pPr>
-            <a:r>
-              <a:rPr kumimoji="0" lang="en-US" altLang="en-US" sz="1800" b="0" i="0" u="none" strike="noStrike" cap="none" normalizeH="0" baseline="0" smtClean="0">
-                <a:ln>
-                  <a:noFill/>
-                </a:ln>
-                <a:solidFill>
-                  <a:schemeClr val="tx1"/>
-                </a:solidFill>
-                <a:effectLst/>
-                <a:latin typeface="Arial" charset="0"/>
-                <a:cs typeface="Arial" charset="0"/>
-              </a:rPr>
-              <a:t/>
-            </a:r>
-            <a:br>
-              <a:rPr kumimoji="0" lang="en-US" altLang="en-US" sz="1800" b="0" i="0" u="none" strike="noStrike" cap="none" normalizeH="0" baseline="0" smtClean="0">
-                <a:ln>
-                  <a:noFill/>
-                </a:ln>
-                <a:solidFill>
-                  <a:schemeClr val="tx1"/>
-                </a:solidFill>
-                <a:effectLst/>
-                <a:latin typeface="Arial" charset="0"/>
-                <a:cs typeface="Arial" charset="0"/>
-              </a:rPr>
-            </a:br>
-            <a:endParaRPr kumimoji="0" lang="en-US" altLang="en-US" sz="1800" b="0" i="0" u="none" strike="noStrike" cap="none" normalizeH="0" baseline="0" smtClean="0">
-              <a:ln>
-                <a:noFill/>
-              </a:ln>
-              <a:solidFill>
-                <a:schemeClr val="tx1"/>
-              </a:solidFill>
-              <a:effectLst/>
-              <a:latin typeface="Arial" charset="0"/>
-              <a:cs typeface="Arial" charset="0"/>
-            </a:endParaRPr>
-          </a:p>
-        </p:txBody>
-      </p:sp>
-      <p:pic>
-        <p:nvPicPr>
-          <p:cNvPr id="2050" name="Picture 2"/>
-          <p:cNvPicPr>
-            <a:picLocks noChangeAspect="1" noChangeArrowheads="1"/>
-          </p:cNvPicPr>
-          <p:nvPr/>
-        </p:nvPicPr>
-        <p:blipFill>
-          <a:blip r:embed="rId2">
-            <a:extLst>
-              <a:ext uri="{28A0092B-C50C-407E-A947-70E740481C1C}">
-                <a14:useLocalDpi xmlns:a14="http://schemas.microsoft.com/office/drawing/2010/main" val="0"/>
-              </a:ext>
-            </a:extLst>
-          </a:blip>
-          <a:srcRect/>
-          <a:stretch>
-            <a:fillRect/>
-          </a:stretch>
-        </p:blipFill>
-        <p:spPr bwMode="auto">
-          <a:xfrm>
-            <a:off x="1" y="1443038"/>
-            <a:ext cx="9144000" cy="3540435"/>
-          </a:xfrm>
-          <a:prstGeom prst="rect">
-            <a:avLst/>
-          </a:prstGeom>
-          <a:noFill/>
-          <a:ln>
-            <a:noFill/>
-          </a:ln>
-          <a:extLst>
-            <a:ext uri="{909E8E84-426E-40DD-AFC4-6F175D3DCCD1}">
-              <a14:hiddenFill xmlns:a14="http://schemas.microsoft.com/office/drawing/2010/main">
-                <a:solidFill>
-                  <a:schemeClr val="accent1"/>
-                </a:solidFill>
-              </a14:hiddenFill>
-            </a:ext>
-            <a:ext uri="{91240B29-F687-4F45-9708-019B960494DF}">
-              <a14:hiddenLine xmlns:a14="http://schemas.microsoft.com/office/drawing/2010/main" w="9525">
-                <a:solidFill>
-                  <a:schemeClr val="tx1"/>
-                </a:solidFill>
-                <a:miter lim="800000"/>
-                <a:headEnd/>
-                <a:tailEnd/>
-              </a14:hiddenLine>
-            </a:ext>
-          </a:extLst>
-        </p:spPr>
-      </p:pic>
-    </p:spTree>
-    <p:extLst>
-      <p:ext uri="{BB962C8B-B14F-4D97-AF65-F5344CB8AC3E}">
-        <p14:creationId xmlns:p14="http://schemas.microsoft.com/office/powerpoint/2010/main" val="2443412429"/>
-      </p:ext>
-    </p:extLst>
-  </p:cSld>
-  <p:clrMapOvr>
-    <a:masterClrMapping/>
-  </p:clrMapOvr>
-  <p:timing>
-    <p:tnLst>
-      <p:par>
-        <p:cTn id="1" dur="indefinite" restart="never" nodeType="tmRoot"/>
-      </p:par>
-    </p:tnLst>
-  </p:timing>
-</p:sld>
-</file>
-
-<file path=ppt/slides/slide11.xml><?xml version="1.0" encoding="utf-8"?>
-<p:sld xmlns:a="http://schemas.openxmlformats.org/drawingml/2006/main" xmlns:r="http://schemas.openxmlformats.org/officeDocument/2006/relationships" xmlns:p="http://schemas.openxmlformats.org/presentationml/2006/main">
-  <p:cSld>
-    <p:spTree>
-      <p:nvGrpSpPr>
-        <p:cNvPr id="1" name=""/>
-        <p:cNvGrpSpPr/>
-        <p:nvPr/>
-      </p:nvGrpSpPr>
-      <p:grpSpPr>
-        <a:xfrm>
-          <a:off x="0" y="0"/>
-          <a:ext cx="0" cy="0"/>
-          <a:chOff x="0" y="0"/>
-          <a:chExt cx="0" cy="0"/>
-        </a:xfrm>
-      </p:grpSpPr>
-      <p:sp>
-        <p:nvSpPr>
-          <p:cNvPr id="2" name="Title 1"/>
-          <p:cNvSpPr>
-            <a:spLocks noGrp="1"/>
-          </p:cNvSpPr>
-          <p:nvPr>
-            <p:ph type="title"/>
-          </p:nvPr>
-        </p:nvSpPr>
-        <p:spPr/>
-        <p:txBody>
-          <a:bodyPr/>
-          <a:lstStyle/>
-          <a:p>
-            <a:r>
-              <a:rPr lang="en-US" dirty="0"/>
-              <a:t>Mod 10 Counter </a:t>
-            </a:r>
-            <a:r>
-              <a:rPr lang="en-US" dirty="0" smtClean="0"/>
-              <a:t>-           Timing Diagram</a:t>
-            </a:r>
-            <a:endParaRPr lang="en-US" dirty="0"/>
-          </a:p>
-        </p:txBody>
-      </p:sp>
-      <p:sp>
-        <p:nvSpPr>
-          <p:cNvPr id="4" name="Content Placeholder 3"/>
-          <p:cNvSpPr>
-            <a:spLocks noGrp="1"/>
-          </p:cNvSpPr>
-          <p:nvPr>
-            <p:ph idx="1"/>
-          </p:nvPr>
-        </p:nvSpPr>
-        <p:spPr>
-          <a:xfrm>
-            <a:off x="581736" y="1523052"/>
-            <a:ext cx="8131175" cy="4324350"/>
-          </a:xfrm>
-        </p:spPr>
-        <p:txBody>
-          <a:bodyPr/>
-          <a:lstStyle/>
-          <a:p>
-            <a:r>
-              <a:rPr lang="en-US" sz="2000" dirty="0" smtClean="0"/>
-              <a:t> </a:t>
-            </a:r>
-          </a:p>
-          <a:p>
-            <a:endParaRPr lang="en-US" sz="2000" dirty="0" smtClean="0"/>
-          </a:p>
-          <a:p>
-            <a:pPr eaLnBrk="1" hangingPunct="1">
-              <a:lnSpc>
-                <a:spcPct val="80000"/>
-              </a:lnSpc>
-            </a:pPr>
-            <a:endParaRPr lang="en-US" dirty="0" smtClean="0"/>
-          </a:p>
-          <a:p>
-            <a:endParaRPr lang="en-US" dirty="0"/>
-          </a:p>
-        </p:txBody>
-      </p:sp>
-      <p:sp>
-        <p:nvSpPr>
-          <p:cNvPr id="5" name="Slide Number Placeholder 3"/>
-          <p:cNvSpPr>
-            <a:spLocks noGrp="1"/>
-          </p:cNvSpPr>
-          <p:nvPr>
-            <p:ph type="sldNum" sz="quarter" idx="10"/>
-          </p:nvPr>
-        </p:nvSpPr>
-        <p:spPr>
-          <a:xfrm>
-            <a:off x="6910388" y="6253163"/>
-            <a:ext cx="2133600" cy="476250"/>
-          </a:xfrm>
-        </p:spPr>
-        <p:txBody>
-          <a:bodyPr/>
-          <a:lstStyle/>
-          <a:p>
-            <a:pPr>
-              <a:defRPr/>
-            </a:pPr>
-            <a:fld id="{62D6D4B2-7611-498F-8780-1EDC26277454}" type="slidenum">
-              <a:rPr lang="en-US" smtClean="0">
-                <a:solidFill>
-                  <a:srgbClr val="000000"/>
-                </a:solidFill>
-              </a:rPr>
-              <a:pPr>
-                <a:defRPr/>
-              </a:pPr>
-              <a:t>11</a:t>
             </a:fld>
             <a:endParaRPr lang="en-US" dirty="0">
               <a:solidFill>
@@ -9412,7 +9350,7 @@
 </p:sld>
 </file>
 
-<file path=ppt/slides/slide12.xml><?xml version="1.0" encoding="utf-8"?>
+<file path=ppt/slides/slide11.xml><?xml version="1.0" encoding="utf-8"?>
 <p:sld xmlns:a="http://schemas.openxmlformats.org/drawingml/2006/main" xmlns:r="http://schemas.openxmlformats.org/officeDocument/2006/relationships" xmlns:p="http://schemas.openxmlformats.org/presentationml/2006/main">
   <p:cSld>
     <p:spTree>
@@ -9529,7 +9467,7 @@
               <a:pPr>
                 <a:defRPr/>
               </a:pPr>
-              <a:t>12</a:t>
+              <a:t>11</a:t>
             </a:fld>
             <a:endParaRPr lang="en-US" dirty="0">
               <a:solidFill>
@@ -9779,6 +9717,122 @@
 </p:sld>
 </file>
 
+<file path=ppt/slides/slide12.xml><?xml version="1.0" encoding="utf-8"?>
+<p:sld xmlns:a="http://schemas.openxmlformats.org/drawingml/2006/main" xmlns:r="http://schemas.openxmlformats.org/officeDocument/2006/relationships" xmlns:p="http://schemas.openxmlformats.org/presentationml/2006/main">
+  <p:cSld>
+    <p:spTree>
+      <p:nvGrpSpPr>
+        <p:cNvPr id="1" name=""/>
+        <p:cNvGrpSpPr/>
+        <p:nvPr/>
+      </p:nvGrpSpPr>
+      <p:grpSpPr>
+        <a:xfrm>
+          <a:off x="0" y="0"/>
+          <a:ext cx="0" cy="0"/>
+          <a:chOff x="0" y="0"/>
+          <a:chExt cx="0" cy="0"/>
+        </a:xfrm>
+      </p:grpSpPr>
+      <p:sp>
+        <p:nvSpPr>
+          <p:cNvPr id="6" name="Title 5"/>
+          <p:cNvSpPr>
+            <a:spLocks noGrp="1"/>
+          </p:cNvSpPr>
+          <p:nvPr>
+            <p:ph type="title"/>
+          </p:nvPr>
+        </p:nvSpPr>
+        <p:spPr/>
+        <p:txBody>
+          <a:bodyPr/>
+          <a:lstStyle/>
+          <a:p>
+            <a:r>
+              <a:rPr lang="en-US" cap="none" dirty="0" smtClean="0"/>
+              <a:t>Circuit Diagram</a:t>
+            </a:r>
+            <a:endParaRPr lang="en-US" cap="none" dirty="0"/>
+          </a:p>
+        </p:txBody>
+      </p:sp>
+      <p:sp>
+        <p:nvSpPr>
+          <p:cNvPr id="7" name="Text Placeholder 6"/>
+          <p:cNvSpPr>
+            <a:spLocks noGrp="1"/>
+          </p:cNvSpPr>
+          <p:nvPr>
+            <p:ph type="body" idx="1"/>
+          </p:nvPr>
+        </p:nvSpPr>
+        <p:spPr/>
+        <p:txBody>
+          <a:bodyPr/>
+          <a:lstStyle/>
+          <a:p>
+            <a:endParaRPr lang="en-US" dirty="0"/>
+          </a:p>
+        </p:txBody>
+      </p:sp>
+      <p:sp>
+        <p:nvSpPr>
+          <p:cNvPr id="4" name="Slide Number Placeholder 3"/>
+          <p:cNvSpPr>
+            <a:spLocks noGrp="1"/>
+          </p:cNvSpPr>
+          <p:nvPr>
+            <p:ph type="sldNum" sz="quarter" idx="10"/>
+          </p:nvPr>
+        </p:nvSpPr>
+        <p:spPr/>
+        <p:txBody>
+          <a:bodyPr/>
+          <a:lstStyle/>
+          <a:p>
+            <a:pPr>
+              <a:defRPr/>
+            </a:pPr>
+            <a:fld id="{62D6D4B2-7611-498F-8780-1EDC26277454}" type="slidenum">
+              <a:rPr lang="en-US" smtClean="0">
+                <a:solidFill>
+                  <a:srgbClr val="000000"/>
+                </a:solidFill>
+              </a:rPr>
+              <a:pPr>
+                <a:defRPr/>
+              </a:pPr>
+              <a:t>12</a:t>
+            </a:fld>
+            <a:endParaRPr lang="en-US" dirty="0">
+              <a:solidFill>
+                <a:srgbClr val="000000"/>
+              </a:solidFill>
+            </a:endParaRPr>
+          </a:p>
+        </p:txBody>
+      </p:sp>
+    </p:spTree>
+    <p:extLst>
+      <p:ext uri="{BB962C8B-B14F-4D97-AF65-F5344CB8AC3E}">
+        <p14:creationId xmlns:p14="http://schemas.microsoft.com/office/powerpoint/2010/main" val="3934775904"/>
+      </p:ext>
+    </p:extLst>
+  </p:cSld>
+  <p:clrMapOvr>
+    <a:masterClrMapping/>
+  </p:clrMapOvr>
+  <p:timing>
+    <p:tnLst>
+      <p:par>
+        <p:cTn id="1" dur="indefinite" restart="never" nodeType="tmRoot"/>
+      </p:par>
+    </p:tnLst>
+  </p:timing>
+</p:sld>
+</file>
+
 <file path=ppt/slides/slide13.xml><?xml version="1.0" encoding="utf-8"?>
 <p:sld xmlns:a="http://schemas.openxmlformats.org/drawingml/2006/main" xmlns:r="http://schemas.openxmlformats.org/officeDocument/2006/relationships" xmlns:p="http://schemas.openxmlformats.org/presentationml/2006/main">
   <p:cSld>
@@ -9798,7 +9852,7 @@
       </p:grpSpPr>
       <p:sp>
         <p:nvSpPr>
-          <p:cNvPr id="6" name="Title 5"/>
+          <p:cNvPr id="2" name="Title 1"/>
           <p:cNvSpPr>
             <a:spLocks noGrp="1"/>
           </p:cNvSpPr>
@@ -9812,35 +9866,69 @@
           <a:lstStyle/>
           <a:p>
             <a:r>
-              <a:rPr lang="en-US" cap="none" dirty="0" smtClean="0"/>
-              <a:t>Circuit Diagram</a:t>
-            </a:r>
-            <a:endParaRPr lang="en-US" cap="none" dirty="0"/>
-          </a:p>
-        </p:txBody>
-      </p:sp>
-      <p:sp>
-        <p:nvSpPr>
-          <p:cNvPr id="7" name="Text Placeholder 6"/>
+              <a:rPr lang="en-US" dirty="0" smtClean="0"/>
+              <a:t>Circuit Diagram </a:t>
+            </a:r>
+            <a:endParaRPr lang="en-US" dirty="0"/>
+          </a:p>
+        </p:txBody>
+      </p:sp>
+      <p:sp>
+        <p:nvSpPr>
+          <p:cNvPr id="4" name="Content Placeholder 3"/>
           <p:cNvSpPr>
             <a:spLocks noGrp="1"/>
           </p:cNvSpPr>
           <p:nvPr>
-            <p:ph type="body" idx="1"/>
-          </p:nvPr>
-        </p:nvSpPr>
-        <p:spPr/>
+            <p:ph idx="1"/>
+          </p:nvPr>
+        </p:nvSpPr>
+        <p:spPr>
+          <a:xfrm>
+            <a:off x="581736" y="1523052"/>
+            <a:ext cx="8131175" cy="4324350"/>
+          </a:xfrm>
+        </p:spPr>
         <p:txBody>
           <a:bodyPr/>
           <a:lstStyle/>
           <a:p>
-            <a:endParaRPr lang="en-US" dirty="0"/>
-          </a:p>
-        </p:txBody>
-      </p:sp>
-      <p:sp>
-        <p:nvSpPr>
-          <p:cNvPr id="4" name="Slide Number Placeholder 3"/>
+            <a:r>
+              <a:rPr lang="en-US" b="0" dirty="0"/>
+              <a:t>After completing the timing diagram, see if you can figure out how to construct the counter using the arrangement of devices show in the picture </a:t>
+            </a:r>
+            <a:r>
+              <a:rPr lang="en-US" b="0" dirty="0" smtClean="0"/>
+              <a:t>below.</a:t>
+            </a:r>
+          </a:p>
+          <a:p>
+            <a:pPr lvl="1"/>
+            <a:r>
+              <a:rPr lang="en-US" b="0" dirty="0"/>
+              <a:t>You may assume that all these inputs are able to handle 4-bit values - to indicate this, draw a hash through the signal lines with a "4" next to it.</a:t>
+            </a:r>
+          </a:p>
+          <a:p>
+            <a:pPr lvl="1"/>
+            <a:r>
+              <a:rPr lang="en-US" b="0" dirty="0"/>
+              <a:t>You should not draw additional lines in this picture. Instead, label the wires with names and use these names to create logical connections between signals with the same name.</a:t>
+            </a:r>
+          </a:p>
+          <a:p>
+            <a:pPr lvl="1"/>
+            <a:r>
+              <a:rPr lang="en-US" b="0" dirty="0"/>
+              <a:t>Draw a border around your circuit. The only signals that should cross the boundary are those which are part of the entity description.</a:t>
+            </a:r>
+            <a:endParaRPr lang="en-US" b="0" dirty="0"/>
+          </a:p>
+        </p:txBody>
+      </p:sp>
+      <p:sp>
+        <p:nvSpPr>
+          <p:cNvPr id="5" name="Slide Number Placeholder 3"/>
           <p:cNvSpPr>
             <a:spLocks noGrp="1"/>
           </p:cNvSpPr>
@@ -9848,7 +9936,12 @@
             <p:ph type="sldNum" sz="quarter" idx="10"/>
           </p:nvPr>
         </p:nvSpPr>
-        <p:spPr/>
+        <p:spPr>
+          <a:xfrm>
+            <a:off x="6910388" y="6253163"/>
+            <a:ext cx="2133600" cy="476250"/>
+          </a:xfrm>
+        </p:spPr>
         <p:txBody>
           <a:bodyPr/>
           <a:lstStyle/>
@@ -9878,7 +9971,7 @@
     </p:spTree>
     <p:extLst>
       <p:ext uri="{BB962C8B-B14F-4D97-AF65-F5344CB8AC3E}">
-        <p14:creationId xmlns:p14="http://schemas.microsoft.com/office/powerpoint/2010/main" val="3934775904"/>
+        <p14:creationId xmlns:p14="http://schemas.microsoft.com/office/powerpoint/2010/main" val="3912911625"/>
       </p:ext>
     </p:extLst>
   </p:cSld>
@@ -9929,7 +10022,7 @@
           <a:p>
             <a:r>
               <a:rPr lang="en-US" dirty="0" smtClean="0"/>
-              <a:t>Circuit Diagram </a:t>
+              <a:t>Circuit Diagram</a:t>
             </a:r>
             <a:endParaRPr lang="en-US" dirty="0"/>
           </a:p>
@@ -9956,36 +10049,10 @@
           <a:lstStyle/>
           <a:p>
             <a:r>
-              <a:rPr lang="en-US" b="0" dirty="0"/>
-              <a:t>After completing the timing diagram, see if you can figure out how to construct the counter using the arrangement of devices show in the picture below</a:t>
-            </a:r>
-            <a:r>
-              <a:rPr lang="en-US" b="0" dirty="0" smtClean="0"/>
-              <a:t>. You </a:t>
-            </a:r>
-            <a:r>
-              <a:rPr lang="en-US" b="0" dirty="0"/>
-              <a:t>may assume that all these elements are able to handle 4-bit values, just make sure to draw a hash through these signals with a "4" next to it.</a:t>
-            </a:r>
-          </a:p>
-          <a:p>
-            <a:pPr lvl="1"/>
-            <a:r>
-              <a:rPr lang="en-US" b="0" dirty="0"/>
-              <a:t>You should not draw additional lines in this picture, instead labeled the wires with names and use these names to create logical connections between signals with the same name.</a:t>
-            </a:r>
-          </a:p>
-          <a:p>
-            <a:pPr lvl="1"/>
-            <a:r>
-              <a:rPr lang="en-US" b="0" dirty="0"/>
-              <a:t>Draw a border around your circuit. The only signals that should cross the boundary are those which are part of the entity description</a:t>
-            </a:r>
-            <a:r>
-              <a:rPr lang="en-US" b="0" dirty="0" smtClean="0"/>
-              <a:t>.</a:t>
-            </a:r>
-            <a:endParaRPr lang="en-US" b="0" dirty="0"/>
+              <a:rPr lang="en-US" dirty="0" smtClean="0"/>
+              <a:t>Build the Architecture for the Mod 10 Counter</a:t>
+            </a:r>
+            <a:endParaRPr lang="en-US" dirty="0"/>
           </a:p>
         </p:txBody>
       </p:sp>
@@ -10031,10 +10098,51 @@
           </a:p>
         </p:txBody>
       </p:sp>
+      <p:pic>
+        <p:nvPicPr>
+          <p:cNvPr id="5122" name="Picture 2" descr="http://ece.ninja/383/lecture/img/lecture04-2.gif"/>
+          <p:cNvPicPr>
+            <a:picLocks noChangeAspect="1" noChangeArrowheads="1"/>
+          </p:cNvPicPr>
+          <p:nvPr/>
+        </p:nvPicPr>
+        <p:blipFill>
+          <a:blip r:embed="rId2">
+            <a:extLst>
+              <a:ext uri="{28A0092B-C50C-407E-A947-70E740481C1C}">
+                <a14:useLocalDpi xmlns:a14="http://schemas.microsoft.com/office/drawing/2010/main" val="0"/>
+              </a:ext>
+            </a:extLst>
+          </a:blip>
+          <a:srcRect/>
+          <a:stretch>
+            <a:fillRect/>
+          </a:stretch>
+        </p:blipFill>
+        <p:spPr bwMode="auto">
+          <a:xfrm>
+            <a:off x="-103733" y="3137800"/>
+            <a:ext cx="9467850" cy="3314700"/>
+          </a:xfrm>
+          <a:prstGeom prst="rect">
+            <a:avLst/>
+          </a:prstGeom>
+          <a:noFill/>
+          <a:extLst>
+            <a:ext uri="{909E8E84-426E-40DD-AFC4-6F175D3DCCD1}">
+              <a14:hiddenFill xmlns:a14="http://schemas.microsoft.com/office/drawing/2010/main">
+                <a:solidFill>
+                  <a:srgbClr val="FFFFFF"/>
+                </a:solidFill>
+              </a14:hiddenFill>
+            </a:ext>
+          </a:extLst>
+        </p:spPr>
+      </p:pic>
     </p:spTree>
     <p:extLst>
       <p:ext uri="{BB962C8B-B14F-4D97-AF65-F5344CB8AC3E}">
-        <p14:creationId xmlns:p14="http://schemas.microsoft.com/office/powerpoint/2010/main" val="3167718450"/>
+        <p14:creationId xmlns:p14="http://schemas.microsoft.com/office/powerpoint/2010/main" val="1206945041"/>
       </p:ext>
     </p:extLst>
   </p:cSld>
@@ -10070,7 +10178,7 @@
       </p:grpSpPr>
       <p:sp>
         <p:nvSpPr>
-          <p:cNvPr id="2" name="Title 1"/>
+          <p:cNvPr id="6" name="Title 5"/>
           <p:cNvSpPr>
             <a:spLocks noGrp="1"/>
           </p:cNvSpPr>
@@ -10084,44 +10192,35 @@
           <a:lstStyle/>
           <a:p>
             <a:r>
-              <a:rPr lang="en-US" dirty="0" smtClean="0"/>
-              <a:t>Circuit Diagram</a:t>
-            </a:r>
-            <a:endParaRPr lang="en-US" dirty="0"/>
-          </a:p>
-        </p:txBody>
-      </p:sp>
-      <p:sp>
-        <p:nvSpPr>
-          <p:cNvPr id="4" name="Content Placeholder 3"/>
+              <a:rPr lang="en-US" cap="none" dirty="0" smtClean="0"/>
+              <a:t>VHDL</a:t>
+            </a:r>
+            <a:endParaRPr lang="en-US" cap="none" dirty="0"/>
+          </a:p>
+        </p:txBody>
+      </p:sp>
+      <p:sp>
+        <p:nvSpPr>
+          <p:cNvPr id="7" name="Text Placeholder 6"/>
           <p:cNvSpPr>
             <a:spLocks noGrp="1"/>
           </p:cNvSpPr>
           <p:nvPr>
-            <p:ph idx="1"/>
-          </p:nvPr>
-        </p:nvSpPr>
-        <p:spPr>
-          <a:xfrm>
-            <a:off x="581736" y="1523052"/>
-            <a:ext cx="8131175" cy="4324350"/>
-          </a:xfrm>
-        </p:spPr>
+            <p:ph type="body" idx="1"/>
+          </p:nvPr>
+        </p:nvSpPr>
+        <p:spPr/>
         <p:txBody>
           <a:bodyPr/>
           <a:lstStyle/>
           <a:p>
-            <a:r>
-              <a:rPr lang="en-US" dirty="0" smtClean="0"/>
-              <a:t>Build the Architecture for the Mod 10 Counter</a:t>
-            </a:r>
             <a:endParaRPr lang="en-US" dirty="0"/>
           </a:p>
         </p:txBody>
       </p:sp>
       <p:sp>
         <p:nvSpPr>
-          <p:cNvPr id="5" name="Slide Number Placeholder 3"/>
+          <p:cNvPr id="4" name="Slide Number Placeholder 3"/>
           <p:cNvSpPr>
             <a:spLocks noGrp="1"/>
           </p:cNvSpPr>
@@ -10129,12 +10228,7 @@
             <p:ph type="sldNum" sz="quarter" idx="10"/>
           </p:nvPr>
         </p:nvSpPr>
-        <p:spPr>
-          <a:xfrm>
-            <a:off x="6910388" y="6253163"/>
-            <a:ext cx="2133600" cy="476250"/>
-          </a:xfrm>
-        </p:spPr>
+        <p:spPr/>
         <p:txBody>
           <a:bodyPr/>
           <a:lstStyle/>
@@ -10161,51 +10255,10 @@
           </a:p>
         </p:txBody>
       </p:sp>
-      <p:pic>
-        <p:nvPicPr>
-          <p:cNvPr id="5122" name="Picture 2" descr="http://ece.ninja/383/lecture/img/lecture04-2.gif"/>
-          <p:cNvPicPr>
-            <a:picLocks noChangeAspect="1" noChangeArrowheads="1"/>
-          </p:cNvPicPr>
-          <p:nvPr/>
-        </p:nvPicPr>
-        <p:blipFill>
-          <a:blip r:embed="rId2">
-            <a:extLst>
-              <a:ext uri="{28A0092B-C50C-407E-A947-70E740481C1C}">
-                <a14:useLocalDpi xmlns:a14="http://schemas.microsoft.com/office/drawing/2010/main" val="0"/>
-              </a:ext>
-            </a:extLst>
-          </a:blip>
-          <a:srcRect/>
-          <a:stretch>
-            <a:fillRect/>
-          </a:stretch>
-        </p:blipFill>
-        <p:spPr bwMode="auto">
-          <a:xfrm>
-            <a:off x="-103733" y="3137800"/>
-            <a:ext cx="9467850" cy="3314700"/>
-          </a:xfrm>
-          <a:prstGeom prst="rect">
-            <a:avLst/>
-          </a:prstGeom>
-          <a:noFill/>
-          <a:extLst>
-            <a:ext uri="{909E8E84-426E-40DD-AFC4-6F175D3DCCD1}">
-              <a14:hiddenFill xmlns:a14="http://schemas.microsoft.com/office/drawing/2010/main">
-                <a:solidFill>
-                  <a:srgbClr val="FFFFFF"/>
-                </a:solidFill>
-              </a14:hiddenFill>
-            </a:ext>
-          </a:extLst>
-        </p:spPr>
-      </p:pic>
     </p:spTree>
     <p:extLst>
       <p:ext uri="{BB962C8B-B14F-4D97-AF65-F5344CB8AC3E}">
-        <p14:creationId xmlns:p14="http://schemas.microsoft.com/office/powerpoint/2010/main" val="1206945041"/>
+        <p14:creationId xmlns:p14="http://schemas.microsoft.com/office/powerpoint/2010/main" val="1254195951"/>
       </p:ext>
     </p:extLst>
   </p:cSld>
@@ -10241,7 +10294,7 @@
       </p:grpSpPr>
       <p:sp>
         <p:nvSpPr>
-          <p:cNvPr id="6" name="Title 5"/>
+          <p:cNvPr id="2" name="Title 1"/>
           <p:cNvSpPr>
             <a:spLocks noGrp="1"/>
           </p:cNvSpPr>
@@ -10255,35 +10308,665 @@
           <a:lstStyle/>
           <a:p>
             <a:r>
-              <a:rPr lang="en-US" cap="none" dirty="0" smtClean="0"/>
-              <a:t>General VHDL Rules</a:t>
-            </a:r>
-            <a:endParaRPr lang="en-US" cap="none" dirty="0"/>
-          </a:p>
-        </p:txBody>
-      </p:sp>
-      <p:sp>
-        <p:nvSpPr>
-          <p:cNvPr id="7" name="Text Placeholder 6"/>
+              <a:rPr lang="en-US" dirty="0"/>
+              <a:t>Mod 10 Counter </a:t>
+            </a:r>
+            <a:r>
+              <a:rPr lang="en-US" dirty="0" smtClean="0"/>
+              <a:t>– VHDL Code Entity</a:t>
+            </a:r>
+            <a:endParaRPr lang="en-US" dirty="0"/>
+          </a:p>
+        </p:txBody>
+      </p:sp>
+      <p:sp>
+        <p:nvSpPr>
+          <p:cNvPr id="4" name="Content Placeholder 3"/>
           <p:cNvSpPr>
             <a:spLocks noGrp="1"/>
           </p:cNvSpPr>
           <p:nvPr>
-            <p:ph type="body" idx="1"/>
-          </p:nvPr>
-        </p:nvSpPr>
-        <p:spPr/>
+            <p:ph idx="1"/>
+          </p:nvPr>
+        </p:nvSpPr>
+        <p:spPr>
+          <a:xfrm>
+            <a:off x="581736" y="1482108"/>
+            <a:ext cx="8131175" cy="4324350"/>
+          </a:xfrm>
+        </p:spPr>
         <p:txBody>
           <a:bodyPr/>
           <a:lstStyle/>
           <a:p>
-            <a:endParaRPr lang="en-US" dirty="0"/>
-          </a:p>
-        </p:txBody>
-      </p:sp>
-      <p:sp>
-        <p:nvSpPr>
-          <p:cNvPr id="4" name="Slide Number Placeholder 3"/>
+            <a:pPr marL="6350" lvl="1" indent="0" eaLnBrk="1" hangingPunct="1">
+              <a:lnSpc>
+                <a:spcPct val="80000"/>
+              </a:lnSpc>
+              <a:buNone/>
+              <a:tabLst>
+                <a:tab pos="463550" algn="l"/>
+                <a:tab pos="914400" algn="l"/>
+                <a:tab pos="1377950" algn="l"/>
+                <a:tab pos="1828800" algn="l"/>
+                <a:tab pos="2292350" algn="l"/>
+              </a:tabLst>
+            </a:pPr>
+            <a:r>
+              <a:rPr lang="en-US" sz="1800" dirty="0" smtClean="0">
+                <a:solidFill>
+                  <a:schemeClr val="accent2"/>
+                </a:solidFill>
+              </a:rPr>
+              <a:t>	entity </a:t>
+            </a:r>
+            <a:r>
+              <a:rPr lang="en-US" sz="1800" dirty="0">
+                <a:solidFill>
+                  <a:schemeClr val="accent2"/>
+                </a:solidFill>
+              </a:rPr>
+              <a:t>lec4 is</a:t>
+            </a:r>
+          </a:p>
+          <a:p>
+            <a:pPr marL="6350" lvl="1" indent="0" eaLnBrk="1" hangingPunct="1">
+              <a:lnSpc>
+                <a:spcPct val="80000"/>
+              </a:lnSpc>
+              <a:buNone/>
+              <a:tabLst>
+                <a:tab pos="463550" algn="l"/>
+                <a:tab pos="914400" algn="l"/>
+                <a:tab pos="1377950" algn="l"/>
+                <a:tab pos="1828800" algn="l"/>
+                <a:tab pos="2292350" algn="l"/>
+              </a:tabLst>
+            </a:pPr>
+            <a:r>
+              <a:rPr lang="en-US" sz="1800" dirty="0" smtClean="0">
+                <a:solidFill>
+                  <a:schemeClr val="accent2"/>
+                </a:solidFill>
+              </a:rPr>
+              <a:t>	</a:t>
+            </a:r>
+            <a:r>
+              <a:rPr lang="en-US" sz="1800" dirty="0">
+                <a:solidFill>
+                  <a:schemeClr val="accent2"/>
+                </a:solidFill>
+              </a:rPr>
+              <a:t>	Port(	</a:t>
+            </a:r>
+            <a:r>
+              <a:rPr lang="en-US" sz="1800" dirty="0" err="1">
+                <a:solidFill>
+                  <a:schemeClr val="accent2"/>
+                </a:solidFill>
+              </a:rPr>
+              <a:t>clk</a:t>
+            </a:r>
+            <a:r>
+              <a:rPr lang="en-US" sz="1800" dirty="0">
+                <a:solidFill>
+                  <a:schemeClr val="accent2"/>
+                </a:solidFill>
+              </a:rPr>
+              <a:t>: in  STD_LOGIC;</a:t>
+            </a:r>
+          </a:p>
+          <a:p>
+            <a:pPr marL="6350" lvl="1" indent="0" eaLnBrk="1" hangingPunct="1">
+              <a:lnSpc>
+                <a:spcPct val="80000"/>
+              </a:lnSpc>
+              <a:buNone/>
+              <a:tabLst>
+                <a:tab pos="463550" algn="l"/>
+                <a:tab pos="914400" algn="l"/>
+                <a:tab pos="1377950" algn="l"/>
+                <a:tab pos="1828800" algn="l"/>
+                <a:tab pos="2292350" algn="l"/>
+              </a:tabLst>
+            </a:pPr>
+            <a:r>
+              <a:rPr lang="en-US" sz="1800" dirty="0" smtClean="0">
+                <a:solidFill>
+                  <a:schemeClr val="accent2"/>
+                </a:solidFill>
+              </a:rPr>
+              <a:t>	</a:t>
+            </a:r>
+            <a:r>
+              <a:rPr lang="en-US" sz="1800" dirty="0">
+                <a:solidFill>
+                  <a:schemeClr val="accent2"/>
+                </a:solidFill>
+              </a:rPr>
+              <a:t>		reset : in  STD_LOGIC;</a:t>
+            </a:r>
+          </a:p>
+          <a:p>
+            <a:pPr marL="6350" lvl="1" indent="0" eaLnBrk="1" hangingPunct="1">
+              <a:lnSpc>
+                <a:spcPct val="80000"/>
+              </a:lnSpc>
+              <a:buNone/>
+              <a:tabLst>
+                <a:tab pos="463550" algn="l"/>
+                <a:tab pos="914400" algn="l"/>
+                <a:tab pos="1377950" algn="l"/>
+                <a:tab pos="1828800" algn="l"/>
+                <a:tab pos="2292350" algn="l"/>
+              </a:tabLst>
+            </a:pPr>
+            <a:r>
+              <a:rPr lang="en-US" sz="1800" dirty="0">
+                <a:solidFill>
+                  <a:schemeClr val="accent2"/>
+                </a:solidFill>
+              </a:rPr>
+              <a:t>	</a:t>
+            </a:r>
+            <a:r>
+              <a:rPr lang="en-US" sz="1800" dirty="0" smtClean="0">
+                <a:solidFill>
+                  <a:schemeClr val="accent2"/>
+                </a:solidFill>
+              </a:rPr>
+              <a:t>	</a:t>
+            </a:r>
+            <a:r>
+              <a:rPr lang="en-US" sz="1800" dirty="0">
+                <a:solidFill>
+                  <a:schemeClr val="accent2"/>
+                </a:solidFill>
+              </a:rPr>
+              <a:t>	</a:t>
+            </a:r>
+            <a:r>
+              <a:rPr lang="en-US" sz="1800" dirty="0" smtClean="0">
+                <a:solidFill>
+                  <a:schemeClr val="accent2"/>
+                </a:solidFill>
+              </a:rPr>
+              <a:t>ctrl: </a:t>
+            </a:r>
+            <a:r>
+              <a:rPr lang="en-US" sz="1800" dirty="0">
+                <a:solidFill>
+                  <a:schemeClr val="accent2"/>
+                </a:solidFill>
+              </a:rPr>
+              <a:t>in </a:t>
+            </a:r>
+            <a:r>
+              <a:rPr lang="en-US" sz="1800" dirty="0" err="1">
+                <a:solidFill>
+                  <a:schemeClr val="accent2"/>
+                </a:solidFill>
+              </a:rPr>
+              <a:t>std_logic_vector</a:t>
+            </a:r>
+            <a:r>
+              <a:rPr lang="en-US" sz="1800" dirty="0">
+                <a:solidFill>
+                  <a:schemeClr val="accent2"/>
+                </a:solidFill>
+              </a:rPr>
+              <a:t>(1 </a:t>
+            </a:r>
+            <a:r>
+              <a:rPr lang="en-US" sz="1800" dirty="0" err="1">
+                <a:solidFill>
+                  <a:schemeClr val="accent2"/>
+                </a:solidFill>
+              </a:rPr>
+              <a:t>downto</a:t>
+            </a:r>
+            <a:r>
+              <a:rPr lang="en-US" sz="1800" dirty="0">
+                <a:solidFill>
+                  <a:schemeClr val="accent2"/>
+                </a:solidFill>
+              </a:rPr>
+              <a:t> 0);</a:t>
+            </a:r>
+          </a:p>
+          <a:p>
+            <a:pPr marL="6350" lvl="1" indent="0" eaLnBrk="1" hangingPunct="1">
+              <a:lnSpc>
+                <a:spcPct val="80000"/>
+              </a:lnSpc>
+              <a:buNone/>
+              <a:tabLst>
+                <a:tab pos="463550" algn="l"/>
+                <a:tab pos="914400" algn="l"/>
+                <a:tab pos="1377950" algn="l"/>
+                <a:tab pos="1828800" algn="l"/>
+                <a:tab pos="2292350" algn="l"/>
+              </a:tabLst>
+            </a:pPr>
+            <a:r>
+              <a:rPr lang="en-US" sz="1800" dirty="0">
+                <a:solidFill>
+                  <a:schemeClr val="accent2"/>
+                </a:solidFill>
+              </a:rPr>
+              <a:t>	</a:t>
+            </a:r>
+            <a:r>
+              <a:rPr lang="en-US" sz="1800" dirty="0" smtClean="0">
+                <a:solidFill>
+                  <a:schemeClr val="accent2"/>
+                </a:solidFill>
+              </a:rPr>
+              <a:t>	</a:t>
+            </a:r>
+            <a:r>
+              <a:rPr lang="en-US" sz="1800" dirty="0">
+                <a:solidFill>
+                  <a:schemeClr val="accent2"/>
+                </a:solidFill>
+              </a:rPr>
+              <a:t>	D: in unsigned (3 </a:t>
+            </a:r>
+            <a:r>
+              <a:rPr lang="en-US" sz="1800" dirty="0" err="1">
+                <a:solidFill>
+                  <a:schemeClr val="accent2"/>
+                </a:solidFill>
+              </a:rPr>
+              <a:t>downto</a:t>
+            </a:r>
+            <a:r>
+              <a:rPr lang="en-US" sz="1800" dirty="0">
+                <a:solidFill>
+                  <a:schemeClr val="accent2"/>
+                </a:solidFill>
+              </a:rPr>
+              <a:t> 0);</a:t>
+            </a:r>
+          </a:p>
+          <a:p>
+            <a:pPr marL="6350" lvl="1" indent="0" eaLnBrk="1" hangingPunct="1">
+              <a:lnSpc>
+                <a:spcPct val="80000"/>
+              </a:lnSpc>
+              <a:buNone/>
+              <a:tabLst>
+                <a:tab pos="463550" algn="l"/>
+                <a:tab pos="914400" algn="l"/>
+                <a:tab pos="1377950" algn="l"/>
+                <a:tab pos="1828800" algn="l"/>
+                <a:tab pos="2292350" algn="l"/>
+              </a:tabLst>
+            </a:pPr>
+            <a:r>
+              <a:rPr lang="en-US" sz="1800" dirty="0">
+                <a:solidFill>
+                  <a:schemeClr val="accent2"/>
+                </a:solidFill>
+              </a:rPr>
+              <a:t>	</a:t>
+            </a:r>
+            <a:r>
+              <a:rPr lang="en-US" sz="1800" dirty="0" smtClean="0">
+                <a:solidFill>
+                  <a:schemeClr val="accent2"/>
+                </a:solidFill>
+              </a:rPr>
+              <a:t>	</a:t>
+            </a:r>
+            <a:r>
+              <a:rPr lang="en-US" sz="1800" dirty="0">
+                <a:solidFill>
+                  <a:schemeClr val="accent2"/>
+                </a:solidFill>
+              </a:rPr>
+              <a:t>	Q: out unsigned (3 </a:t>
+            </a:r>
+            <a:r>
+              <a:rPr lang="en-US" sz="1800" dirty="0" err="1">
+                <a:solidFill>
+                  <a:schemeClr val="accent2"/>
+                </a:solidFill>
+              </a:rPr>
+              <a:t>downto</a:t>
+            </a:r>
+            <a:r>
+              <a:rPr lang="en-US" sz="1800" dirty="0">
+                <a:solidFill>
+                  <a:schemeClr val="accent2"/>
+                </a:solidFill>
+              </a:rPr>
+              <a:t> 0));</a:t>
+            </a:r>
+          </a:p>
+          <a:p>
+            <a:pPr marL="6350" lvl="1" indent="0" eaLnBrk="1" hangingPunct="1">
+              <a:lnSpc>
+                <a:spcPct val="80000"/>
+              </a:lnSpc>
+              <a:buNone/>
+              <a:tabLst>
+                <a:tab pos="463550" algn="l"/>
+                <a:tab pos="914400" algn="l"/>
+                <a:tab pos="1377950" algn="l"/>
+                <a:tab pos="1828800" algn="l"/>
+                <a:tab pos="2292350" algn="l"/>
+              </a:tabLst>
+            </a:pPr>
+            <a:r>
+              <a:rPr lang="en-US" sz="1800" dirty="0" smtClean="0">
+                <a:solidFill>
+                  <a:schemeClr val="accent2"/>
+                </a:solidFill>
+              </a:rPr>
+              <a:t>	end </a:t>
+            </a:r>
+            <a:r>
+              <a:rPr lang="en-US" sz="1800" dirty="0">
+                <a:solidFill>
+                  <a:schemeClr val="accent2"/>
+                </a:solidFill>
+              </a:rPr>
+              <a:t>lec4</a:t>
+            </a:r>
+            <a:r>
+              <a:rPr lang="en-US" sz="1800" dirty="0" smtClean="0">
+                <a:solidFill>
+                  <a:schemeClr val="accent2"/>
+                </a:solidFill>
+              </a:rPr>
+              <a:t>;</a:t>
+            </a:r>
+          </a:p>
+          <a:p>
+            <a:pPr marL="6350" lvl="1" indent="0" eaLnBrk="1" hangingPunct="1">
+              <a:lnSpc>
+                <a:spcPct val="80000"/>
+              </a:lnSpc>
+              <a:buNone/>
+              <a:tabLst>
+                <a:tab pos="463550" algn="l"/>
+                <a:tab pos="914400" algn="l"/>
+                <a:tab pos="1377950" algn="l"/>
+                <a:tab pos="1828800" algn="l"/>
+                <a:tab pos="2292350" algn="l"/>
+              </a:tabLst>
+            </a:pPr>
+            <a:r>
+              <a:rPr lang="en-US" sz="1800" dirty="0" smtClean="0">
+                <a:solidFill>
+                  <a:schemeClr val="accent2"/>
+                </a:solidFill>
+              </a:rPr>
+              <a:t>1.	architecture </a:t>
+            </a:r>
+            <a:r>
+              <a:rPr lang="en-US" sz="1800" dirty="0">
+                <a:solidFill>
+                  <a:schemeClr val="accent2"/>
+                </a:solidFill>
+              </a:rPr>
+              <a:t>behavior of lec4 is</a:t>
+            </a:r>
+          </a:p>
+          <a:p>
+            <a:pPr marL="6350" lvl="1" indent="0" eaLnBrk="1" hangingPunct="1">
+              <a:lnSpc>
+                <a:spcPct val="80000"/>
+              </a:lnSpc>
+              <a:buNone/>
+              <a:tabLst>
+                <a:tab pos="463550" algn="l"/>
+                <a:tab pos="914400" algn="l"/>
+                <a:tab pos="1377950" algn="l"/>
+                <a:tab pos="1828800" algn="l"/>
+                <a:tab pos="2292350" algn="l"/>
+              </a:tabLst>
+            </a:pPr>
+            <a:r>
+              <a:rPr lang="en-US" sz="1800" dirty="0">
+                <a:solidFill>
+                  <a:schemeClr val="accent2"/>
+                </a:solidFill>
+              </a:rPr>
+              <a:t>	</a:t>
+            </a:r>
+          </a:p>
+          <a:p>
+            <a:pPr marL="6350" lvl="1" indent="0" eaLnBrk="1" hangingPunct="1">
+              <a:lnSpc>
+                <a:spcPct val="80000"/>
+              </a:lnSpc>
+              <a:buNone/>
+              <a:tabLst>
+                <a:tab pos="463550" algn="l"/>
+                <a:tab pos="914400" algn="l"/>
+                <a:tab pos="1377950" algn="l"/>
+                <a:tab pos="1828800" algn="l"/>
+                <a:tab pos="2292350" algn="l"/>
+              </a:tabLst>
+            </a:pPr>
+            <a:r>
+              <a:rPr lang="en-US" sz="1800" dirty="0" smtClean="0">
+                <a:solidFill>
+                  <a:schemeClr val="accent2"/>
+                </a:solidFill>
+              </a:rPr>
+              <a:t>2.  </a:t>
+            </a:r>
+            <a:r>
+              <a:rPr lang="en-US" sz="1800" dirty="0">
+                <a:solidFill>
+                  <a:schemeClr val="accent2"/>
+                </a:solidFill>
+              </a:rPr>
+              <a:t>	</a:t>
+            </a:r>
+            <a:r>
+              <a:rPr lang="en-US" sz="1800" dirty="0" smtClean="0">
+                <a:solidFill>
+                  <a:schemeClr val="accent2"/>
+                </a:solidFill>
+              </a:rPr>
+              <a:t>	signal </a:t>
+            </a:r>
+            <a:r>
+              <a:rPr lang="en-US" sz="1800" dirty="0" err="1">
+                <a:solidFill>
+                  <a:schemeClr val="accent2"/>
+                </a:solidFill>
+              </a:rPr>
+              <a:t>rollSynch</a:t>
+            </a:r>
+            <a:r>
+              <a:rPr lang="en-US" sz="1800" dirty="0">
+                <a:solidFill>
+                  <a:schemeClr val="accent2"/>
+                </a:solidFill>
+              </a:rPr>
+              <a:t>, </a:t>
+            </a:r>
+            <a:r>
+              <a:rPr lang="en-US" sz="1800" dirty="0" err="1">
+                <a:solidFill>
+                  <a:schemeClr val="accent2"/>
+                </a:solidFill>
+              </a:rPr>
+              <a:t>rollCombo</a:t>
+            </a:r>
+            <a:r>
+              <a:rPr lang="en-US" sz="1800" dirty="0">
+                <a:solidFill>
+                  <a:schemeClr val="accent2"/>
+                </a:solidFill>
+              </a:rPr>
+              <a:t>: STD_LOGIC;</a:t>
+            </a:r>
+          </a:p>
+          <a:p>
+            <a:pPr marL="6350" lvl="1" indent="0" eaLnBrk="1" hangingPunct="1">
+              <a:lnSpc>
+                <a:spcPct val="80000"/>
+              </a:lnSpc>
+              <a:buNone/>
+              <a:tabLst>
+                <a:tab pos="463550" algn="l"/>
+                <a:tab pos="914400" algn="l"/>
+                <a:tab pos="1377950" algn="l"/>
+                <a:tab pos="1828800" algn="l"/>
+                <a:tab pos="2292350" algn="l"/>
+              </a:tabLst>
+            </a:pPr>
+            <a:r>
+              <a:rPr lang="en-US" sz="1800" dirty="0" smtClean="0">
+                <a:solidFill>
+                  <a:schemeClr val="accent2"/>
+                </a:solidFill>
+              </a:rPr>
+              <a:t>3.  </a:t>
+            </a:r>
+            <a:r>
+              <a:rPr lang="en-US" sz="1800" dirty="0">
+                <a:solidFill>
+                  <a:schemeClr val="accent2"/>
+                </a:solidFill>
+              </a:rPr>
+              <a:t>	</a:t>
+            </a:r>
+            <a:r>
+              <a:rPr lang="en-US" sz="1800" dirty="0" smtClean="0">
+                <a:solidFill>
+                  <a:schemeClr val="accent2"/>
+                </a:solidFill>
+              </a:rPr>
+              <a:t>	signal </a:t>
+            </a:r>
+            <a:r>
+              <a:rPr lang="en-US" sz="1800" dirty="0" err="1">
+                <a:solidFill>
+                  <a:schemeClr val="accent2"/>
+                </a:solidFill>
+              </a:rPr>
+              <a:t>processQ</a:t>
+            </a:r>
+            <a:r>
+              <a:rPr lang="en-US" sz="1800" dirty="0">
+                <a:solidFill>
+                  <a:schemeClr val="accent2"/>
+                </a:solidFill>
+              </a:rPr>
+              <a:t>: unsigned (3 </a:t>
+            </a:r>
+            <a:r>
+              <a:rPr lang="en-US" sz="1800" dirty="0" err="1">
+                <a:solidFill>
+                  <a:schemeClr val="accent2"/>
+                </a:solidFill>
+              </a:rPr>
+              <a:t>downto</a:t>
+            </a:r>
+            <a:r>
+              <a:rPr lang="en-US" sz="1800" dirty="0">
+                <a:solidFill>
+                  <a:schemeClr val="accent2"/>
+                </a:solidFill>
+              </a:rPr>
+              <a:t> 0);</a:t>
+            </a:r>
+          </a:p>
+          <a:p>
+            <a:pPr marL="6350" lvl="1" indent="0" eaLnBrk="1" hangingPunct="1">
+              <a:lnSpc>
+                <a:spcPct val="80000"/>
+              </a:lnSpc>
+              <a:buNone/>
+              <a:tabLst>
+                <a:tab pos="463550" algn="l"/>
+                <a:tab pos="914400" algn="l"/>
+                <a:tab pos="1377950" algn="l"/>
+                <a:tab pos="1828800" algn="l"/>
+                <a:tab pos="2292350" algn="l"/>
+              </a:tabLst>
+            </a:pPr>
+            <a:endParaRPr lang="en-US" sz="1800" dirty="0">
+              <a:solidFill>
+                <a:schemeClr val="accent2"/>
+              </a:solidFill>
+            </a:endParaRPr>
+          </a:p>
+          <a:p>
+            <a:pPr marL="6350" lvl="1" indent="0" eaLnBrk="1" hangingPunct="1">
+              <a:lnSpc>
+                <a:spcPct val="80000"/>
+              </a:lnSpc>
+              <a:buNone/>
+              <a:tabLst>
+                <a:tab pos="463550" algn="l"/>
+                <a:tab pos="914400" algn="l"/>
+                <a:tab pos="1377950" algn="l"/>
+                <a:tab pos="1828800" algn="l"/>
+                <a:tab pos="2292350" algn="l"/>
+              </a:tabLst>
+            </a:pPr>
+            <a:r>
+              <a:rPr lang="en-US" sz="1800" dirty="0" smtClean="0">
+                <a:solidFill>
+                  <a:schemeClr val="accent2"/>
+                </a:solidFill>
+              </a:rPr>
+              <a:t>4.</a:t>
+            </a:r>
+            <a:r>
+              <a:rPr lang="en-US" sz="1800" dirty="0" smtClean="0">
+                <a:solidFill>
+                  <a:schemeClr val="accent2"/>
+                </a:solidFill>
+              </a:rPr>
+              <a:t>	begin</a:t>
+            </a:r>
+          </a:p>
+          <a:p>
+            <a:pPr marL="6350" lvl="1" indent="0" eaLnBrk="1" hangingPunct="1">
+              <a:lnSpc>
+                <a:spcPct val="80000"/>
+              </a:lnSpc>
+              <a:buNone/>
+              <a:tabLst>
+                <a:tab pos="463550" algn="l"/>
+                <a:tab pos="914400" algn="l"/>
+                <a:tab pos="1377950" algn="l"/>
+                <a:tab pos="1828800" algn="l"/>
+                <a:tab pos="2292350" algn="l"/>
+              </a:tabLst>
+            </a:pPr>
+            <a:endParaRPr lang="en-US" sz="1800" dirty="0" smtClean="0"/>
+          </a:p>
+          <a:p>
+            <a:pPr marL="6350" lvl="1" indent="0" eaLnBrk="1" hangingPunct="1">
+              <a:lnSpc>
+                <a:spcPct val="80000"/>
+              </a:lnSpc>
+              <a:buNone/>
+              <a:tabLst>
+                <a:tab pos="463550" algn="l"/>
+                <a:tab pos="914400" algn="l"/>
+                <a:tab pos="1377950" algn="l"/>
+                <a:tab pos="1828800" algn="l"/>
+                <a:tab pos="2292350" algn="l"/>
+              </a:tabLst>
+            </a:pPr>
+            <a:endParaRPr lang="en-US" sz="1800" dirty="0"/>
+          </a:p>
+        </p:txBody>
+      </p:sp>
+      <p:sp>
+        <p:nvSpPr>
+          <p:cNvPr id="5" name="Slide Number Placeholder 3"/>
           <p:cNvSpPr>
             <a:spLocks noGrp="1"/>
           </p:cNvSpPr>
@@ -10291,7 +10974,12 @@
             <p:ph type="sldNum" sz="quarter" idx="10"/>
           </p:nvPr>
         </p:nvSpPr>
-        <p:spPr/>
+        <p:spPr>
+          <a:xfrm>
+            <a:off x="6910388" y="6253163"/>
+            <a:ext cx="2133600" cy="476250"/>
+          </a:xfrm>
+        </p:spPr>
         <p:txBody>
           <a:bodyPr/>
           <a:lstStyle/>
@@ -10321,7 +11009,7 @@
     </p:spTree>
     <p:extLst>
       <p:ext uri="{BB962C8B-B14F-4D97-AF65-F5344CB8AC3E}">
-        <p14:creationId xmlns:p14="http://schemas.microsoft.com/office/powerpoint/2010/main" val="2894851967"/>
+        <p14:creationId xmlns:p14="http://schemas.microsoft.com/office/powerpoint/2010/main" val="2526393102"/>
       </p:ext>
     </p:extLst>
   </p:cSld>
@@ -10372,7 +11060,18 @@
           <a:p>
             <a:r>
               <a:rPr lang="en-US" dirty="0"/>
-              <a:t>General VHDL Rules</a:t>
+              <a:t>Mod 10 Counter </a:t>
+            </a:r>
+            <a:r>
+              <a:rPr lang="en-US" dirty="0" smtClean="0"/>
+              <a:t>– VHDL Code</a:t>
+            </a:r>
+            <a:br>
+              <a:rPr lang="en-US" dirty="0" smtClean="0"/>
+            </a:br>
+            <a:r>
+              <a:rPr lang="en-US" dirty="0" smtClean="0"/>
+              <a:t>Architecture</a:t>
             </a:r>
             <a:endParaRPr lang="en-US" dirty="0"/>
           </a:p>
@@ -10390,7 +11089,7 @@
         </p:nvSpPr>
         <p:spPr>
           <a:xfrm>
-            <a:off x="581736" y="1523052"/>
+            <a:off x="581736" y="1482108"/>
             <a:ext cx="8131175" cy="4324350"/>
           </a:xfrm>
         </p:spPr>
@@ -10398,89 +11097,832 @@
           <a:bodyPr/>
           <a:lstStyle/>
           <a:p>
-            <a:r>
-              <a:rPr lang="en-US" b="0" dirty="0" smtClean="0"/>
-              <a:t>Introduce </a:t>
-            </a:r>
-            <a:r>
-              <a:rPr lang="en-US" b="0" dirty="0"/>
-              <a:t>the following rules </a:t>
-            </a:r>
-            <a:r>
-              <a:rPr lang="en-US" b="0" dirty="0" smtClean="0"/>
-              <a:t>for designing </a:t>
-            </a:r>
-            <a:r>
-              <a:rPr lang="en-US" b="0" dirty="0"/>
-              <a:t>in </a:t>
-            </a:r>
-            <a:r>
-              <a:rPr lang="en-US" b="0" dirty="0" smtClean="0"/>
-              <a:t>VHDL in order to write code that can be synthesized. </a:t>
-            </a:r>
-            <a:endParaRPr lang="en-US" b="0" dirty="0"/>
-          </a:p>
-          <a:p>
-            <a:pPr lvl="1"/>
-            <a:r>
-              <a:rPr lang="en-US" b="0" dirty="0"/>
-              <a:t>Only the </a:t>
-            </a:r>
-            <a:r>
-              <a:rPr lang="en-US" b="0" dirty="0" err="1"/>
+            <a:pPr marL="349250" lvl="1" indent="-342900" eaLnBrk="1" hangingPunct="1">
+              <a:lnSpc>
+                <a:spcPct val="80000"/>
+              </a:lnSpc>
+              <a:buFont typeface="+mj-lt"/>
+              <a:buAutoNum type="arabicPeriod" startAt="5"/>
+              <a:tabLst>
+                <a:tab pos="463550" algn="l"/>
+                <a:tab pos="914400" algn="l"/>
+                <a:tab pos="1377950" algn="l"/>
+                <a:tab pos="1828800" algn="l"/>
+                <a:tab pos="2292350" algn="l"/>
+              </a:tabLst>
+            </a:pPr>
+            <a:r>
+              <a:rPr lang="en-US" sz="1800" dirty="0" smtClean="0">
+                <a:solidFill>
+                  <a:schemeClr val="accent2"/>
+                </a:solidFill>
+              </a:rPr>
+              <a:t>process(</a:t>
+            </a:r>
+            <a:r>
+              <a:rPr lang="en-US" sz="1800" dirty="0" err="1" smtClean="0">
+                <a:solidFill>
+                  <a:schemeClr val="accent2"/>
+                </a:solidFill>
+              </a:rPr>
               <a:t>clk</a:t>
             </a:r>
             <a:r>
-              <a:rPr lang="en-US" b="0" dirty="0"/>
-              <a:t> should appear in the sensitivity list</a:t>
-            </a:r>
-          </a:p>
-          <a:p>
-            <a:pPr lvl="1"/>
-            <a:r>
-              <a:rPr lang="en-US" b="0" dirty="0"/>
-              <a:t>The outermost structure should be "if (</a:t>
-            </a:r>
-            <a:r>
-              <a:rPr lang="en-US" b="0" dirty="0" err="1"/>
+              <a:rPr lang="en-US" sz="1800" dirty="0">
+                <a:solidFill>
+                  <a:schemeClr val="accent2"/>
+                </a:solidFill>
+              </a:rPr>
+              <a:t>)</a:t>
+            </a:r>
+          </a:p>
+          <a:p>
+            <a:pPr marL="349250" lvl="1" indent="-342900" eaLnBrk="1" hangingPunct="1">
+              <a:lnSpc>
+                <a:spcPct val="80000"/>
+              </a:lnSpc>
+              <a:buFont typeface="+mj-lt"/>
+              <a:buAutoNum type="arabicPeriod" startAt="5"/>
+              <a:tabLst>
+                <a:tab pos="463550" algn="l"/>
+                <a:tab pos="914400" algn="l"/>
+                <a:tab pos="1377950" algn="l"/>
+                <a:tab pos="1828800" algn="l"/>
+                <a:tab pos="2292350" algn="l"/>
+              </a:tabLst>
+            </a:pPr>
+            <a:r>
+              <a:rPr lang="en-US" sz="1800" dirty="0">
+                <a:solidFill>
+                  <a:schemeClr val="accent2"/>
+                </a:solidFill>
+              </a:rPr>
+              <a:t>	begin</a:t>
+            </a:r>
+          </a:p>
+          <a:p>
+            <a:pPr marL="349250" lvl="1" indent="-342900" eaLnBrk="1" hangingPunct="1">
+              <a:lnSpc>
+                <a:spcPct val="80000"/>
+              </a:lnSpc>
+              <a:buFont typeface="+mj-lt"/>
+              <a:buAutoNum type="arabicPeriod" startAt="5"/>
+              <a:tabLst>
+                <a:tab pos="463550" algn="l"/>
+                <a:tab pos="914400" algn="l"/>
+                <a:tab pos="1377950" algn="l"/>
+                <a:tab pos="1828800" algn="l"/>
+                <a:tab pos="2292350" algn="l"/>
+              </a:tabLst>
+            </a:pPr>
+            <a:r>
+              <a:rPr lang="en-US" sz="1800" dirty="0">
+                <a:solidFill>
+                  <a:schemeClr val="accent2"/>
+                </a:solidFill>
+              </a:rPr>
+              <a:t>		if (</a:t>
+            </a:r>
+            <a:r>
+              <a:rPr lang="en-US" sz="1800" dirty="0" err="1">
+                <a:solidFill>
+                  <a:schemeClr val="accent2"/>
+                </a:solidFill>
+              </a:rPr>
               <a:t>rising_edge</a:t>
             </a:r>
             <a:r>
-              <a:rPr lang="en-US" b="0" dirty="0"/>
+              <a:rPr lang="en-US" sz="1800" dirty="0">
+                <a:solidFill>
+                  <a:schemeClr val="accent2"/>
+                </a:solidFill>
+              </a:rPr>
               <a:t>(</a:t>
             </a:r>
             <a:r>
-              <a:rPr lang="en-US" b="0" dirty="0" err="1"/>
+              <a:rPr lang="en-US" sz="1800" dirty="0" err="1">
+                <a:solidFill>
+                  <a:schemeClr val="accent2"/>
+                </a:solidFill>
+              </a:rPr>
               <a:t>clk</a:t>
             </a:r>
             <a:r>
-              <a:rPr lang="en-US" b="0" dirty="0"/>
-              <a:t>)) then"</a:t>
-            </a:r>
-          </a:p>
-          <a:p>
-            <a:pPr lvl="1"/>
-            <a:r>
-              <a:rPr lang="en-US" b="0" dirty="0"/>
-              <a:t>Inside this structure should be "if (reset = '0') then" to restate the state element used by the process</a:t>
-            </a:r>
-          </a:p>
-          <a:p>
-            <a:pPr lvl="1"/>
-            <a:r>
-              <a:rPr lang="en-US" b="0" dirty="0"/>
-              <a:t>The else clause of the reset element, the body, should consist of a set of exclusive signal conditions in an if/then of case structure.</a:t>
-            </a:r>
-          </a:p>
-          <a:p>
-            <a:pPr lvl="1"/>
-            <a:r>
-              <a:rPr lang="en-US" b="0" dirty="0"/>
-              <a:t>Any signal on the LHS of an assignment statement (in the body) may not be put on the LHS of any assignment statement outside the process</a:t>
-            </a:r>
-          </a:p>
-          <a:p>
-            <a:endParaRPr lang="en-US" dirty="0"/>
+              <a:rPr lang="en-US" sz="1800" dirty="0">
+                <a:solidFill>
+                  <a:schemeClr val="accent2"/>
+                </a:solidFill>
+              </a:rPr>
+              <a:t>)) then</a:t>
+            </a:r>
+          </a:p>
+          <a:p>
+            <a:pPr marL="349250" lvl="1" indent="-342900" eaLnBrk="1" hangingPunct="1">
+              <a:lnSpc>
+                <a:spcPct val="80000"/>
+              </a:lnSpc>
+              <a:buFont typeface="+mj-lt"/>
+              <a:buAutoNum type="arabicPeriod" startAt="5"/>
+              <a:tabLst>
+                <a:tab pos="463550" algn="l"/>
+                <a:tab pos="914400" algn="l"/>
+                <a:tab pos="1377950" algn="l"/>
+                <a:tab pos="1828800" algn="l"/>
+                <a:tab pos="2292350" algn="l"/>
+              </a:tabLst>
+            </a:pPr>
+            <a:r>
+              <a:rPr lang="en-US" sz="1800" dirty="0">
+                <a:solidFill>
+                  <a:schemeClr val="accent2"/>
+                </a:solidFill>
+              </a:rPr>
+              <a:t>			if (reset = '0') then</a:t>
+            </a:r>
+          </a:p>
+          <a:p>
+            <a:pPr marL="349250" lvl="1" indent="-342900" eaLnBrk="1" hangingPunct="1">
+              <a:lnSpc>
+                <a:spcPct val="80000"/>
+              </a:lnSpc>
+              <a:buFont typeface="+mj-lt"/>
+              <a:buAutoNum type="arabicPeriod" startAt="5"/>
+              <a:tabLst>
+                <a:tab pos="463550" algn="l"/>
+                <a:tab pos="914400" algn="l"/>
+                <a:tab pos="1377950" algn="l"/>
+                <a:tab pos="1828800" algn="l"/>
+                <a:tab pos="2292350" algn="l"/>
+              </a:tabLst>
+            </a:pPr>
+            <a:r>
+              <a:rPr lang="en-US" sz="1800" dirty="0">
+                <a:solidFill>
+                  <a:schemeClr val="accent2"/>
+                </a:solidFill>
+              </a:rPr>
+              <a:t>				</a:t>
+            </a:r>
+            <a:r>
+              <a:rPr lang="en-US" sz="1800" dirty="0" err="1">
+                <a:solidFill>
+                  <a:schemeClr val="accent2"/>
+                </a:solidFill>
+              </a:rPr>
+              <a:t>processQ</a:t>
+            </a:r>
+            <a:r>
+              <a:rPr lang="en-US" sz="1800" dirty="0">
+                <a:solidFill>
+                  <a:schemeClr val="accent2"/>
+                </a:solidFill>
+              </a:rPr>
+              <a:t> &lt;= (others =&gt; '0');</a:t>
+            </a:r>
+          </a:p>
+          <a:p>
+            <a:pPr marL="349250" lvl="1" indent="-342900" eaLnBrk="1" hangingPunct="1">
+              <a:lnSpc>
+                <a:spcPct val="80000"/>
+              </a:lnSpc>
+              <a:buFont typeface="+mj-lt"/>
+              <a:buAutoNum type="arabicPeriod" startAt="5"/>
+              <a:tabLst>
+                <a:tab pos="463550" algn="l"/>
+                <a:tab pos="914400" algn="l"/>
+                <a:tab pos="1377950" algn="l"/>
+                <a:tab pos="1828800" algn="l"/>
+                <a:tab pos="2292350" algn="l"/>
+              </a:tabLst>
+            </a:pPr>
+            <a:r>
+              <a:rPr lang="en-US" sz="1800" dirty="0">
+                <a:solidFill>
+                  <a:schemeClr val="accent2"/>
+                </a:solidFill>
+              </a:rPr>
+              <a:t>				</a:t>
+            </a:r>
+            <a:r>
+              <a:rPr lang="en-US" sz="1800" dirty="0" err="1">
+                <a:solidFill>
+                  <a:schemeClr val="accent2"/>
+                </a:solidFill>
+              </a:rPr>
+              <a:t>rollSynch</a:t>
+            </a:r>
+            <a:r>
+              <a:rPr lang="en-US" sz="1800" dirty="0">
+                <a:solidFill>
+                  <a:schemeClr val="accent2"/>
+                </a:solidFill>
+              </a:rPr>
+              <a:t> &lt;= '0';</a:t>
+            </a:r>
+          </a:p>
+          <a:p>
+            <a:pPr marL="349250" lvl="1" indent="-342900" eaLnBrk="1" hangingPunct="1">
+              <a:lnSpc>
+                <a:spcPct val="80000"/>
+              </a:lnSpc>
+              <a:buFont typeface="+mj-lt"/>
+              <a:buAutoNum type="arabicPeriod" startAt="5"/>
+              <a:tabLst>
+                <a:tab pos="463550" algn="l"/>
+                <a:tab pos="914400" algn="l"/>
+                <a:tab pos="1377950" algn="l"/>
+                <a:tab pos="1828800" algn="l"/>
+                <a:tab pos="2292350" algn="l"/>
+              </a:tabLst>
+            </a:pPr>
+            <a:r>
+              <a:rPr lang="en-US" sz="1800" dirty="0">
+                <a:solidFill>
+                  <a:schemeClr val="accent2"/>
+                </a:solidFill>
+              </a:rPr>
+              <a:t>			</a:t>
+            </a:r>
+            <a:r>
+              <a:rPr lang="en-US" sz="1800" dirty="0" err="1">
+                <a:solidFill>
+                  <a:schemeClr val="accent2"/>
+                </a:solidFill>
+              </a:rPr>
+              <a:t>elsif</a:t>
+            </a:r>
+            <a:r>
+              <a:rPr lang="en-US" sz="1800" dirty="0">
+                <a:solidFill>
+                  <a:schemeClr val="accent2"/>
+                </a:solidFill>
+              </a:rPr>
+              <a:t> ((</a:t>
+            </a:r>
+            <a:r>
+              <a:rPr lang="en-US" sz="1800" dirty="0" err="1">
+                <a:solidFill>
+                  <a:schemeClr val="accent2"/>
+                </a:solidFill>
+              </a:rPr>
+              <a:t>processQ</a:t>
+            </a:r>
+            <a:r>
+              <a:rPr lang="en-US" sz="1800" dirty="0">
+                <a:solidFill>
+                  <a:schemeClr val="accent2"/>
+                </a:solidFill>
+              </a:rPr>
+              <a:t> &lt; 9) and </a:t>
+            </a:r>
+            <a:r>
+              <a:rPr lang="en-US" sz="1800" dirty="0" smtClean="0">
+                <a:solidFill>
+                  <a:schemeClr val="accent2"/>
+                </a:solidFill>
+              </a:rPr>
+              <a:t>(ctrl </a:t>
+            </a:r>
+            <a:r>
+              <a:rPr lang="en-US" sz="1800" dirty="0">
+                <a:solidFill>
+                  <a:schemeClr val="accent2"/>
+                </a:solidFill>
+              </a:rPr>
+              <a:t>= "01")) </a:t>
+            </a:r>
+            <a:r>
+              <a:rPr lang="en-US" sz="1800" dirty="0" smtClean="0">
+                <a:solidFill>
+                  <a:schemeClr val="accent2"/>
+                </a:solidFill>
+              </a:rPr>
+              <a:t>then</a:t>
+            </a:r>
+            <a:endParaRPr lang="en-US" sz="1800" dirty="0">
+              <a:solidFill>
+                <a:schemeClr val="accent2"/>
+              </a:solidFill>
+            </a:endParaRPr>
+          </a:p>
+          <a:p>
+            <a:pPr marL="349250" lvl="1" indent="-342900" eaLnBrk="1" hangingPunct="1">
+              <a:lnSpc>
+                <a:spcPct val="80000"/>
+              </a:lnSpc>
+              <a:buFont typeface="+mj-lt"/>
+              <a:buAutoNum type="arabicPeriod" startAt="5"/>
+              <a:tabLst>
+                <a:tab pos="463550" algn="l"/>
+                <a:tab pos="914400" algn="l"/>
+                <a:tab pos="1377950" algn="l"/>
+                <a:tab pos="1828800" algn="l"/>
+                <a:tab pos="2292350" algn="l"/>
+              </a:tabLst>
+            </a:pPr>
+            <a:r>
+              <a:rPr lang="en-US" sz="1800" dirty="0">
+                <a:solidFill>
+                  <a:schemeClr val="accent2"/>
+                </a:solidFill>
+              </a:rPr>
+              <a:t>				</a:t>
+            </a:r>
+            <a:r>
+              <a:rPr lang="en-US" sz="1800" dirty="0" err="1">
+                <a:solidFill>
+                  <a:schemeClr val="accent2"/>
+                </a:solidFill>
+              </a:rPr>
+              <a:t>processQ</a:t>
+            </a:r>
+            <a:r>
+              <a:rPr lang="en-US" sz="1800" dirty="0">
+                <a:solidFill>
+                  <a:schemeClr val="accent2"/>
+                </a:solidFill>
+              </a:rPr>
+              <a:t> &lt;= </a:t>
+            </a:r>
+            <a:r>
+              <a:rPr lang="en-US" sz="1800" dirty="0" err="1">
+                <a:solidFill>
+                  <a:schemeClr val="accent2"/>
+                </a:solidFill>
+              </a:rPr>
+              <a:t>processQ</a:t>
+            </a:r>
+            <a:r>
+              <a:rPr lang="en-US" sz="1800" dirty="0">
+                <a:solidFill>
+                  <a:schemeClr val="accent2"/>
+                </a:solidFill>
+              </a:rPr>
+              <a:t> + 1;</a:t>
+            </a:r>
+          </a:p>
+          <a:p>
+            <a:pPr marL="349250" lvl="1" indent="-342900" eaLnBrk="1" hangingPunct="1">
+              <a:lnSpc>
+                <a:spcPct val="80000"/>
+              </a:lnSpc>
+              <a:buFont typeface="+mj-lt"/>
+              <a:buAutoNum type="arabicPeriod" startAt="5"/>
+              <a:tabLst>
+                <a:tab pos="463550" algn="l"/>
+                <a:tab pos="914400" algn="l"/>
+                <a:tab pos="1377950" algn="l"/>
+                <a:tab pos="1828800" algn="l"/>
+                <a:tab pos="2292350" algn="l"/>
+              </a:tabLst>
+            </a:pPr>
+            <a:r>
+              <a:rPr lang="en-US" sz="1800" dirty="0">
+                <a:solidFill>
+                  <a:schemeClr val="accent2"/>
+                </a:solidFill>
+              </a:rPr>
+              <a:t>				</a:t>
+            </a:r>
+            <a:r>
+              <a:rPr lang="en-US" sz="1800" dirty="0" err="1">
+                <a:solidFill>
+                  <a:schemeClr val="accent2"/>
+                </a:solidFill>
+              </a:rPr>
+              <a:t>rollSynch</a:t>
+            </a:r>
+            <a:r>
+              <a:rPr lang="en-US" sz="1800" dirty="0">
+                <a:solidFill>
+                  <a:schemeClr val="accent2"/>
+                </a:solidFill>
+              </a:rPr>
+              <a:t> &lt;= '0';</a:t>
+            </a:r>
+          </a:p>
+          <a:p>
+            <a:pPr marL="349250" lvl="1" indent="-342900" eaLnBrk="1" hangingPunct="1">
+              <a:lnSpc>
+                <a:spcPct val="80000"/>
+              </a:lnSpc>
+              <a:buFont typeface="+mj-lt"/>
+              <a:buAutoNum type="arabicPeriod" startAt="5"/>
+              <a:tabLst>
+                <a:tab pos="463550" algn="l"/>
+                <a:tab pos="914400" algn="l"/>
+                <a:tab pos="1377950" algn="l"/>
+                <a:tab pos="1828800" algn="l"/>
+                <a:tab pos="2292350" algn="l"/>
+              </a:tabLst>
+            </a:pPr>
+            <a:r>
+              <a:rPr lang="en-US" sz="1800" dirty="0">
+                <a:solidFill>
+                  <a:schemeClr val="accent2"/>
+                </a:solidFill>
+              </a:rPr>
+              <a:t>			</a:t>
+            </a:r>
+            <a:r>
+              <a:rPr lang="en-US" sz="1800" dirty="0" err="1">
+                <a:solidFill>
+                  <a:schemeClr val="accent2"/>
+                </a:solidFill>
+              </a:rPr>
+              <a:t>elsif</a:t>
+            </a:r>
+            <a:r>
+              <a:rPr lang="en-US" sz="1800" dirty="0">
+                <a:solidFill>
+                  <a:schemeClr val="accent2"/>
+                </a:solidFill>
+              </a:rPr>
+              <a:t> ((</a:t>
+            </a:r>
+            <a:r>
+              <a:rPr lang="en-US" sz="1800" dirty="0" err="1">
+                <a:solidFill>
+                  <a:schemeClr val="accent2"/>
+                </a:solidFill>
+              </a:rPr>
+              <a:t>processQ</a:t>
+            </a:r>
+            <a:r>
+              <a:rPr lang="en-US" sz="1800" dirty="0">
+                <a:solidFill>
+                  <a:schemeClr val="accent2"/>
+                </a:solidFill>
+              </a:rPr>
+              <a:t> = 9) and </a:t>
+            </a:r>
+            <a:r>
+              <a:rPr lang="en-US" sz="1800" dirty="0" smtClean="0">
+                <a:solidFill>
+                  <a:schemeClr val="accent2"/>
+                </a:solidFill>
+              </a:rPr>
+              <a:t>(ctrl </a:t>
+            </a:r>
+            <a:r>
+              <a:rPr lang="en-US" sz="1800" dirty="0">
+                <a:solidFill>
+                  <a:schemeClr val="accent2"/>
+                </a:solidFill>
+              </a:rPr>
+              <a:t>= "01")) then</a:t>
+            </a:r>
+          </a:p>
+          <a:p>
+            <a:pPr marL="349250" lvl="1" indent="-342900" eaLnBrk="1" hangingPunct="1">
+              <a:lnSpc>
+                <a:spcPct val="80000"/>
+              </a:lnSpc>
+              <a:buFont typeface="+mj-lt"/>
+              <a:buAutoNum type="arabicPeriod" startAt="5"/>
+              <a:tabLst>
+                <a:tab pos="463550" algn="l"/>
+                <a:tab pos="914400" algn="l"/>
+                <a:tab pos="1377950" algn="l"/>
+                <a:tab pos="1828800" algn="l"/>
+                <a:tab pos="2292350" algn="l"/>
+              </a:tabLst>
+            </a:pPr>
+            <a:r>
+              <a:rPr lang="en-US" sz="1800" dirty="0">
+                <a:solidFill>
+                  <a:schemeClr val="accent2"/>
+                </a:solidFill>
+              </a:rPr>
+              <a:t>				</a:t>
+            </a:r>
+            <a:r>
+              <a:rPr lang="en-US" sz="1800" dirty="0" err="1">
+                <a:solidFill>
+                  <a:schemeClr val="accent2"/>
+                </a:solidFill>
+              </a:rPr>
+              <a:t>processQ</a:t>
+            </a:r>
+            <a:r>
+              <a:rPr lang="en-US" sz="1800" dirty="0">
+                <a:solidFill>
+                  <a:schemeClr val="accent2"/>
+                </a:solidFill>
+              </a:rPr>
+              <a:t> &lt;= (others =&gt; '0');</a:t>
+            </a:r>
+          </a:p>
+          <a:p>
+            <a:pPr marL="349250" lvl="1" indent="-342900" eaLnBrk="1" hangingPunct="1">
+              <a:lnSpc>
+                <a:spcPct val="80000"/>
+              </a:lnSpc>
+              <a:buFont typeface="+mj-lt"/>
+              <a:buAutoNum type="arabicPeriod" startAt="5"/>
+              <a:tabLst>
+                <a:tab pos="463550" algn="l"/>
+                <a:tab pos="914400" algn="l"/>
+                <a:tab pos="1377950" algn="l"/>
+                <a:tab pos="1828800" algn="l"/>
+                <a:tab pos="2292350" algn="l"/>
+              </a:tabLst>
+            </a:pPr>
+            <a:r>
+              <a:rPr lang="en-US" sz="1800" dirty="0">
+                <a:solidFill>
+                  <a:schemeClr val="accent2"/>
+                </a:solidFill>
+              </a:rPr>
+              <a:t>				</a:t>
+            </a:r>
+            <a:r>
+              <a:rPr lang="en-US" sz="1800" dirty="0" err="1">
+                <a:solidFill>
+                  <a:schemeClr val="accent2"/>
+                </a:solidFill>
+              </a:rPr>
+              <a:t>rollSynch</a:t>
+            </a:r>
+            <a:r>
+              <a:rPr lang="en-US" sz="1800" dirty="0">
+                <a:solidFill>
+                  <a:schemeClr val="accent2"/>
+                </a:solidFill>
+              </a:rPr>
+              <a:t> &lt;= '1';</a:t>
+            </a:r>
+          </a:p>
+          <a:p>
+            <a:pPr marL="349250" lvl="1" indent="-342900" eaLnBrk="1" hangingPunct="1">
+              <a:lnSpc>
+                <a:spcPct val="80000"/>
+              </a:lnSpc>
+              <a:buFont typeface="+mj-lt"/>
+              <a:buAutoNum type="arabicPeriod" startAt="5"/>
+              <a:tabLst>
+                <a:tab pos="463550" algn="l"/>
+                <a:tab pos="914400" algn="l"/>
+                <a:tab pos="1377950" algn="l"/>
+                <a:tab pos="1828800" algn="l"/>
+                <a:tab pos="2292350" algn="l"/>
+              </a:tabLst>
+            </a:pPr>
+            <a:r>
+              <a:rPr lang="en-US" sz="1800" dirty="0">
+                <a:solidFill>
+                  <a:schemeClr val="accent2"/>
+                </a:solidFill>
+              </a:rPr>
+              <a:t>			</a:t>
+            </a:r>
+            <a:r>
+              <a:rPr lang="en-US" sz="1800" dirty="0" err="1">
+                <a:solidFill>
+                  <a:schemeClr val="accent2"/>
+                </a:solidFill>
+              </a:rPr>
+              <a:t>elsif</a:t>
+            </a:r>
+            <a:r>
+              <a:rPr lang="en-US" sz="1800" dirty="0">
+                <a:solidFill>
+                  <a:schemeClr val="accent2"/>
+                </a:solidFill>
+              </a:rPr>
+              <a:t> </a:t>
+            </a:r>
+            <a:r>
+              <a:rPr lang="en-US" sz="1800" dirty="0" smtClean="0">
+                <a:solidFill>
+                  <a:schemeClr val="accent2"/>
+                </a:solidFill>
+              </a:rPr>
+              <a:t>(ctrl </a:t>
+            </a:r>
+            <a:r>
+              <a:rPr lang="en-US" sz="1800" dirty="0">
+                <a:solidFill>
+                  <a:schemeClr val="accent2"/>
+                </a:solidFill>
+              </a:rPr>
+              <a:t>= "10") then</a:t>
+            </a:r>
+          </a:p>
+          <a:p>
+            <a:pPr marL="349250" lvl="1" indent="-342900" eaLnBrk="1" hangingPunct="1">
+              <a:lnSpc>
+                <a:spcPct val="80000"/>
+              </a:lnSpc>
+              <a:buFont typeface="+mj-lt"/>
+              <a:buAutoNum type="arabicPeriod" startAt="5"/>
+              <a:tabLst>
+                <a:tab pos="463550" algn="l"/>
+                <a:tab pos="914400" algn="l"/>
+                <a:tab pos="1377950" algn="l"/>
+                <a:tab pos="1828800" algn="l"/>
+                <a:tab pos="2292350" algn="l"/>
+              </a:tabLst>
+            </a:pPr>
+            <a:r>
+              <a:rPr lang="en-US" sz="1800" dirty="0">
+                <a:solidFill>
+                  <a:schemeClr val="accent2"/>
+                </a:solidFill>
+              </a:rPr>
+              <a:t>				</a:t>
+            </a:r>
+            <a:r>
+              <a:rPr lang="en-US" sz="1800" dirty="0" err="1">
+                <a:solidFill>
+                  <a:schemeClr val="accent2"/>
+                </a:solidFill>
+              </a:rPr>
+              <a:t>processQ</a:t>
+            </a:r>
+            <a:r>
+              <a:rPr lang="en-US" sz="1800" dirty="0">
+                <a:solidFill>
+                  <a:schemeClr val="accent2"/>
+                </a:solidFill>
+              </a:rPr>
+              <a:t> &lt;= unsigned(D);</a:t>
+            </a:r>
+          </a:p>
+          <a:p>
+            <a:pPr marL="349250" lvl="1" indent="-342900" eaLnBrk="1" hangingPunct="1">
+              <a:lnSpc>
+                <a:spcPct val="80000"/>
+              </a:lnSpc>
+              <a:buFont typeface="+mj-lt"/>
+              <a:buAutoNum type="arabicPeriod" startAt="5"/>
+              <a:tabLst>
+                <a:tab pos="463550" algn="l"/>
+                <a:tab pos="914400" algn="l"/>
+                <a:tab pos="1377950" algn="l"/>
+                <a:tab pos="1828800" algn="l"/>
+                <a:tab pos="2292350" algn="l"/>
+              </a:tabLst>
+            </a:pPr>
+            <a:r>
+              <a:rPr lang="en-US" sz="1800" dirty="0">
+                <a:solidFill>
+                  <a:schemeClr val="accent2"/>
+                </a:solidFill>
+              </a:rPr>
+              <a:t>			</a:t>
+            </a:r>
+            <a:r>
+              <a:rPr lang="en-US" sz="1800" dirty="0" err="1">
+                <a:solidFill>
+                  <a:schemeClr val="accent2"/>
+                </a:solidFill>
+              </a:rPr>
+              <a:t>elsif</a:t>
+            </a:r>
+            <a:r>
+              <a:rPr lang="en-US" sz="1800" dirty="0">
+                <a:solidFill>
+                  <a:schemeClr val="accent2"/>
+                </a:solidFill>
+              </a:rPr>
+              <a:t> </a:t>
+            </a:r>
+            <a:r>
+              <a:rPr lang="en-US" sz="1800" dirty="0" smtClean="0">
+                <a:solidFill>
+                  <a:schemeClr val="accent2"/>
+                </a:solidFill>
+              </a:rPr>
+              <a:t>(ctrl </a:t>
+            </a:r>
+            <a:r>
+              <a:rPr lang="en-US" sz="1800" dirty="0">
+                <a:solidFill>
+                  <a:schemeClr val="accent2"/>
+                </a:solidFill>
+              </a:rPr>
+              <a:t>= "11") then</a:t>
+            </a:r>
+          </a:p>
+          <a:p>
+            <a:pPr marL="349250" lvl="1" indent="-342900" eaLnBrk="1" hangingPunct="1">
+              <a:lnSpc>
+                <a:spcPct val="80000"/>
+              </a:lnSpc>
+              <a:buFont typeface="+mj-lt"/>
+              <a:buAutoNum type="arabicPeriod" startAt="5"/>
+              <a:tabLst>
+                <a:tab pos="463550" algn="l"/>
+                <a:tab pos="914400" algn="l"/>
+                <a:tab pos="1377950" algn="l"/>
+                <a:tab pos="1828800" algn="l"/>
+                <a:tab pos="2292350" algn="l"/>
+              </a:tabLst>
+            </a:pPr>
+            <a:r>
+              <a:rPr lang="en-US" sz="1800" dirty="0">
+                <a:solidFill>
+                  <a:schemeClr val="accent2"/>
+                </a:solidFill>
+              </a:rPr>
+              <a:t>				</a:t>
+            </a:r>
+            <a:r>
+              <a:rPr lang="en-US" sz="1800" dirty="0" err="1">
+                <a:solidFill>
+                  <a:schemeClr val="accent2"/>
+                </a:solidFill>
+              </a:rPr>
+              <a:t>processQ</a:t>
+            </a:r>
+            <a:r>
+              <a:rPr lang="en-US" sz="1800" dirty="0">
+                <a:solidFill>
+                  <a:schemeClr val="accent2"/>
+                </a:solidFill>
+              </a:rPr>
+              <a:t> &lt;= (others =&gt; '0');</a:t>
+            </a:r>
+          </a:p>
+          <a:p>
+            <a:pPr marL="349250" lvl="1" indent="-342900" eaLnBrk="1" hangingPunct="1">
+              <a:lnSpc>
+                <a:spcPct val="80000"/>
+              </a:lnSpc>
+              <a:buFont typeface="+mj-lt"/>
+              <a:buAutoNum type="arabicPeriod" startAt="5"/>
+              <a:tabLst>
+                <a:tab pos="463550" algn="l"/>
+                <a:tab pos="914400" algn="l"/>
+                <a:tab pos="1377950" algn="l"/>
+                <a:tab pos="1828800" algn="l"/>
+                <a:tab pos="2292350" algn="l"/>
+              </a:tabLst>
+            </a:pPr>
+            <a:r>
+              <a:rPr lang="en-US" sz="1800" dirty="0">
+                <a:solidFill>
+                  <a:schemeClr val="accent2"/>
+                </a:solidFill>
+              </a:rPr>
+              <a:t>			end if;</a:t>
+            </a:r>
+          </a:p>
+          <a:p>
+            <a:pPr marL="349250" lvl="1" indent="-342900" eaLnBrk="1" hangingPunct="1">
+              <a:lnSpc>
+                <a:spcPct val="80000"/>
+              </a:lnSpc>
+              <a:buFont typeface="+mj-lt"/>
+              <a:buAutoNum type="arabicPeriod" startAt="5"/>
+              <a:tabLst>
+                <a:tab pos="463550" algn="l"/>
+                <a:tab pos="914400" algn="l"/>
+                <a:tab pos="1377950" algn="l"/>
+                <a:tab pos="1828800" algn="l"/>
+                <a:tab pos="2292350" algn="l"/>
+              </a:tabLst>
+            </a:pPr>
+            <a:r>
+              <a:rPr lang="en-US" sz="1800" dirty="0">
+                <a:solidFill>
+                  <a:schemeClr val="accent2"/>
+                </a:solidFill>
+              </a:rPr>
+              <a:t>		end if;</a:t>
+            </a:r>
+          </a:p>
+          <a:p>
+            <a:pPr marL="349250" lvl="1" indent="-342900" eaLnBrk="1" hangingPunct="1">
+              <a:lnSpc>
+                <a:spcPct val="80000"/>
+              </a:lnSpc>
+              <a:buFont typeface="+mj-lt"/>
+              <a:buAutoNum type="arabicPeriod" startAt="5"/>
+              <a:tabLst>
+                <a:tab pos="463550" algn="l"/>
+                <a:tab pos="914400" algn="l"/>
+                <a:tab pos="1377950" algn="l"/>
+                <a:tab pos="1828800" algn="l"/>
+                <a:tab pos="2292350" algn="l"/>
+              </a:tabLst>
+            </a:pPr>
+            <a:r>
+              <a:rPr lang="en-US" sz="1800" dirty="0">
+                <a:solidFill>
+                  <a:schemeClr val="accent2"/>
+                </a:solidFill>
+              </a:rPr>
+              <a:t>	end process;</a:t>
+            </a:r>
+          </a:p>
+          <a:p>
+            <a:pPr marL="342900" indent="-342900">
+              <a:buFont typeface="+mj-lt"/>
+              <a:buAutoNum type="arabicPeriod"/>
+            </a:pPr>
+            <a:endParaRPr lang="en-US" sz="1800" dirty="0"/>
           </a:p>
         </p:txBody>
       </p:sp>
@@ -10529,7 +11971,7 @@
     </p:spTree>
     <p:extLst>
       <p:ext uri="{BB962C8B-B14F-4D97-AF65-F5344CB8AC3E}">
-        <p14:creationId xmlns:p14="http://schemas.microsoft.com/office/powerpoint/2010/main" val="972912503"/>
+        <p14:creationId xmlns:p14="http://schemas.microsoft.com/office/powerpoint/2010/main" val="3752460723"/>
       </p:ext>
     </p:extLst>
   </p:cSld>
@@ -10565,7 +12007,7 @@
       </p:grpSpPr>
       <p:sp>
         <p:nvSpPr>
-          <p:cNvPr id="6" name="Title 5"/>
+          <p:cNvPr id="2" name="Title 1"/>
           <p:cNvSpPr>
             <a:spLocks noGrp="1"/>
           </p:cNvSpPr>
@@ -10579,39 +12021,196 @@
           <a:lstStyle/>
           <a:p>
             <a:r>
-              <a:rPr lang="en-US" cap="none" dirty="0" smtClean="0"/>
-              <a:t>Adding Signals in </a:t>
-            </a:r>
-            <a:r>
-              <a:rPr lang="en-US" cap="none" dirty="0" err="1" smtClean="0"/>
-              <a:t>Isim</a:t>
-            </a:r>
-            <a:endParaRPr lang="en-US" cap="none" dirty="0"/>
-          </a:p>
-        </p:txBody>
-      </p:sp>
-      <p:sp>
-        <p:nvSpPr>
-          <p:cNvPr id="7" name="Text Placeholder 6"/>
+              <a:rPr lang="en-US" dirty="0"/>
+              <a:t>Mod 10 Counter </a:t>
+            </a:r>
+            <a:r>
+              <a:rPr lang="en-US" dirty="0" smtClean="0"/>
+              <a:t>– VHDL Code</a:t>
+            </a:r>
+            <a:br>
+              <a:rPr lang="en-US" dirty="0" smtClean="0"/>
+            </a:br>
+            <a:r>
+              <a:rPr lang="en-US" dirty="0" smtClean="0"/>
+              <a:t>Architecture</a:t>
+            </a:r>
+            <a:endParaRPr lang="en-US" dirty="0"/>
+          </a:p>
+        </p:txBody>
+      </p:sp>
+      <p:sp>
+        <p:nvSpPr>
+          <p:cNvPr id="4" name="Content Placeholder 3"/>
           <p:cNvSpPr>
             <a:spLocks noGrp="1"/>
           </p:cNvSpPr>
           <p:nvPr>
-            <p:ph type="body" idx="1"/>
-          </p:nvPr>
-        </p:nvSpPr>
-        <p:spPr/>
+            <p:ph idx="1"/>
+          </p:nvPr>
+        </p:nvSpPr>
+        <p:spPr>
+          <a:xfrm>
+            <a:off x="581736" y="1482108"/>
+            <a:ext cx="8131175" cy="4324350"/>
+          </a:xfrm>
+        </p:spPr>
         <p:txBody>
           <a:bodyPr/>
           <a:lstStyle/>
           <a:p>
-            <a:endParaRPr lang="en-US" dirty="0"/>
-          </a:p>
-        </p:txBody>
-      </p:sp>
-      <p:sp>
-        <p:nvSpPr>
-          <p:cNvPr id="4" name="Slide Number Placeholder 3"/>
+            <a:pPr marL="349250" lvl="1" indent="-342900" eaLnBrk="1" hangingPunct="1">
+              <a:lnSpc>
+                <a:spcPct val="80000"/>
+              </a:lnSpc>
+              <a:buFont typeface="+mj-lt"/>
+              <a:buAutoNum type="arabicPeriod" startAt="24"/>
+              <a:tabLst>
+                <a:tab pos="463550" algn="l"/>
+                <a:tab pos="914400" algn="l"/>
+                <a:tab pos="1377950" algn="l"/>
+                <a:tab pos="1828800" algn="l"/>
+                <a:tab pos="2292350" algn="l"/>
+              </a:tabLst>
+            </a:pPr>
+            <a:r>
+              <a:rPr lang="en-US" sz="1800" dirty="0">
+                <a:solidFill>
+                  <a:schemeClr val="accent2"/>
+                </a:solidFill>
+              </a:rPr>
+              <a:t>	</a:t>
+            </a:r>
+            <a:r>
+              <a:rPr lang="en-US" sz="1800" dirty="0" err="1">
+                <a:solidFill>
+                  <a:schemeClr val="accent2"/>
+                </a:solidFill>
+              </a:rPr>
+              <a:t>rollCombo</a:t>
+            </a:r>
+            <a:r>
+              <a:rPr lang="en-US" sz="1800" dirty="0">
+                <a:solidFill>
+                  <a:schemeClr val="accent2"/>
+                </a:solidFill>
+              </a:rPr>
+              <a:t>  &lt;= '1' when (</a:t>
+            </a:r>
+            <a:r>
+              <a:rPr lang="en-US" sz="1800" dirty="0" err="1">
+                <a:solidFill>
+                  <a:schemeClr val="accent2"/>
+                </a:solidFill>
+              </a:rPr>
+              <a:t>processQ</a:t>
+            </a:r>
+            <a:r>
+              <a:rPr lang="en-US" sz="1800" dirty="0">
+                <a:solidFill>
+                  <a:schemeClr val="accent2"/>
+                </a:solidFill>
+              </a:rPr>
+              <a:t> = 9) else '0';</a:t>
+            </a:r>
+          </a:p>
+          <a:p>
+            <a:pPr marL="349250" lvl="1" indent="-342900" eaLnBrk="1" hangingPunct="1">
+              <a:lnSpc>
+                <a:spcPct val="80000"/>
+              </a:lnSpc>
+              <a:buFont typeface="+mj-lt"/>
+              <a:buAutoNum type="arabicPeriod" startAt="24"/>
+              <a:tabLst>
+                <a:tab pos="463550" algn="l"/>
+                <a:tab pos="914400" algn="l"/>
+                <a:tab pos="1377950" algn="l"/>
+                <a:tab pos="1828800" algn="l"/>
+                <a:tab pos="2292350" algn="l"/>
+              </a:tabLst>
+            </a:pPr>
+            <a:r>
+              <a:rPr lang="en-US" sz="1800" dirty="0">
+                <a:solidFill>
+                  <a:schemeClr val="accent2"/>
+                </a:solidFill>
+              </a:rPr>
+              <a:t>	Q &lt;= </a:t>
+            </a:r>
+            <a:r>
+              <a:rPr lang="en-US" sz="1800" dirty="0" err="1">
+                <a:solidFill>
+                  <a:schemeClr val="accent2"/>
+                </a:solidFill>
+              </a:rPr>
+              <a:t>processQ</a:t>
+            </a:r>
+            <a:r>
+              <a:rPr lang="en-US" sz="1800" dirty="0">
+                <a:solidFill>
+                  <a:schemeClr val="accent2"/>
+                </a:solidFill>
+              </a:rPr>
+              <a:t>;</a:t>
+            </a:r>
+          </a:p>
+          <a:p>
+            <a:pPr marL="349250" lvl="1" indent="-342900" eaLnBrk="1" hangingPunct="1">
+              <a:lnSpc>
+                <a:spcPct val="80000"/>
+              </a:lnSpc>
+              <a:buFont typeface="+mj-lt"/>
+              <a:buAutoNum type="arabicPeriod" startAt="24"/>
+              <a:tabLst>
+                <a:tab pos="463550" algn="l"/>
+                <a:tab pos="914400" algn="l"/>
+                <a:tab pos="1377950" algn="l"/>
+                <a:tab pos="1828800" algn="l"/>
+                <a:tab pos="2292350" algn="l"/>
+              </a:tabLst>
+            </a:pPr>
+            <a:endParaRPr lang="en-US" sz="1800" dirty="0">
+              <a:solidFill>
+                <a:schemeClr val="accent2"/>
+              </a:solidFill>
+            </a:endParaRPr>
+          </a:p>
+          <a:p>
+            <a:pPr marL="349250" lvl="1" indent="-342900" eaLnBrk="1" hangingPunct="1">
+              <a:lnSpc>
+                <a:spcPct val="80000"/>
+              </a:lnSpc>
+              <a:buFont typeface="+mj-lt"/>
+              <a:buAutoNum type="arabicPeriod" startAt="24"/>
+              <a:tabLst>
+                <a:tab pos="463550" algn="l"/>
+                <a:tab pos="914400" algn="l"/>
+                <a:tab pos="1377950" algn="l"/>
+                <a:tab pos="1828800" algn="l"/>
+                <a:tab pos="2292350" algn="l"/>
+              </a:tabLst>
+            </a:pPr>
+            <a:r>
+              <a:rPr lang="en-US" sz="1800" dirty="0">
+                <a:solidFill>
+                  <a:schemeClr val="accent2"/>
+                </a:solidFill>
+              </a:rPr>
+              <a:t>end behavior;</a:t>
+            </a:r>
+          </a:p>
+          <a:p>
+            <a:pPr marL="342900" indent="-342900">
+              <a:buFont typeface="+mj-lt"/>
+              <a:buAutoNum type="arabicPeriod"/>
+            </a:pPr>
+            <a:endParaRPr lang="en-US" sz="1800" dirty="0"/>
+          </a:p>
+        </p:txBody>
+      </p:sp>
+      <p:sp>
+        <p:nvSpPr>
+          <p:cNvPr id="5" name="Slide Number Placeholder 3"/>
           <p:cNvSpPr>
             <a:spLocks noGrp="1"/>
           </p:cNvSpPr>
@@ -10619,7 +12218,12 @@
             <p:ph type="sldNum" sz="quarter" idx="10"/>
           </p:nvPr>
         </p:nvSpPr>
-        <p:spPr/>
+        <p:spPr>
+          <a:xfrm>
+            <a:off x="6910388" y="6253163"/>
+            <a:ext cx="2133600" cy="476250"/>
+          </a:xfrm>
+        </p:spPr>
         <p:txBody>
           <a:bodyPr/>
           <a:lstStyle/>
@@ -10649,7 +12253,7 @@
     </p:spTree>
     <p:extLst>
       <p:ext uri="{BB962C8B-B14F-4D97-AF65-F5344CB8AC3E}">
-        <p14:creationId xmlns:p14="http://schemas.microsoft.com/office/powerpoint/2010/main" val="531361380"/>
+        <p14:creationId xmlns:p14="http://schemas.microsoft.com/office/powerpoint/2010/main" val="4132099932"/>
       </p:ext>
     </p:extLst>
   </p:cSld>
@@ -10685,7 +12289,7 @@
       </p:grpSpPr>
       <p:sp>
         <p:nvSpPr>
-          <p:cNvPr id="2" name="Title 1"/>
+          <p:cNvPr id="6" name="Title 5"/>
           <p:cNvSpPr>
             <a:spLocks noGrp="1"/>
           </p:cNvSpPr>
@@ -10699,145 +12303,35 @@
           <a:lstStyle/>
           <a:p>
             <a:r>
-              <a:rPr lang="en-US" dirty="0"/>
-              <a:t>Adding Signals in </a:t>
-            </a:r>
-            <a:r>
-              <a:rPr lang="en-US" dirty="0" err="1"/>
-              <a:t>Isim</a:t>
-            </a:r>
-            <a:endParaRPr lang="en-US" dirty="0"/>
-          </a:p>
-        </p:txBody>
-      </p:sp>
-      <p:sp>
-        <p:nvSpPr>
-          <p:cNvPr id="4" name="Content Placeholder 3"/>
+              <a:rPr lang="en-US" cap="none" dirty="0" smtClean="0"/>
+              <a:t>General VHDL Rules</a:t>
+            </a:r>
+            <a:endParaRPr lang="en-US" cap="none" dirty="0"/>
+          </a:p>
+        </p:txBody>
+      </p:sp>
+      <p:sp>
+        <p:nvSpPr>
+          <p:cNvPr id="7" name="Text Placeholder 6"/>
           <p:cNvSpPr>
             <a:spLocks noGrp="1"/>
           </p:cNvSpPr>
           <p:nvPr>
-            <p:ph idx="1"/>
-          </p:nvPr>
-        </p:nvSpPr>
-        <p:spPr>
-          <a:xfrm>
-            <a:off x="581736" y="1523052"/>
-            <a:ext cx="8131175" cy="4324350"/>
-          </a:xfrm>
-        </p:spPr>
+            <p:ph type="body" idx="1"/>
+          </p:nvPr>
+        </p:nvSpPr>
+        <p:spPr/>
         <p:txBody>
           <a:bodyPr/>
           <a:lstStyle/>
           <a:p>
-            <a:r>
-              <a:rPr lang="en-US" b="0" dirty="0" smtClean="0"/>
-              <a:t>Sometimes it is necessary to examine signals not directly visible in a design.  In </a:t>
-            </a:r>
-            <a:r>
-              <a:rPr lang="en-US" b="0" dirty="0"/>
-              <a:t>the Instances and Process </a:t>
-            </a:r>
-            <a:r>
-              <a:rPr lang="en-US" b="0" dirty="0" err="1"/>
-              <a:t>subwindow</a:t>
-            </a:r>
-            <a:r>
-              <a:rPr lang="en-US" b="0" dirty="0"/>
-              <a:t>, reveal the instances inside the lec4_tb by clicking on the arrow to the left lec4_tb.</a:t>
-            </a:r>
-          </a:p>
-          <a:p>
-            <a:pPr lvl="1"/>
-            <a:r>
-              <a:rPr lang="en-US" b="0" dirty="0"/>
-              <a:t>Reveal the signals inside the lec4 instance (called </a:t>
-            </a:r>
-            <a:r>
-              <a:rPr lang="en-US" b="0" dirty="0" err="1"/>
-              <a:t>uut</a:t>
-            </a:r>
-            <a:r>
-              <a:rPr lang="en-US" b="0" dirty="0"/>
-              <a:t>) by clicking on the label "</a:t>
-            </a:r>
-            <a:r>
-              <a:rPr lang="en-US" b="0" dirty="0" err="1"/>
-              <a:t>uut</a:t>
-            </a:r>
-            <a:r>
-              <a:rPr lang="en-US" b="0" dirty="0"/>
-              <a:t>".</a:t>
-            </a:r>
-          </a:p>
-          <a:p>
-            <a:pPr lvl="1"/>
-            <a:r>
-              <a:rPr lang="en-US" b="0" dirty="0"/>
-              <a:t>In the Objects </a:t>
-            </a:r>
-            <a:r>
-              <a:rPr lang="en-US" b="0" dirty="0" err="1"/>
-              <a:t>subwindow</a:t>
-            </a:r>
-            <a:r>
-              <a:rPr lang="en-US" b="0" dirty="0"/>
-              <a:t> select the signal that you want to observe on the timing </a:t>
-            </a:r>
-            <a:r>
-              <a:rPr lang="en-US" b="0" dirty="0" err="1"/>
-              <a:t>digram</a:t>
-            </a:r>
-            <a:r>
-              <a:rPr lang="en-US" b="0" dirty="0"/>
-              <a:t>. In our case the </a:t>
-            </a:r>
-            <a:r>
-              <a:rPr lang="en-US" b="0" dirty="0" err="1"/>
-              <a:t>crtl</a:t>
-            </a:r>
-            <a:r>
-              <a:rPr lang="en-US" b="0" dirty="0"/>
-              <a:t> signal.</a:t>
-            </a:r>
-          </a:p>
-          <a:p>
-            <a:pPr lvl="1"/>
-            <a:r>
-              <a:rPr lang="en-US" b="0" dirty="0"/>
-              <a:t>Drag and drop the signal into the timing diagram.</a:t>
-            </a:r>
-          </a:p>
-          <a:p>
-            <a:pPr lvl="1"/>
-            <a:r>
-              <a:rPr lang="en-US" b="0" dirty="0"/>
-              <a:t>In most cases you </a:t>
-            </a:r>
-            <a:r>
-              <a:rPr lang="en-US" b="0" dirty="0" err="1"/>
-              <a:t>wil</a:t>
-            </a:r>
-            <a:r>
-              <a:rPr lang="en-US" b="0" dirty="0"/>
-              <a:t> have to restart the simulation to get a complete trace of the newly added signal.</a:t>
-            </a:r>
-          </a:p>
-          <a:p>
-            <a:pPr lvl="1"/>
-            <a:r>
-              <a:rPr lang="en-US" b="0" dirty="0"/>
-              <a:t>And the rerun it for the needed amount of time.</a:t>
-            </a:r>
-          </a:p>
-          <a:p>
             <a:endParaRPr lang="en-US" dirty="0"/>
           </a:p>
         </p:txBody>
       </p:sp>
       <p:sp>
         <p:nvSpPr>
-          <p:cNvPr id="5" name="Slide Number Placeholder 3"/>
+          <p:cNvPr id="4" name="Slide Number Placeholder 3"/>
           <p:cNvSpPr>
             <a:spLocks noGrp="1"/>
           </p:cNvSpPr>
@@ -10845,12 +12339,7 @@
             <p:ph type="sldNum" sz="quarter" idx="10"/>
           </p:nvPr>
         </p:nvSpPr>
-        <p:spPr>
-          <a:xfrm>
-            <a:off x="6910388" y="6253163"/>
-            <a:ext cx="2133600" cy="476250"/>
-          </a:xfrm>
-        </p:spPr>
+        <p:spPr/>
         <p:txBody>
           <a:bodyPr/>
           <a:lstStyle/>
@@ -10880,7 +12369,7 @@
     </p:spTree>
     <p:extLst>
       <p:ext uri="{BB962C8B-B14F-4D97-AF65-F5344CB8AC3E}">
-        <p14:creationId xmlns:p14="http://schemas.microsoft.com/office/powerpoint/2010/main" val="3439807785"/>
+        <p14:creationId xmlns:p14="http://schemas.microsoft.com/office/powerpoint/2010/main" val="2894851967"/>
       </p:ext>
     </p:extLst>
   </p:cSld>
@@ -11238,13 +12727,8 @@
           <a:p>
             <a:r>
               <a:rPr lang="en-US" dirty="0"/>
-              <a:t>Adding Signals in </a:t>
-            </a:r>
-            <a:r>
-              <a:rPr lang="en-US" dirty="0" err="1"/>
-              <a:t>Isim</a:t>
-            </a:r>
-            <a:endParaRPr lang="en-US" dirty="0"/>
+              <a:t>General VHDL Rules</a:t>
+            </a:r>
           </a:p>
         </p:txBody>
       </p:sp>
@@ -11268,6 +12752,110 @@
           <a:bodyPr/>
           <a:lstStyle/>
           <a:p>
+            <a:r>
+              <a:rPr lang="en-US" b="0" dirty="0" smtClean="0"/>
+              <a:t>Introduce the following rules for designing in VHDL in order to write code that can be synthesized. </a:t>
+            </a:r>
+          </a:p>
+          <a:p>
+            <a:pPr lvl="1"/>
+            <a:r>
+              <a:rPr lang="en-US" sz="2100" b="0" dirty="0"/>
+              <a:t>Never use processes for combinational logic</a:t>
+            </a:r>
+            <a:r>
+              <a:rPr lang="en-US" sz="2100" b="0" dirty="0" smtClean="0"/>
+              <a:t>.</a:t>
+            </a:r>
+          </a:p>
+          <a:p>
+            <a:pPr lvl="1"/>
+            <a:r>
+              <a:rPr lang="en-US" sz="2100" b="0" dirty="0" smtClean="0"/>
+              <a:t>Only the </a:t>
+            </a:r>
+            <a:r>
+              <a:rPr lang="en-US" sz="2100" b="0" dirty="0" err="1" smtClean="0"/>
+              <a:t>clk</a:t>
+            </a:r>
+            <a:r>
+              <a:rPr lang="en-US" sz="2100" b="0" dirty="0" smtClean="0"/>
+              <a:t> should appear in the sensitivity list</a:t>
+            </a:r>
+          </a:p>
+          <a:p>
+            <a:pPr lvl="1"/>
+            <a:r>
+              <a:rPr lang="en-US" sz="2100" b="0" dirty="0" smtClean="0"/>
+              <a:t>The </a:t>
+            </a:r>
+            <a:r>
+              <a:rPr lang="en-US" sz="2100" b="0" dirty="0"/>
+              <a:t>outermost structure should be "if (</a:t>
+            </a:r>
+            <a:r>
+              <a:rPr lang="en-US" sz="2100" b="0" dirty="0" err="1"/>
+              <a:t>rising_edge</a:t>
+            </a:r>
+            <a:r>
+              <a:rPr lang="en-US" sz="2100" b="0" dirty="0"/>
+              <a:t>(</a:t>
+            </a:r>
+            <a:r>
+              <a:rPr lang="en-US" sz="2100" b="0" dirty="0" err="1"/>
+              <a:t>clk</a:t>
+            </a:r>
+            <a:r>
+              <a:rPr lang="en-US" sz="2100" b="0" dirty="0"/>
+              <a:t>)) then"</a:t>
+            </a:r>
+          </a:p>
+          <a:p>
+            <a:pPr lvl="1"/>
+            <a:r>
+              <a:rPr lang="en-US" sz="2100" b="0" dirty="0"/>
+              <a:t>Inside this structure should be "if (reset = '0') then" to </a:t>
+            </a:r>
+            <a:r>
+              <a:rPr lang="en-US" sz="2100" b="0" dirty="0" smtClean="0"/>
+              <a:t>reinitialize the </a:t>
+            </a:r>
+            <a:r>
+              <a:rPr lang="en-US" sz="2100" b="0" dirty="0"/>
+              <a:t>state element used by the process</a:t>
+            </a:r>
+          </a:p>
+          <a:p>
+            <a:pPr lvl="1"/>
+            <a:r>
+              <a:rPr lang="en-US" sz="2100" b="0" dirty="0"/>
+              <a:t>The else clause of the reset </a:t>
+            </a:r>
+            <a:r>
+              <a:rPr lang="en-US" sz="2100" b="0" dirty="0" smtClean="0"/>
+              <a:t>element (the body) </a:t>
+            </a:r>
+            <a:r>
+              <a:rPr lang="en-US" sz="2100" b="0" dirty="0"/>
+              <a:t>should consist of a set of exclusive signal conditions in an if/then </a:t>
+            </a:r>
+            <a:r>
+              <a:rPr lang="en-US" sz="2100" b="0" dirty="0" smtClean="0"/>
+              <a:t>case </a:t>
+            </a:r>
+            <a:r>
+              <a:rPr lang="en-US" sz="2100" b="0" dirty="0"/>
+              <a:t>structure.</a:t>
+            </a:r>
+          </a:p>
+          <a:p>
+            <a:pPr lvl="1"/>
+            <a:r>
+              <a:rPr lang="en-US" sz="2100" b="0" dirty="0"/>
+              <a:t>Any signal on the left-hand side of an assignment statement (in the body) may not be put on the left-hand side of any assignment statement outside the process.</a:t>
+            </a:r>
+          </a:p>
+          <a:p>
             <a:endParaRPr lang="en-US" dirty="0"/>
           </a:p>
         </p:txBody>
@@ -11305,6 +12893,491 @@
                 <a:defRPr/>
               </a:pPr>
               <a:t>20</a:t>
+            </a:fld>
+            <a:endParaRPr lang="en-US" dirty="0">
+              <a:solidFill>
+                <a:srgbClr val="000000"/>
+              </a:solidFill>
+            </a:endParaRPr>
+          </a:p>
+        </p:txBody>
+      </p:sp>
+    </p:spTree>
+    <p:extLst>
+      <p:ext uri="{BB962C8B-B14F-4D97-AF65-F5344CB8AC3E}">
+        <p14:creationId xmlns:p14="http://schemas.microsoft.com/office/powerpoint/2010/main" val="1609545386"/>
+      </p:ext>
+    </p:extLst>
+  </p:cSld>
+  <p:clrMapOvr>
+    <a:masterClrMapping/>
+  </p:clrMapOvr>
+  <p:timing>
+    <p:tnLst>
+      <p:par>
+        <p:cTn id="1" dur="indefinite" restart="never" nodeType="tmRoot"/>
+      </p:par>
+    </p:tnLst>
+  </p:timing>
+</p:sld>
+</file>
+
+<file path=ppt/slides/slide21.xml><?xml version="1.0" encoding="utf-8"?>
+<p:sld xmlns:a="http://schemas.openxmlformats.org/drawingml/2006/main" xmlns:r="http://schemas.openxmlformats.org/officeDocument/2006/relationships" xmlns:p="http://schemas.openxmlformats.org/presentationml/2006/main">
+  <p:cSld>
+    <p:spTree>
+      <p:nvGrpSpPr>
+        <p:cNvPr id="1" name=""/>
+        <p:cNvGrpSpPr/>
+        <p:nvPr/>
+      </p:nvGrpSpPr>
+      <p:grpSpPr>
+        <a:xfrm>
+          <a:off x="0" y="0"/>
+          <a:ext cx="0" cy="0"/>
+          <a:chOff x="0" y="0"/>
+          <a:chExt cx="0" cy="0"/>
+        </a:xfrm>
+      </p:grpSpPr>
+      <p:sp>
+        <p:nvSpPr>
+          <p:cNvPr id="6" name="Title 5"/>
+          <p:cNvSpPr>
+            <a:spLocks noGrp="1"/>
+          </p:cNvSpPr>
+          <p:nvPr>
+            <p:ph type="title"/>
+          </p:nvPr>
+        </p:nvSpPr>
+        <p:spPr/>
+        <p:txBody>
+          <a:bodyPr/>
+          <a:lstStyle/>
+          <a:p>
+            <a:r>
+              <a:rPr lang="en-US" cap="none" dirty="0" smtClean="0"/>
+              <a:t>Adding Signals in </a:t>
+            </a:r>
+            <a:r>
+              <a:rPr lang="en-US" cap="none" dirty="0" err="1" smtClean="0"/>
+              <a:t>Isim</a:t>
+            </a:r>
+            <a:endParaRPr lang="en-US" cap="none" dirty="0"/>
+          </a:p>
+        </p:txBody>
+      </p:sp>
+      <p:sp>
+        <p:nvSpPr>
+          <p:cNvPr id="7" name="Text Placeholder 6"/>
+          <p:cNvSpPr>
+            <a:spLocks noGrp="1"/>
+          </p:cNvSpPr>
+          <p:nvPr>
+            <p:ph type="body" idx="1"/>
+          </p:nvPr>
+        </p:nvSpPr>
+        <p:spPr/>
+        <p:txBody>
+          <a:bodyPr/>
+          <a:lstStyle/>
+          <a:p>
+            <a:endParaRPr lang="en-US" dirty="0"/>
+          </a:p>
+        </p:txBody>
+      </p:sp>
+      <p:sp>
+        <p:nvSpPr>
+          <p:cNvPr id="4" name="Slide Number Placeholder 3"/>
+          <p:cNvSpPr>
+            <a:spLocks noGrp="1"/>
+          </p:cNvSpPr>
+          <p:nvPr>
+            <p:ph type="sldNum" sz="quarter" idx="10"/>
+          </p:nvPr>
+        </p:nvSpPr>
+        <p:spPr/>
+        <p:txBody>
+          <a:bodyPr/>
+          <a:lstStyle/>
+          <a:p>
+            <a:pPr>
+              <a:defRPr/>
+            </a:pPr>
+            <a:fld id="{62D6D4B2-7611-498F-8780-1EDC26277454}" type="slidenum">
+              <a:rPr lang="en-US" smtClean="0">
+                <a:solidFill>
+                  <a:srgbClr val="000000"/>
+                </a:solidFill>
+              </a:rPr>
+              <a:pPr>
+                <a:defRPr/>
+              </a:pPr>
+              <a:t>21</a:t>
+            </a:fld>
+            <a:endParaRPr lang="en-US" dirty="0">
+              <a:solidFill>
+                <a:srgbClr val="000000"/>
+              </a:solidFill>
+            </a:endParaRPr>
+          </a:p>
+        </p:txBody>
+      </p:sp>
+    </p:spTree>
+    <p:extLst>
+      <p:ext uri="{BB962C8B-B14F-4D97-AF65-F5344CB8AC3E}">
+        <p14:creationId xmlns:p14="http://schemas.microsoft.com/office/powerpoint/2010/main" val="531361380"/>
+      </p:ext>
+    </p:extLst>
+  </p:cSld>
+  <p:clrMapOvr>
+    <a:masterClrMapping/>
+  </p:clrMapOvr>
+  <p:timing>
+    <p:tnLst>
+      <p:par>
+        <p:cTn id="1" dur="indefinite" restart="never" nodeType="tmRoot"/>
+      </p:par>
+    </p:tnLst>
+  </p:timing>
+</p:sld>
+</file>
+
+<file path=ppt/slides/slide22.xml><?xml version="1.0" encoding="utf-8"?>
+<p:sld xmlns:a="http://schemas.openxmlformats.org/drawingml/2006/main" xmlns:r="http://schemas.openxmlformats.org/officeDocument/2006/relationships" xmlns:p="http://schemas.openxmlformats.org/presentationml/2006/main">
+  <p:cSld>
+    <p:spTree>
+      <p:nvGrpSpPr>
+        <p:cNvPr id="1" name=""/>
+        <p:cNvGrpSpPr/>
+        <p:nvPr/>
+      </p:nvGrpSpPr>
+      <p:grpSpPr>
+        <a:xfrm>
+          <a:off x="0" y="0"/>
+          <a:ext cx="0" cy="0"/>
+          <a:chOff x="0" y="0"/>
+          <a:chExt cx="0" cy="0"/>
+        </a:xfrm>
+      </p:grpSpPr>
+      <p:sp>
+        <p:nvSpPr>
+          <p:cNvPr id="2" name="Title 1"/>
+          <p:cNvSpPr>
+            <a:spLocks noGrp="1"/>
+          </p:cNvSpPr>
+          <p:nvPr>
+            <p:ph type="title"/>
+          </p:nvPr>
+        </p:nvSpPr>
+        <p:spPr/>
+        <p:txBody>
+          <a:bodyPr/>
+          <a:lstStyle/>
+          <a:p>
+            <a:r>
+              <a:rPr lang="en-US" dirty="0"/>
+              <a:t>Adding Signals in </a:t>
+            </a:r>
+            <a:r>
+              <a:rPr lang="en-US" dirty="0" err="1"/>
+              <a:t>Isim</a:t>
+            </a:r>
+            <a:endParaRPr lang="en-US" dirty="0"/>
+          </a:p>
+        </p:txBody>
+      </p:sp>
+      <p:sp>
+        <p:nvSpPr>
+          <p:cNvPr id="4" name="Content Placeholder 3"/>
+          <p:cNvSpPr>
+            <a:spLocks noGrp="1"/>
+          </p:cNvSpPr>
+          <p:nvPr>
+            <p:ph idx="1"/>
+          </p:nvPr>
+        </p:nvSpPr>
+        <p:spPr>
+          <a:xfrm>
+            <a:off x="581736" y="1523052"/>
+            <a:ext cx="8131175" cy="4324350"/>
+          </a:xfrm>
+        </p:spPr>
+        <p:txBody>
+          <a:bodyPr/>
+          <a:lstStyle/>
+          <a:p>
+            <a:r>
+              <a:rPr lang="en-US" b="0" dirty="0" smtClean="0"/>
+              <a:t>Sometimes it is necessary to examine signals not directly visible in a design.  In </a:t>
+            </a:r>
+            <a:r>
+              <a:rPr lang="en-US" b="0" dirty="0"/>
+              <a:t>the Instances and Process </a:t>
+            </a:r>
+            <a:r>
+              <a:rPr lang="en-US" b="0" dirty="0" err="1"/>
+              <a:t>subwindow</a:t>
+            </a:r>
+            <a:r>
+              <a:rPr lang="en-US" b="0" dirty="0"/>
+              <a:t>, reveal the instances inside the lec4_tb by clicking on the arrow to the left lec4_tb.</a:t>
+            </a:r>
+          </a:p>
+          <a:p>
+            <a:pPr lvl="1"/>
+            <a:r>
+              <a:rPr lang="en-US" b="0" dirty="0"/>
+              <a:t>Reveal the signals inside the lec4 instance (called </a:t>
+            </a:r>
+            <a:r>
+              <a:rPr lang="en-US" b="0" dirty="0" err="1"/>
+              <a:t>uut</a:t>
+            </a:r>
+            <a:r>
+              <a:rPr lang="en-US" b="0" dirty="0"/>
+              <a:t>) by clicking on the label "</a:t>
+            </a:r>
+            <a:r>
+              <a:rPr lang="en-US" b="0" dirty="0" err="1"/>
+              <a:t>uut</a:t>
+            </a:r>
+            <a:r>
+              <a:rPr lang="en-US" b="0" dirty="0"/>
+              <a:t>".</a:t>
+            </a:r>
+          </a:p>
+          <a:p>
+            <a:pPr lvl="1"/>
+            <a:r>
+              <a:rPr lang="en-US" b="0" dirty="0"/>
+              <a:t>In the Objects </a:t>
+            </a:r>
+            <a:r>
+              <a:rPr lang="en-US" b="0" dirty="0" err="1"/>
+              <a:t>subwindow</a:t>
+            </a:r>
+            <a:r>
+              <a:rPr lang="en-US" b="0" dirty="0"/>
+              <a:t> select the signal that you want to observe on the timing </a:t>
+            </a:r>
+            <a:r>
+              <a:rPr lang="en-US" b="0" dirty="0" err="1"/>
+              <a:t>digram</a:t>
+            </a:r>
+            <a:r>
+              <a:rPr lang="en-US" b="0" dirty="0"/>
+              <a:t>. In our case the </a:t>
+            </a:r>
+            <a:r>
+              <a:rPr lang="en-US" b="0" dirty="0" smtClean="0"/>
+              <a:t>ctrl </a:t>
+            </a:r>
+            <a:r>
+              <a:rPr lang="en-US" b="0" dirty="0"/>
+              <a:t>signal.</a:t>
+            </a:r>
+          </a:p>
+          <a:p>
+            <a:pPr lvl="1"/>
+            <a:r>
+              <a:rPr lang="en-US" b="0" dirty="0"/>
+              <a:t>Drag and drop the signal into the timing diagram.</a:t>
+            </a:r>
+          </a:p>
+          <a:p>
+            <a:pPr lvl="1"/>
+            <a:r>
+              <a:rPr lang="en-US" b="0" dirty="0"/>
+              <a:t>In most cases you </a:t>
+            </a:r>
+            <a:r>
+              <a:rPr lang="en-US" b="0" dirty="0" err="1"/>
+              <a:t>wil</a:t>
+            </a:r>
+            <a:r>
+              <a:rPr lang="en-US" b="0" dirty="0"/>
+              <a:t> have to restart the simulation to get a complete trace of the newly added signal.</a:t>
+            </a:r>
+          </a:p>
+          <a:p>
+            <a:pPr lvl="1"/>
+            <a:r>
+              <a:rPr lang="en-US" b="0" dirty="0"/>
+              <a:t>And the rerun it for the needed amount of time.</a:t>
+            </a:r>
+          </a:p>
+          <a:p>
+            <a:endParaRPr lang="en-US" dirty="0"/>
+          </a:p>
+        </p:txBody>
+      </p:sp>
+      <p:sp>
+        <p:nvSpPr>
+          <p:cNvPr id="5" name="Slide Number Placeholder 3"/>
+          <p:cNvSpPr>
+            <a:spLocks noGrp="1"/>
+          </p:cNvSpPr>
+          <p:nvPr>
+            <p:ph type="sldNum" sz="quarter" idx="10"/>
+          </p:nvPr>
+        </p:nvSpPr>
+        <p:spPr>
+          <a:xfrm>
+            <a:off x="6910388" y="6253163"/>
+            <a:ext cx="2133600" cy="476250"/>
+          </a:xfrm>
+        </p:spPr>
+        <p:txBody>
+          <a:bodyPr/>
+          <a:lstStyle/>
+          <a:p>
+            <a:pPr>
+              <a:defRPr/>
+            </a:pPr>
+            <a:fld id="{62D6D4B2-7611-498F-8780-1EDC26277454}" type="slidenum">
+              <a:rPr lang="en-US" smtClean="0">
+                <a:solidFill>
+                  <a:srgbClr val="000000"/>
+                </a:solidFill>
+              </a:rPr>
+              <a:pPr>
+                <a:defRPr/>
+              </a:pPr>
+              <a:t>22</a:t>
+            </a:fld>
+            <a:endParaRPr lang="en-US" dirty="0">
+              <a:solidFill>
+                <a:srgbClr val="000000"/>
+              </a:solidFill>
+            </a:endParaRPr>
+          </a:p>
+        </p:txBody>
+      </p:sp>
+    </p:spTree>
+    <p:extLst>
+      <p:ext uri="{BB962C8B-B14F-4D97-AF65-F5344CB8AC3E}">
+        <p14:creationId xmlns:p14="http://schemas.microsoft.com/office/powerpoint/2010/main" val="3439807785"/>
+      </p:ext>
+    </p:extLst>
+  </p:cSld>
+  <p:clrMapOvr>
+    <a:masterClrMapping/>
+  </p:clrMapOvr>
+  <p:timing>
+    <p:tnLst>
+      <p:par>
+        <p:cTn id="1" dur="indefinite" restart="never" nodeType="tmRoot"/>
+      </p:par>
+    </p:tnLst>
+  </p:timing>
+</p:sld>
+</file>
+
+<file path=ppt/slides/slide23.xml><?xml version="1.0" encoding="utf-8"?>
+<p:sld xmlns:a="http://schemas.openxmlformats.org/drawingml/2006/main" xmlns:r="http://schemas.openxmlformats.org/officeDocument/2006/relationships" xmlns:p="http://schemas.openxmlformats.org/presentationml/2006/main">
+  <p:cSld>
+    <p:spTree>
+      <p:nvGrpSpPr>
+        <p:cNvPr id="1" name=""/>
+        <p:cNvGrpSpPr/>
+        <p:nvPr/>
+      </p:nvGrpSpPr>
+      <p:grpSpPr>
+        <a:xfrm>
+          <a:off x="0" y="0"/>
+          <a:ext cx="0" cy="0"/>
+          <a:chOff x="0" y="0"/>
+          <a:chExt cx="0" cy="0"/>
+        </a:xfrm>
+      </p:grpSpPr>
+      <p:sp>
+        <p:nvSpPr>
+          <p:cNvPr id="2" name="Title 1"/>
+          <p:cNvSpPr>
+            <a:spLocks noGrp="1"/>
+          </p:cNvSpPr>
+          <p:nvPr>
+            <p:ph type="title"/>
+          </p:nvPr>
+        </p:nvSpPr>
+        <p:spPr/>
+        <p:txBody>
+          <a:bodyPr/>
+          <a:lstStyle/>
+          <a:p>
+            <a:r>
+              <a:rPr lang="en-US" dirty="0"/>
+              <a:t>Adding Signals in </a:t>
+            </a:r>
+            <a:r>
+              <a:rPr lang="en-US" dirty="0" err="1" smtClean="0"/>
+              <a:t>Vivado</a:t>
+            </a:r>
+            <a:r>
+              <a:rPr lang="en-US" dirty="0" smtClean="0"/>
+              <a:t> Simulator</a:t>
+            </a:r>
+            <a:endParaRPr lang="en-US" dirty="0"/>
+          </a:p>
+        </p:txBody>
+      </p:sp>
+      <p:sp>
+        <p:nvSpPr>
+          <p:cNvPr id="4" name="Content Placeholder 3"/>
+          <p:cNvSpPr>
+            <a:spLocks noGrp="1"/>
+          </p:cNvSpPr>
+          <p:nvPr>
+            <p:ph idx="1"/>
+          </p:nvPr>
+        </p:nvSpPr>
+        <p:spPr>
+          <a:xfrm>
+            <a:off x="581736" y="1523052"/>
+            <a:ext cx="8131175" cy="4324350"/>
+          </a:xfrm>
+        </p:spPr>
+        <p:txBody>
+          <a:bodyPr/>
+          <a:lstStyle/>
+          <a:p>
+            <a:endParaRPr lang="en-US" dirty="0"/>
+          </a:p>
+        </p:txBody>
+      </p:sp>
+      <p:sp>
+        <p:nvSpPr>
+          <p:cNvPr id="5" name="Slide Number Placeholder 3"/>
+          <p:cNvSpPr>
+            <a:spLocks noGrp="1"/>
+          </p:cNvSpPr>
+          <p:nvPr>
+            <p:ph type="sldNum" sz="quarter" idx="10"/>
+          </p:nvPr>
+        </p:nvSpPr>
+        <p:spPr>
+          <a:xfrm>
+            <a:off x="6910388" y="6253163"/>
+            <a:ext cx="2133600" cy="476250"/>
+          </a:xfrm>
+        </p:spPr>
+        <p:txBody>
+          <a:bodyPr/>
+          <a:lstStyle/>
+          <a:p>
+            <a:pPr>
+              <a:defRPr/>
+            </a:pPr>
+            <a:fld id="{62D6D4B2-7611-498F-8780-1EDC26277454}" type="slidenum">
+              <a:rPr lang="en-US" smtClean="0">
+                <a:solidFill>
+                  <a:srgbClr val="000000"/>
+                </a:solidFill>
+              </a:rPr>
+              <a:pPr>
+                <a:defRPr/>
+              </a:pPr>
+              <a:t>23</a:t>
             </a:fld>
             <a:endParaRPr lang="en-US" dirty="0">
               <a:solidFill>
@@ -11375,7 +13448,7 @@
 </p:sld>
 </file>
 
-<file path=ppt/slides/slide21.xml><?xml version="1.0" encoding="utf-8"?>
+<file path=ppt/slides/slide24.xml><?xml version="1.0" encoding="utf-8"?>
 <p:sld xmlns:a="http://schemas.openxmlformats.org/drawingml/2006/main" xmlns:r="http://schemas.openxmlformats.org/officeDocument/2006/relationships" xmlns:p="http://schemas.openxmlformats.org/presentationml/2006/main">
   <p:cSld>
     <p:spTree>
@@ -11567,7 +13640,7 @@
               <a:pPr>
                 <a:defRPr/>
               </a:pPr>
-              <a:t>21</a:t>
+              <a:t>24</a:t>
             </a:fld>
             <a:endParaRPr lang="en-US" dirty="0">
               <a:solidFill>
@@ -11722,7 +13795,6 @@
               <a:rPr lang="en-US" sz="2600" dirty="0" smtClean="0"/>
               <a:t>VHDL</a:t>
             </a:r>
-            <a:endParaRPr lang="en-US" sz="2600" dirty="0" smtClean="0"/>
           </a:p>
           <a:p>
             <a:pPr marL="514350" indent="-514350" eaLnBrk="1" hangingPunct="1">
@@ -11999,7 +14071,6 @@
               <a:rPr lang="en-US" dirty="0"/>
               <a:t>Sequential Elements</a:t>
             </a:r>
-            <a:endParaRPr lang="en-US" dirty="0"/>
           </a:p>
         </p:txBody>
       </p:sp>
@@ -12385,7 +14456,7 @@
           <p:nvPr>
             <p:extLst>
               <p:ext uri="{D42A27DB-BD31-4B8C-83A1-F6EECF244321}">
-                <p14:modId xmlns:p14="http://schemas.microsoft.com/office/powerpoint/2010/main" val="1683283857"/>
+                <p14:modId xmlns:p14="http://schemas.microsoft.com/office/powerpoint/2010/main" val="3486030529"/>
               </p:ext>
             </p:extLst>
           </p:nvPr>
@@ -12528,10 +14599,10 @@
                     <a:p>
                       <a:pPr algn="l" fontAlgn="t"/>
                       <a:r>
-                        <a:rPr lang="en-US" sz="2000" b="1" dirty="0" err="1">
+                        <a:rPr lang="en-US" sz="2000" b="1" dirty="0" smtClean="0">
                           <a:effectLst/>
                         </a:rPr>
-                        <a:t>crtl</a:t>
+                        <a:t>ctrl</a:t>
                       </a:r>
                       <a:endParaRPr lang="en-US" sz="2000" b="1" dirty="0">
                         <a:effectLst/>
@@ -14279,11 +16350,14 @@
                     <a:p>
                       <a:pPr algn="l" fontAlgn="t"/>
                       <a:r>
-                        <a:rPr lang="en-US" sz="2000">
+                        <a:rPr lang="en-US" sz="2000" dirty="0" smtClean="0">
                           <a:effectLst/>
                         </a:rPr>
-                        <a:t>D</a:t>
+                        <a:t>x</a:t>
                       </a:r>
+                      <a:endParaRPr lang="en-US" sz="2000" dirty="0">
+                        <a:effectLst/>
+                      </a:endParaRPr>
                     </a:p>
                   </a:txBody>
                   <a:tcPr marL="34782" marR="34782" marT="27825" marB="27825">
@@ -14544,7 +16618,7 @@
       </p:grpSpPr>
       <p:sp>
         <p:nvSpPr>
-          <p:cNvPr id="2" name="Title 1"/>
+          <p:cNvPr id="6" name="Title 5"/>
           <p:cNvSpPr>
             <a:spLocks noGrp="1"/>
           </p:cNvSpPr>
@@ -14558,641 +16632,35 @@
           <a:lstStyle/>
           <a:p>
             <a:r>
-              <a:rPr lang="en-US" dirty="0"/>
-              <a:t>Mod 10 Counter </a:t>
-            </a:r>
-            <a:r>
-              <a:rPr lang="en-US" dirty="0" smtClean="0"/>
-              <a:t>– VHDL Code Entity</a:t>
-            </a:r>
-            <a:endParaRPr lang="en-US" dirty="0"/>
-          </a:p>
-        </p:txBody>
-      </p:sp>
-      <p:sp>
-        <p:nvSpPr>
-          <p:cNvPr id="4" name="Content Placeholder 3"/>
+              <a:rPr lang="en-US" cap="none" dirty="0" smtClean="0"/>
+              <a:t>Timing Diagram</a:t>
+            </a:r>
+            <a:endParaRPr lang="en-US" cap="none" dirty="0"/>
+          </a:p>
+        </p:txBody>
+      </p:sp>
+      <p:sp>
+        <p:nvSpPr>
+          <p:cNvPr id="7" name="Text Placeholder 6"/>
           <p:cNvSpPr>
             <a:spLocks noGrp="1"/>
           </p:cNvSpPr>
           <p:nvPr>
-            <p:ph idx="1"/>
-          </p:nvPr>
-        </p:nvSpPr>
-        <p:spPr>
-          <a:xfrm>
-            <a:off x="581736" y="1482108"/>
-            <a:ext cx="8131175" cy="4324350"/>
-          </a:xfrm>
-        </p:spPr>
+            <p:ph type="body" idx="1"/>
+          </p:nvPr>
+        </p:nvSpPr>
+        <p:spPr/>
         <p:txBody>
           <a:bodyPr/>
           <a:lstStyle/>
           <a:p>
-            <a:pPr marL="6350" lvl="1" indent="0" eaLnBrk="1" hangingPunct="1">
-              <a:lnSpc>
-                <a:spcPct val="80000"/>
-              </a:lnSpc>
-              <a:buNone/>
-              <a:tabLst>
-                <a:tab pos="463550" algn="l"/>
-                <a:tab pos="914400" algn="l"/>
-                <a:tab pos="1377950" algn="l"/>
-                <a:tab pos="1828800" algn="l"/>
-                <a:tab pos="2292350" algn="l"/>
-              </a:tabLst>
-            </a:pPr>
-            <a:r>
-              <a:rPr lang="en-US" sz="1800" dirty="0" smtClean="0">
-                <a:solidFill>
-                  <a:schemeClr val="accent2"/>
-                </a:solidFill>
-              </a:rPr>
-              <a:t>	entity </a:t>
-            </a:r>
-            <a:r>
-              <a:rPr lang="en-US" sz="1800" dirty="0">
-                <a:solidFill>
-                  <a:schemeClr val="accent2"/>
-                </a:solidFill>
-              </a:rPr>
-              <a:t>lec4 is</a:t>
-            </a:r>
-          </a:p>
-          <a:p>
-            <a:pPr marL="6350" lvl="1" indent="0" eaLnBrk="1" hangingPunct="1">
-              <a:lnSpc>
-                <a:spcPct val="80000"/>
-              </a:lnSpc>
-              <a:buNone/>
-              <a:tabLst>
-                <a:tab pos="463550" algn="l"/>
-                <a:tab pos="914400" algn="l"/>
-                <a:tab pos="1377950" algn="l"/>
-                <a:tab pos="1828800" algn="l"/>
-                <a:tab pos="2292350" algn="l"/>
-              </a:tabLst>
-            </a:pPr>
-            <a:r>
-              <a:rPr lang="en-US" sz="1800" dirty="0" smtClean="0">
-                <a:solidFill>
-                  <a:schemeClr val="accent2"/>
-                </a:solidFill>
-              </a:rPr>
-              <a:t>	</a:t>
-            </a:r>
-            <a:r>
-              <a:rPr lang="en-US" sz="1800" dirty="0">
-                <a:solidFill>
-                  <a:schemeClr val="accent2"/>
-                </a:solidFill>
-              </a:rPr>
-              <a:t>	Port(	</a:t>
-            </a:r>
-            <a:r>
-              <a:rPr lang="en-US" sz="1800" dirty="0" err="1">
-                <a:solidFill>
-                  <a:schemeClr val="accent2"/>
-                </a:solidFill>
-              </a:rPr>
-              <a:t>clk</a:t>
-            </a:r>
-            <a:r>
-              <a:rPr lang="en-US" sz="1800" dirty="0">
-                <a:solidFill>
-                  <a:schemeClr val="accent2"/>
-                </a:solidFill>
-              </a:rPr>
-              <a:t>: in  STD_LOGIC;</a:t>
-            </a:r>
-          </a:p>
-          <a:p>
-            <a:pPr marL="6350" lvl="1" indent="0" eaLnBrk="1" hangingPunct="1">
-              <a:lnSpc>
-                <a:spcPct val="80000"/>
-              </a:lnSpc>
-              <a:buNone/>
-              <a:tabLst>
-                <a:tab pos="463550" algn="l"/>
-                <a:tab pos="914400" algn="l"/>
-                <a:tab pos="1377950" algn="l"/>
-                <a:tab pos="1828800" algn="l"/>
-                <a:tab pos="2292350" algn="l"/>
-              </a:tabLst>
-            </a:pPr>
-            <a:r>
-              <a:rPr lang="en-US" sz="1800" dirty="0" smtClean="0">
-                <a:solidFill>
-                  <a:schemeClr val="accent2"/>
-                </a:solidFill>
-              </a:rPr>
-              <a:t>	</a:t>
-            </a:r>
-            <a:r>
-              <a:rPr lang="en-US" sz="1800" dirty="0">
-                <a:solidFill>
-                  <a:schemeClr val="accent2"/>
-                </a:solidFill>
-              </a:rPr>
-              <a:t>		reset : in  STD_LOGIC;</a:t>
-            </a:r>
-          </a:p>
-          <a:p>
-            <a:pPr marL="6350" lvl="1" indent="0" eaLnBrk="1" hangingPunct="1">
-              <a:lnSpc>
-                <a:spcPct val="80000"/>
-              </a:lnSpc>
-              <a:buNone/>
-              <a:tabLst>
-                <a:tab pos="463550" algn="l"/>
-                <a:tab pos="914400" algn="l"/>
-                <a:tab pos="1377950" algn="l"/>
-                <a:tab pos="1828800" algn="l"/>
-                <a:tab pos="2292350" algn="l"/>
-              </a:tabLst>
-            </a:pPr>
-            <a:r>
-              <a:rPr lang="en-US" sz="1800" dirty="0">
-                <a:solidFill>
-                  <a:schemeClr val="accent2"/>
-                </a:solidFill>
-              </a:rPr>
-              <a:t>	</a:t>
-            </a:r>
-            <a:r>
-              <a:rPr lang="en-US" sz="1800" dirty="0" smtClean="0">
-                <a:solidFill>
-                  <a:schemeClr val="accent2"/>
-                </a:solidFill>
-              </a:rPr>
-              <a:t>	</a:t>
-            </a:r>
-            <a:r>
-              <a:rPr lang="en-US" sz="1800" dirty="0">
-                <a:solidFill>
-                  <a:schemeClr val="accent2"/>
-                </a:solidFill>
-              </a:rPr>
-              <a:t>	</a:t>
-            </a:r>
-            <a:r>
-              <a:rPr lang="en-US" sz="1800" dirty="0" err="1">
-                <a:solidFill>
-                  <a:schemeClr val="accent2"/>
-                </a:solidFill>
-              </a:rPr>
-              <a:t>crtl</a:t>
-            </a:r>
-            <a:r>
-              <a:rPr lang="en-US" sz="1800" dirty="0">
-                <a:solidFill>
-                  <a:schemeClr val="accent2"/>
-                </a:solidFill>
-              </a:rPr>
-              <a:t>: in </a:t>
-            </a:r>
-            <a:r>
-              <a:rPr lang="en-US" sz="1800" dirty="0" err="1">
-                <a:solidFill>
-                  <a:schemeClr val="accent2"/>
-                </a:solidFill>
-              </a:rPr>
-              <a:t>std_logic_vector</a:t>
-            </a:r>
-            <a:r>
-              <a:rPr lang="en-US" sz="1800" dirty="0">
-                <a:solidFill>
-                  <a:schemeClr val="accent2"/>
-                </a:solidFill>
-              </a:rPr>
-              <a:t>(1 </a:t>
-            </a:r>
-            <a:r>
-              <a:rPr lang="en-US" sz="1800" dirty="0" err="1">
-                <a:solidFill>
-                  <a:schemeClr val="accent2"/>
-                </a:solidFill>
-              </a:rPr>
-              <a:t>downto</a:t>
-            </a:r>
-            <a:r>
-              <a:rPr lang="en-US" sz="1800" dirty="0">
-                <a:solidFill>
-                  <a:schemeClr val="accent2"/>
-                </a:solidFill>
-              </a:rPr>
-              <a:t> 0);</a:t>
-            </a:r>
-          </a:p>
-          <a:p>
-            <a:pPr marL="6350" lvl="1" indent="0" eaLnBrk="1" hangingPunct="1">
-              <a:lnSpc>
-                <a:spcPct val="80000"/>
-              </a:lnSpc>
-              <a:buNone/>
-              <a:tabLst>
-                <a:tab pos="463550" algn="l"/>
-                <a:tab pos="914400" algn="l"/>
-                <a:tab pos="1377950" algn="l"/>
-                <a:tab pos="1828800" algn="l"/>
-                <a:tab pos="2292350" algn="l"/>
-              </a:tabLst>
-            </a:pPr>
-            <a:r>
-              <a:rPr lang="en-US" sz="1800" dirty="0">
-                <a:solidFill>
-                  <a:schemeClr val="accent2"/>
-                </a:solidFill>
-              </a:rPr>
-              <a:t>	</a:t>
-            </a:r>
-            <a:r>
-              <a:rPr lang="en-US" sz="1800" dirty="0" smtClean="0">
-                <a:solidFill>
-                  <a:schemeClr val="accent2"/>
-                </a:solidFill>
-              </a:rPr>
-              <a:t>	</a:t>
-            </a:r>
-            <a:r>
-              <a:rPr lang="en-US" sz="1800" dirty="0">
-                <a:solidFill>
-                  <a:schemeClr val="accent2"/>
-                </a:solidFill>
-              </a:rPr>
-              <a:t>	D: in unsigned (3 </a:t>
-            </a:r>
-            <a:r>
-              <a:rPr lang="en-US" sz="1800" dirty="0" err="1">
-                <a:solidFill>
-                  <a:schemeClr val="accent2"/>
-                </a:solidFill>
-              </a:rPr>
-              <a:t>downto</a:t>
-            </a:r>
-            <a:r>
-              <a:rPr lang="en-US" sz="1800" dirty="0">
-                <a:solidFill>
-                  <a:schemeClr val="accent2"/>
-                </a:solidFill>
-              </a:rPr>
-              <a:t> 0);</a:t>
-            </a:r>
-          </a:p>
-          <a:p>
-            <a:pPr marL="6350" lvl="1" indent="0" eaLnBrk="1" hangingPunct="1">
-              <a:lnSpc>
-                <a:spcPct val="80000"/>
-              </a:lnSpc>
-              <a:buNone/>
-              <a:tabLst>
-                <a:tab pos="463550" algn="l"/>
-                <a:tab pos="914400" algn="l"/>
-                <a:tab pos="1377950" algn="l"/>
-                <a:tab pos="1828800" algn="l"/>
-                <a:tab pos="2292350" algn="l"/>
-              </a:tabLst>
-            </a:pPr>
-            <a:r>
-              <a:rPr lang="en-US" sz="1800" dirty="0">
-                <a:solidFill>
-                  <a:schemeClr val="accent2"/>
-                </a:solidFill>
-              </a:rPr>
-              <a:t>	</a:t>
-            </a:r>
-            <a:r>
-              <a:rPr lang="en-US" sz="1800" dirty="0" smtClean="0">
-                <a:solidFill>
-                  <a:schemeClr val="accent2"/>
-                </a:solidFill>
-              </a:rPr>
-              <a:t>	</a:t>
-            </a:r>
-            <a:r>
-              <a:rPr lang="en-US" sz="1800" dirty="0">
-                <a:solidFill>
-                  <a:schemeClr val="accent2"/>
-                </a:solidFill>
-              </a:rPr>
-              <a:t>	Q: out unsigned (3 </a:t>
-            </a:r>
-            <a:r>
-              <a:rPr lang="en-US" sz="1800" dirty="0" err="1">
-                <a:solidFill>
-                  <a:schemeClr val="accent2"/>
-                </a:solidFill>
-              </a:rPr>
-              <a:t>downto</a:t>
-            </a:r>
-            <a:r>
-              <a:rPr lang="en-US" sz="1800" dirty="0">
-                <a:solidFill>
-                  <a:schemeClr val="accent2"/>
-                </a:solidFill>
-              </a:rPr>
-              <a:t> 0));</a:t>
-            </a:r>
-          </a:p>
-          <a:p>
-            <a:pPr marL="6350" lvl="1" indent="0" eaLnBrk="1" hangingPunct="1">
-              <a:lnSpc>
-                <a:spcPct val="80000"/>
-              </a:lnSpc>
-              <a:buNone/>
-              <a:tabLst>
-                <a:tab pos="463550" algn="l"/>
-                <a:tab pos="914400" algn="l"/>
-                <a:tab pos="1377950" algn="l"/>
-                <a:tab pos="1828800" algn="l"/>
-                <a:tab pos="2292350" algn="l"/>
-              </a:tabLst>
-            </a:pPr>
-            <a:r>
-              <a:rPr lang="en-US" sz="1800" dirty="0" smtClean="0">
-                <a:solidFill>
-                  <a:schemeClr val="accent2"/>
-                </a:solidFill>
-              </a:rPr>
-              <a:t>	end </a:t>
-            </a:r>
-            <a:r>
-              <a:rPr lang="en-US" sz="1800" dirty="0">
-                <a:solidFill>
-                  <a:schemeClr val="accent2"/>
-                </a:solidFill>
-              </a:rPr>
-              <a:t>lec4</a:t>
-            </a:r>
-            <a:r>
-              <a:rPr lang="en-US" sz="1800" dirty="0" smtClean="0">
-                <a:solidFill>
-                  <a:schemeClr val="accent2"/>
-                </a:solidFill>
-              </a:rPr>
-              <a:t>;</a:t>
-            </a:r>
-          </a:p>
-          <a:p>
-            <a:pPr marL="6350" lvl="1" indent="0" eaLnBrk="1" hangingPunct="1">
-              <a:lnSpc>
-                <a:spcPct val="80000"/>
-              </a:lnSpc>
-              <a:buNone/>
-              <a:tabLst>
-                <a:tab pos="463550" algn="l"/>
-                <a:tab pos="914400" algn="l"/>
-                <a:tab pos="1377950" algn="l"/>
-                <a:tab pos="1828800" algn="l"/>
-                <a:tab pos="2292350" algn="l"/>
-              </a:tabLst>
-            </a:pPr>
-            <a:r>
-              <a:rPr lang="en-US" sz="1800" dirty="0" smtClean="0">
-                <a:solidFill>
-                  <a:schemeClr val="accent2"/>
-                </a:solidFill>
-              </a:rPr>
-              <a:t>1.	architecture </a:t>
-            </a:r>
-            <a:r>
-              <a:rPr lang="en-US" sz="1800" dirty="0">
-                <a:solidFill>
-                  <a:schemeClr val="accent2"/>
-                </a:solidFill>
-              </a:rPr>
-              <a:t>behavior of lec4 is</a:t>
-            </a:r>
-          </a:p>
-          <a:p>
-            <a:pPr marL="6350" lvl="1" indent="0" eaLnBrk="1" hangingPunct="1">
-              <a:lnSpc>
-                <a:spcPct val="80000"/>
-              </a:lnSpc>
-              <a:buNone/>
-              <a:tabLst>
-                <a:tab pos="463550" algn="l"/>
-                <a:tab pos="914400" algn="l"/>
-                <a:tab pos="1377950" algn="l"/>
-                <a:tab pos="1828800" algn="l"/>
-                <a:tab pos="2292350" algn="l"/>
-              </a:tabLst>
-            </a:pPr>
-            <a:r>
-              <a:rPr lang="en-US" sz="1800" dirty="0">
-                <a:solidFill>
-                  <a:schemeClr val="accent2"/>
-                </a:solidFill>
-              </a:rPr>
-              <a:t>	</a:t>
-            </a:r>
-          </a:p>
-          <a:p>
-            <a:pPr marL="6350" lvl="1" indent="0" eaLnBrk="1" hangingPunct="1">
-              <a:lnSpc>
-                <a:spcPct val="80000"/>
-              </a:lnSpc>
-              <a:buNone/>
-              <a:tabLst>
-                <a:tab pos="463550" algn="l"/>
-                <a:tab pos="914400" algn="l"/>
-                <a:tab pos="1377950" algn="l"/>
-                <a:tab pos="1828800" algn="l"/>
-                <a:tab pos="2292350" algn="l"/>
-              </a:tabLst>
-            </a:pPr>
-            <a:r>
-              <a:rPr lang="en-US" sz="1800" dirty="0">
-                <a:solidFill>
-                  <a:schemeClr val="accent2"/>
-                </a:solidFill>
-              </a:rPr>
-              <a:t>2.  	</a:t>
-            </a:r>
-            <a:r>
-              <a:rPr lang="en-US" sz="1800" dirty="0" smtClean="0">
-                <a:solidFill>
-                  <a:schemeClr val="accent2"/>
-                </a:solidFill>
-              </a:rPr>
-              <a:t>	signal </a:t>
-            </a:r>
-            <a:r>
-              <a:rPr lang="en-US" sz="1800" dirty="0" err="1">
-                <a:solidFill>
-                  <a:schemeClr val="accent2"/>
-                </a:solidFill>
-              </a:rPr>
-              <a:t>rollSynch</a:t>
-            </a:r>
-            <a:r>
-              <a:rPr lang="en-US" sz="1800" dirty="0">
-                <a:solidFill>
-                  <a:schemeClr val="accent2"/>
-                </a:solidFill>
-              </a:rPr>
-              <a:t>, </a:t>
-            </a:r>
-            <a:r>
-              <a:rPr lang="en-US" sz="1800" dirty="0" err="1">
-                <a:solidFill>
-                  <a:schemeClr val="accent2"/>
-                </a:solidFill>
-              </a:rPr>
-              <a:t>rollCombo</a:t>
-            </a:r>
-            <a:r>
-              <a:rPr lang="en-US" sz="1800" dirty="0">
-                <a:solidFill>
-                  <a:schemeClr val="accent2"/>
-                </a:solidFill>
-              </a:rPr>
-              <a:t>: STD_LOGIC;</a:t>
-            </a:r>
-          </a:p>
-          <a:p>
-            <a:pPr marL="6350" lvl="1" indent="0" eaLnBrk="1" hangingPunct="1">
-              <a:lnSpc>
-                <a:spcPct val="80000"/>
-              </a:lnSpc>
-              <a:buNone/>
-              <a:tabLst>
-                <a:tab pos="463550" algn="l"/>
-                <a:tab pos="914400" algn="l"/>
-                <a:tab pos="1377950" algn="l"/>
-                <a:tab pos="1828800" algn="l"/>
-                <a:tab pos="2292350" algn="l"/>
-              </a:tabLst>
-            </a:pPr>
-            <a:r>
-              <a:rPr lang="en-US" sz="1800" dirty="0">
-                <a:solidFill>
-                  <a:schemeClr val="accent2"/>
-                </a:solidFill>
-              </a:rPr>
-              <a:t>3.  	</a:t>
-            </a:r>
-            <a:r>
-              <a:rPr lang="en-US" sz="1800" dirty="0" smtClean="0">
-                <a:solidFill>
-                  <a:schemeClr val="accent2"/>
-                </a:solidFill>
-              </a:rPr>
-              <a:t>	signal </a:t>
-            </a:r>
-            <a:r>
-              <a:rPr lang="en-US" sz="1800" dirty="0" err="1">
-                <a:solidFill>
-                  <a:schemeClr val="accent2"/>
-                </a:solidFill>
-              </a:rPr>
-              <a:t>processQ</a:t>
-            </a:r>
-            <a:r>
-              <a:rPr lang="en-US" sz="1800" dirty="0">
-                <a:solidFill>
-                  <a:schemeClr val="accent2"/>
-                </a:solidFill>
-              </a:rPr>
-              <a:t>: unsigned (3 </a:t>
-            </a:r>
-            <a:r>
-              <a:rPr lang="en-US" sz="1800" dirty="0" err="1">
-                <a:solidFill>
-                  <a:schemeClr val="accent2"/>
-                </a:solidFill>
-              </a:rPr>
-              <a:t>downto</a:t>
-            </a:r>
-            <a:r>
-              <a:rPr lang="en-US" sz="1800" dirty="0">
-                <a:solidFill>
-                  <a:schemeClr val="accent2"/>
-                </a:solidFill>
-              </a:rPr>
-              <a:t> 0);</a:t>
-            </a:r>
-          </a:p>
-          <a:p>
-            <a:pPr marL="6350" lvl="1" indent="0" eaLnBrk="1" hangingPunct="1">
-              <a:lnSpc>
-                <a:spcPct val="80000"/>
-              </a:lnSpc>
-              <a:buNone/>
-              <a:tabLst>
-                <a:tab pos="463550" algn="l"/>
-                <a:tab pos="914400" algn="l"/>
-                <a:tab pos="1377950" algn="l"/>
-                <a:tab pos="1828800" algn="l"/>
-                <a:tab pos="2292350" algn="l"/>
-              </a:tabLst>
-            </a:pPr>
-            <a:endParaRPr lang="en-US" sz="1800" dirty="0">
-              <a:solidFill>
-                <a:schemeClr val="accent2"/>
-              </a:solidFill>
-            </a:endParaRPr>
-          </a:p>
-          <a:p>
-            <a:pPr marL="6350" lvl="1" indent="0" eaLnBrk="1" hangingPunct="1">
-              <a:lnSpc>
-                <a:spcPct val="80000"/>
-              </a:lnSpc>
-              <a:buNone/>
-              <a:tabLst>
-                <a:tab pos="463550" algn="l"/>
-                <a:tab pos="914400" algn="l"/>
-                <a:tab pos="1377950" algn="l"/>
-                <a:tab pos="1828800" algn="l"/>
-                <a:tab pos="2292350" algn="l"/>
-              </a:tabLst>
-            </a:pPr>
-            <a:r>
-              <a:rPr lang="en-US" sz="1800" dirty="0" smtClean="0">
-                <a:solidFill>
-                  <a:schemeClr val="accent2"/>
-                </a:solidFill>
-              </a:rPr>
-              <a:t>4.	begin</a:t>
-            </a:r>
-          </a:p>
-          <a:p>
-            <a:pPr marL="6350" lvl="1" indent="0" eaLnBrk="1" hangingPunct="1">
-              <a:lnSpc>
-                <a:spcPct val="80000"/>
-              </a:lnSpc>
-              <a:buNone/>
-              <a:tabLst>
-                <a:tab pos="463550" algn="l"/>
-                <a:tab pos="914400" algn="l"/>
-                <a:tab pos="1377950" algn="l"/>
-                <a:tab pos="1828800" algn="l"/>
-                <a:tab pos="2292350" algn="l"/>
-              </a:tabLst>
-            </a:pPr>
-            <a:endParaRPr lang="en-US" sz="1800" dirty="0" smtClean="0"/>
-          </a:p>
-          <a:p>
-            <a:pPr marL="6350" lvl="1" indent="0" eaLnBrk="1" hangingPunct="1">
-              <a:lnSpc>
-                <a:spcPct val="80000"/>
-              </a:lnSpc>
-              <a:buNone/>
-              <a:tabLst>
-                <a:tab pos="463550" algn="l"/>
-                <a:tab pos="914400" algn="l"/>
-                <a:tab pos="1377950" algn="l"/>
-                <a:tab pos="1828800" algn="l"/>
-                <a:tab pos="2292350" algn="l"/>
-              </a:tabLst>
-            </a:pPr>
-            <a:endParaRPr lang="en-US" sz="1800" dirty="0"/>
-          </a:p>
-        </p:txBody>
-      </p:sp>
-      <p:sp>
-        <p:nvSpPr>
-          <p:cNvPr id="5" name="Slide Number Placeholder 3"/>
+            <a:endParaRPr lang="en-US" dirty="0"/>
+          </a:p>
+        </p:txBody>
+      </p:sp>
+      <p:sp>
+        <p:nvSpPr>
+          <p:cNvPr id="4" name="Slide Number Placeholder 3"/>
           <p:cNvSpPr>
             <a:spLocks noGrp="1"/>
           </p:cNvSpPr>
@@ -15200,12 +16668,7 @@
             <p:ph type="sldNum" sz="quarter" idx="10"/>
           </p:nvPr>
         </p:nvSpPr>
-        <p:spPr>
-          <a:xfrm>
-            <a:off x="6910388" y="6253163"/>
-            <a:ext cx="2133600" cy="476250"/>
-          </a:xfrm>
-        </p:spPr>
+        <p:spPr/>
         <p:txBody>
           <a:bodyPr/>
           <a:lstStyle/>
@@ -15235,7 +16698,7 @@
     </p:spTree>
     <p:extLst>
       <p:ext uri="{BB962C8B-B14F-4D97-AF65-F5344CB8AC3E}">
-        <p14:creationId xmlns:p14="http://schemas.microsoft.com/office/powerpoint/2010/main" val="1869474946"/>
+        <p14:creationId xmlns:p14="http://schemas.microsoft.com/office/powerpoint/2010/main" val="2148665331"/>
       </p:ext>
     </p:extLst>
   </p:cSld>
@@ -15290,14 +16753,7 @@
             </a:r>
             <a:r>
               <a:rPr lang="en-US" dirty="0" smtClean="0"/>
-              <a:t>– VHDL Code</a:t>
-            </a:r>
-            <a:br>
-              <a:rPr lang="en-US" dirty="0" smtClean="0"/>
-            </a:br>
-            <a:r>
-              <a:rPr lang="en-US" dirty="0" smtClean="0"/>
-              <a:t>Architecture</a:t>
+              <a:t>-           Timing Diagram</a:t>
             </a:r>
             <a:endParaRPr lang="en-US" dirty="0"/>
           </a:p>
@@ -15315,7 +16771,7 @@
         </p:nvSpPr>
         <p:spPr>
           <a:xfrm>
-            <a:off x="581736" y="1482108"/>
+            <a:off x="581736" y="1523052"/>
             <a:ext cx="8131175" cy="4324350"/>
           </a:xfrm>
         </p:spPr>
@@ -15323,832 +16779,24 @@
           <a:bodyPr/>
           <a:lstStyle/>
           <a:p>
-            <a:pPr marL="349250" lvl="1" indent="-342900" eaLnBrk="1" hangingPunct="1">
+            <a:r>
+              <a:rPr lang="en-US" sz="2000" dirty="0" smtClean="0"/>
+              <a:t> </a:t>
+            </a:r>
+          </a:p>
+          <a:p>
+            <a:endParaRPr lang="en-US" sz="2000" dirty="0" smtClean="0"/>
+          </a:p>
+          <a:p>
+            <a:pPr eaLnBrk="1" hangingPunct="1">
               <a:lnSpc>
                 <a:spcPct val="80000"/>
               </a:lnSpc>
-              <a:buFont typeface="+mj-lt"/>
-              <a:buAutoNum type="arabicPeriod" startAt="5"/>
-              <a:tabLst>
-                <a:tab pos="463550" algn="l"/>
-                <a:tab pos="914400" algn="l"/>
-                <a:tab pos="1377950" algn="l"/>
-                <a:tab pos="1828800" algn="l"/>
-                <a:tab pos="2292350" algn="l"/>
-              </a:tabLst>
             </a:pPr>
-            <a:r>
-              <a:rPr lang="en-US" sz="1800" dirty="0" smtClean="0">
-                <a:solidFill>
-                  <a:schemeClr val="accent2"/>
-                </a:solidFill>
-              </a:rPr>
-              <a:t>process(</a:t>
-            </a:r>
-            <a:r>
-              <a:rPr lang="en-US" sz="1800" dirty="0" err="1" smtClean="0">
-                <a:solidFill>
-                  <a:schemeClr val="accent2"/>
-                </a:solidFill>
-              </a:rPr>
-              <a:t>clk</a:t>
-            </a:r>
-            <a:r>
-              <a:rPr lang="en-US" sz="1800" dirty="0">
-                <a:solidFill>
-                  <a:schemeClr val="accent2"/>
-                </a:solidFill>
-              </a:rPr>
-              <a:t>)</a:t>
-            </a:r>
-          </a:p>
-          <a:p>
-            <a:pPr marL="349250" lvl="1" indent="-342900" eaLnBrk="1" hangingPunct="1">
-              <a:lnSpc>
-                <a:spcPct val="80000"/>
-              </a:lnSpc>
-              <a:buFont typeface="+mj-lt"/>
-              <a:buAutoNum type="arabicPeriod" startAt="5"/>
-              <a:tabLst>
-                <a:tab pos="463550" algn="l"/>
-                <a:tab pos="914400" algn="l"/>
-                <a:tab pos="1377950" algn="l"/>
-                <a:tab pos="1828800" algn="l"/>
-                <a:tab pos="2292350" algn="l"/>
-              </a:tabLst>
-            </a:pPr>
-            <a:r>
-              <a:rPr lang="en-US" sz="1800" dirty="0">
-                <a:solidFill>
-                  <a:schemeClr val="accent2"/>
-                </a:solidFill>
-              </a:rPr>
-              <a:t>	begin</a:t>
-            </a:r>
-          </a:p>
-          <a:p>
-            <a:pPr marL="349250" lvl="1" indent="-342900" eaLnBrk="1" hangingPunct="1">
-              <a:lnSpc>
-                <a:spcPct val="80000"/>
-              </a:lnSpc>
-              <a:buFont typeface="+mj-lt"/>
-              <a:buAutoNum type="arabicPeriod" startAt="5"/>
-              <a:tabLst>
-                <a:tab pos="463550" algn="l"/>
-                <a:tab pos="914400" algn="l"/>
-                <a:tab pos="1377950" algn="l"/>
-                <a:tab pos="1828800" algn="l"/>
-                <a:tab pos="2292350" algn="l"/>
-              </a:tabLst>
-            </a:pPr>
-            <a:r>
-              <a:rPr lang="en-US" sz="1800" dirty="0">
-                <a:solidFill>
-                  <a:schemeClr val="accent2"/>
-                </a:solidFill>
-              </a:rPr>
-              <a:t>		if (</a:t>
-            </a:r>
-            <a:r>
-              <a:rPr lang="en-US" sz="1800" dirty="0" err="1">
-                <a:solidFill>
-                  <a:schemeClr val="accent2"/>
-                </a:solidFill>
-              </a:rPr>
-              <a:t>rising_edge</a:t>
-            </a:r>
-            <a:r>
-              <a:rPr lang="en-US" sz="1800" dirty="0">
-                <a:solidFill>
-                  <a:schemeClr val="accent2"/>
-                </a:solidFill>
-              </a:rPr>
-              <a:t>(</a:t>
-            </a:r>
-            <a:r>
-              <a:rPr lang="en-US" sz="1800" dirty="0" err="1">
-                <a:solidFill>
-                  <a:schemeClr val="accent2"/>
-                </a:solidFill>
-              </a:rPr>
-              <a:t>clk</a:t>
-            </a:r>
-            <a:r>
-              <a:rPr lang="en-US" sz="1800" dirty="0">
-                <a:solidFill>
-                  <a:schemeClr val="accent2"/>
-                </a:solidFill>
-              </a:rPr>
-              <a:t>)) then</a:t>
-            </a:r>
-          </a:p>
-          <a:p>
-            <a:pPr marL="349250" lvl="1" indent="-342900" eaLnBrk="1" hangingPunct="1">
-              <a:lnSpc>
-                <a:spcPct val="80000"/>
-              </a:lnSpc>
-              <a:buFont typeface="+mj-lt"/>
-              <a:buAutoNum type="arabicPeriod" startAt="5"/>
-              <a:tabLst>
-                <a:tab pos="463550" algn="l"/>
-                <a:tab pos="914400" algn="l"/>
-                <a:tab pos="1377950" algn="l"/>
-                <a:tab pos="1828800" algn="l"/>
-                <a:tab pos="2292350" algn="l"/>
-              </a:tabLst>
-            </a:pPr>
-            <a:r>
-              <a:rPr lang="en-US" sz="1800" dirty="0">
-                <a:solidFill>
-                  <a:schemeClr val="accent2"/>
-                </a:solidFill>
-              </a:rPr>
-              <a:t>			if (reset = '0') then</a:t>
-            </a:r>
-          </a:p>
-          <a:p>
-            <a:pPr marL="349250" lvl="1" indent="-342900" eaLnBrk="1" hangingPunct="1">
-              <a:lnSpc>
-                <a:spcPct val="80000"/>
-              </a:lnSpc>
-              <a:buFont typeface="+mj-lt"/>
-              <a:buAutoNum type="arabicPeriod" startAt="5"/>
-              <a:tabLst>
-                <a:tab pos="463550" algn="l"/>
-                <a:tab pos="914400" algn="l"/>
-                <a:tab pos="1377950" algn="l"/>
-                <a:tab pos="1828800" algn="l"/>
-                <a:tab pos="2292350" algn="l"/>
-              </a:tabLst>
-            </a:pPr>
-            <a:r>
-              <a:rPr lang="en-US" sz="1800" dirty="0">
-                <a:solidFill>
-                  <a:schemeClr val="accent2"/>
-                </a:solidFill>
-              </a:rPr>
-              <a:t>				</a:t>
-            </a:r>
-            <a:r>
-              <a:rPr lang="en-US" sz="1800" dirty="0" err="1">
-                <a:solidFill>
-                  <a:schemeClr val="accent2"/>
-                </a:solidFill>
-              </a:rPr>
-              <a:t>processQ</a:t>
-            </a:r>
-            <a:r>
-              <a:rPr lang="en-US" sz="1800" dirty="0">
-                <a:solidFill>
-                  <a:schemeClr val="accent2"/>
-                </a:solidFill>
-              </a:rPr>
-              <a:t> &lt;= (others =&gt; '0');</a:t>
-            </a:r>
-          </a:p>
-          <a:p>
-            <a:pPr marL="349250" lvl="1" indent="-342900" eaLnBrk="1" hangingPunct="1">
-              <a:lnSpc>
-                <a:spcPct val="80000"/>
-              </a:lnSpc>
-              <a:buFont typeface="+mj-lt"/>
-              <a:buAutoNum type="arabicPeriod" startAt="5"/>
-              <a:tabLst>
-                <a:tab pos="463550" algn="l"/>
-                <a:tab pos="914400" algn="l"/>
-                <a:tab pos="1377950" algn="l"/>
-                <a:tab pos="1828800" algn="l"/>
-                <a:tab pos="2292350" algn="l"/>
-              </a:tabLst>
-            </a:pPr>
-            <a:r>
-              <a:rPr lang="en-US" sz="1800" dirty="0">
-                <a:solidFill>
-                  <a:schemeClr val="accent2"/>
-                </a:solidFill>
-              </a:rPr>
-              <a:t>				</a:t>
-            </a:r>
-            <a:r>
-              <a:rPr lang="en-US" sz="1800" dirty="0" err="1">
-                <a:solidFill>
-                  <a:schemeClr val="accent2"/>
-                </a:solidFill>
-              </a:rPr>
-              <a:t>rollSynch</a:t>
-            </a:r>
-            <a:r>
-              <a:rPr lang="en-US" sz="1800" dirty="0">
-                <a:solidFill>
-                  <a:schemeClr val="accent2"/>
-                </a:solidFill>
-              </a:rPr>
-              <a:t> &lt;= '0';</a:t>
-            </a:r>
-          </a:p>
-          <a:p>
-            <a:pPr marL="349250" lvl="1" indent="-342900" eaLnBrk="1" hangingPunct="1">
-              <a:lnSpc>
-                <a:spcPct val="80000"/>
-              </a:lnSpc>
-              <a:buFont typeface="+mj-lt"/>
-              <a:buAutoNum type="arabicPeriod" startAt="5"/>
-              <a:tabLst>
-                <a:tab pos="463550" algn="l"/>
-                <a:tab pos="914400" algn="l"/>
-                <a:tab pos="1377950" algn="l"/>
-                <a:tab pos="1828800" algn="l"/>
-                <a:tab pos="2292350" algn="l"/>
-              </a:tabLst>
-            </a:pPr>
-            <a:r>
-              <a:rPr lang="en-US" sz="1800" dirty="0">
-                <a:solidFill>
-                  <a:schemeClr val="accent2"/>
-                </a:solidFill>
-              </a:rPr>
-              <a:t>			</a:t>
-            </a:r>
-            <a:r>
-              <a:rPr lang="en-US" sz="1800" dirty="0" err="1">
-                <a:solidFill>
-                  <a:schemeClr val="accent2"/>
-                </a:solidFill>
-              </a:rPr>
-              <a:t>elsif</a:t>
-            </a:r>
-            <a:r>
-              <a:rPr lang="en-US" sz="1800" dirty="0">
-                <a:solidFill>
-                  <a:schemeClr val="accent2"/>
-                </a:solidFill>
-              </a:rPr>
-              <a:t> ((</a:t>
-            </a:r>
-            <a:r>
-              <a:rPr lang="en-US" sz="1800" dirty="0" err="1">
-                <a:solidFill>
-                  <a:schemeClr val="accent2"/>
-                </a:solidFill>
-              </a:rPr>
-              <a:t>processQ</a:t>
-            </a:r>
-            <a:r>
-              <a:rPr lang="en-US" sz="1800" dirty="0">
-                <a:solidFill>
-                  <a:schemeClr val="accent2"/>
-                </a:solidFill>
-              </a:rPr>
-              <a:t> &lt; 9) and (</a:t>
-            </a:r>
-            <a:r>
-              <a:rPr lang="en-US" sz="1800" dirty="0" err="1">
-                <a:solidFill>
-                  <a:schemeClr val="accent2"/>
-                </a:solidFill>
-              </a:rPr>
-              <a:t>crtl</a:t>
-            </a:r>
-            <a:r>
-              <a:rPr lang="en-US" sz="1800" dirty="0">
-                <a:solidFill>
-                  <a:schemeClr val="accent2"/>
-                </a:solidFill>
-              </a:rPr>
-              <a:t> = "01")) </a:t>
-            </a:r>
-            <a:r>
-              <a:rPr lang="en-US" sz="1800" dirty="0" smtClean="0">
-                <a:solidFill>
-                  <a:schemeClr val="accent2"/>
-                </a:solidFill>
-              </a:rPr>
-              <a:t>then</a:t>
-            </a:r>
-            <a:endParaRPr lang="en-US" sz="1800" dirty="0">
-              <a:solidFill>
-                <a:schemeClr val="accent2"/>
-              </a:solidFill>
-            </a:endParaRPr>
-          </a:p>
-          <a:p>
-            <a:pPr marL="349250" lvl="1" indent="-342900" eaLnBrk="1" hangingPunct="1">
-              <a:lnSpc>
-                <a:spcPct val="80000"/>
-              </a:lnSpc>
-              <a:buFont typeface="+mj-lt"/>
-              <a:buAutoNum type="arabicPeriod" startAt="5"/>
-              <a:tabLst>
-                <a:tab pos="463550" algn="l"/>
-                <a:tab pos="914400" algn="l"/>
-                <a:tab pos="1377950" algn="l"/>
-                <a:tab pos="1828800" algn="l"/>
-                <a:tab pos="2292350" algn="l"/>
-              </a:tabLst>
-            </a:pPr>
-            <a:r>
-              <a:rPr lang="en-US" sz="1800" dirty="0">
-                <a:solidFill>
-                  <a:schemeClr val="accent2"/>
-                </a:solidFill>
-              </a:rPr>
-              <a:t>				</a:t>
-            </a:r>
-            <a:r>
-              <a:rPr lang="en-US" sz="1800" dirty="0" err="1">
-                <a:solidFill>
-                  <a:schemeClr val="accent2"/>
-                </a:solidFill>
-              </a:rPr>
-              <a:t>processQ</a:t>
-            </a:r>
-            <a:r>
-              <a:rPr lang="en-US" sz="1800" dirty="0">
-                <a:solidFill>
-                  <a:schemeClr val="accent2"/>
-                </a:solidFill>
-              </a:rPr>
-              <a:t> &lt;= </a:t>
-            </a:r>
-            <a:r>
-              <a:rPr lang="en-US" sz="1800" dirty="0" err="1">
-                <a:solidFill>
-                  <a:schemeClr val="accent2"/>
-                </a:solidFill>
-              </a:rPr>
-              <a:t>processQ</a:t>
-            </a:r>
-            <a:r>
-              <a:rPr lang="en-US" sz="1800" dirty="0">
-                <a:solidFill>
-                  <a:schemeClr val="accent2"/>
-                </a:solidFill>
-              </a:rPr>
-              <a:t> + 1;</a:t>
-            </a:r>
-          </a:p>
-          <a:p>
-            <a:pPr marL="349250" lvl="1" indent="-342900" eaLnBrk="1" hangingPunct="1">
-              <a:lnSpc>
-                <a:spcPct val="80000"/>
-              </a:lnSpc>
-              <a:buFont typeface="+mj-lt"/>
-              <a:buAutoNum type="arabicPeriod" startAt="5"/>
-              <a:tabLst>
-                <a:tab pos="463550" algn="l"/>
-                <a:tab pos="914400" algn="l"/>
-                <a:tab pos="1377950" algn="l"/>
-                <a:tab pos="1828800" algn="l"/>
-                <a:tab pos="2292350" algn="l"/>
-              </a:tabLst>
-            </a:pPr>
-            <a:r>
-              <a:rPr lang="en-US" sz="1800" dirty="0">
-                <a:solidFill>
-                  <a:schemeClr val="accent2"/>
-                </a:solidFill>
-              </a:rPr>
-              <a:t>				</a:t>
-            </a:r>
-            <a:r>
-              <a:rPr lang="en-US" sz="1800" dirty="0" err="1">
-                <a:solidFill>
-                  <a:schemeClr val="accent2"/>
-                </a:solidFill>
-              </a:rPr>
-              <a:t>rollSynch</a:t>
-            </a:r>
-            <a:r>
-              <a:rPr lang="en-US" sz="1800" dirty="0">
-                <a:solidFill>
-                  <a:schemeClr val="accent2"/>
-                </a:solidFill>
-              </a:rPr>
-              <a:t> &lt;= '0';</a:t>
-            </a:r>
-          </a:p>
-          <a:p>
-            <a:pPr marL="349250" lvl="1" indent="-342900" eaLnBrk="1" hangingPunct="1">
-              <a:lnSpc>
-                <a:spcPct val="80000"/>
-              </a:lnSpc>
-              <a:buFont typeface="+mj-lt"/>
-              <a:buAutoNum type="arabicPeriod" startAt="5"/>
-              <a:tabLst>
-                <a:tab pos="463550" algn="l"/>
-                <a:tab pos="914400" algn="l"/>
-                <a:tab pos="1377950" algn="l"/>
-                <a:tab pos="1828800" algn="l"/>
-                <a:tab pos="2292350" algn="l"/>
-              </a:tabLst>
-            </a:pPr>
-            <a:r>
-              <a:rPr lang="en-US" sz="1800" dirty="0">
-                <a:solidFill>
-                  <a:schemeClr val="accent2"/>
-                </a:solidFill>
-              </a:rPr>
-              <a:t>			</a:t>
-            </a:r>
-            <a:r>
-              <a:rPr lang="en-US" sz="1800" dirty="0" err="1">
-                <a:solidFill>
-                  <a:schemeClr val="accent2"/>
-                </a:solidFill>
-              </a:rPr>
-              <a:t>elsif</a:t>
-            </a:r>
-            <a:r>
-              <a:rPr lang="en-US" sz="1800" dirty="0">
-                <a:solidFill>
-                  <a:schemeClr val="accent2"/>
-                </a:solidFill>
-              </a:rPr>
-              <a:t> ((</a:t>
-            </a:r>
-            <a:r>
-              <a:rPr lang="en-US" sz="1800" dirty="0" err="1">
-                <a:solidFill>
-                  <a:schemeClr val="accent2"/>
-                </a:solidFill>
-              </a:rPr>
-              <a:t>processQ</a:t>
-            </a:r>
-            <a:r>
-              <a:rPr lang="en-US" sz="1800" dirty="0">
-                <a:solidFill>
-                  <a:schemeClr val="accent2"/>
-                </a:solidFill>
-              </a:rPr>
-              <a:t> = 9) and (</a:t>
-            </a:r>
-            <a:r>
-              <a:rPr lang="en-US" sz="1800" dirty="0" err="1">
-                <a:solidFill>
-                  <a:schemeClr val="accent2"/>
-                </a:solidFill>
-              </a:rPr>
-              <a:t>crtl</a:t>
-            </a:r>
-            <a:r>
-              <a:rPr lang="en-US" sz="1800" dirty="0">
-                <a:solidFill>
-                  <a:schemeClr val="accent2"/>
-                </a:solidFill>
-              </a:rPr>
-              <a:t> = "01")) then</a:t>
-            </a:r>
-          </a:p>
-          <a:p>
-            <a:pPr marL="349250" lvl="1" indent="-342900" eaLnBrk="1" hangingPunct="1">
-              <a:lnSpc>
-                <a:spcPct val="80000"/>
-              </a:lnSpc>
-              <a:buFont typeface="+mj-lt"/>
-              <a:buAutoNum type="arabicPeriod" startAt="5"/>
-              <a:tabLst>
-                <a:tab pos="463550" algn="l"/>
-                <a:tab pos="914400" algn="l"/>
-                <a:tab pos="1377950" algn="l"/>
-                <a:tab pos="1828800" algn="l"/>
-                <a:tab pos="2292350" algn="l"/>
-              </a:tabLst>
-            </a:pPr>
-            <a:r>
-              <a:rPr lang="en-US" sz="1800" dirty="0">
-                <a:solidFill>
-                  <a:schemeClr val="accent2"/>
-                </a:solidFill>
-              </a:rPr>
-              <a:t>				</a:t>
-            </a:r>
-            <a:r>
-              <a:rPr lang="en-US" sz="1800" dirty="0" err="1">
-                <a:solidFill>
-                  <a:schemeClr val="accent2"/>
-                </a:solidFill>
-              </a:rPr>
-              <a:t>processQ</a:t>
-            </a:r>
-            <a:r>
-              <a:rPr lang="en-US" sz="1800" dirty="0">
-                <a:solidFill>
-                  <a:schemeClr val="accent2"/>
-                </a:solidFill>
-              </a:rPr>
-              <a:t> &lt;= (others =&gt; '0');</a:t>
-            </a:r>
-          </a:p>
-          <a:p>
-            <a:pPr marL="349250" lvl="1" indent="-342900" eaLnBrk="1" hangingPunct="1">
-              <a:lnSpc>
-                <a:spcPct val="80000"/>
-              </a:lnSpc>
-              <a:buFont typeface="+mj-lt"/>
-              <a:buAutoNum type="arabicPeriod" startAt="5"/>
-              <a:tabLst>
-                <a:tab pos="463550" algn="l"/>
-                <a:tab pos="914400" algn="l"/>
-                <a:tab pos="1377950" algn="l"/>
-                <a:tab pos="1828800" algn="l"/>
-                <a:tab pos="2292350" algn="l"/>
-              </a:tabLst>
-            </a:pPr>
-            <a:r>
-              <a:rPr lang="en-US" sz="1800" dirty="0">
-                <a:solidFill>
-                  <a:schemeClr val="accent2"/>
-                </a:solidFill>
-              </a:rPr>
-              <a:t>				</a:t>
-            </a:r>
-            <a:r>
-              <a:rPr lang="en-US" sz="1800" dirty="0" err="1">
-                <a:solidFill>
-                  <a:schemeClr val="accent2"/>
-                </a:solidFill>
-              </a:rPr>
-              <a:t>rollSynch</a:t>
-            </a:r>
-            <a:r>
-              <a:rPr lang="en-US" sz="1800" dirty="0">
-                <a:solidFill>
-                  <a:schemeClr val="accent2"/>
-                </a:solidFill>
-              </a:rPr>
-              <a:t> &lt;= '1';</a:t>
-            </a:r>
-          </a:p>
-          <a:p>
-            <a:pPr marL="349250" lvl="1" indent="-342900" eaLnBrk="1" hangingPunct="1">
-              <a:lnSpc>
-                <a:spcPct val="80000"/>
-              </a:lnSpc>
-              <a:buFont typeface="+mj-lt"/>
-              <a:buAutoNum type="arabicPeriod" startAt="5"/>
-              <a:tabLst>
-                <a:tab pos="463550" algn="l"/>
-                <a:tab pos="914400" algn="l"/>
-                <a:tab pos="1377950" algn="l"/>
-                <a:tab pos="1828800" algn="l"/>
-                <a:tab pos="2292350" algn="l"/>
-              </a:tabLst>
-            </a:pPr>
-            <a:r>
-              <a:rPr lang="en-US" sz="1800" dirty="0">
-                <a:solidFill>
-                  <a:schemeClr val="accent2"/>
-                </a:solidFill>
-              </a:rPr>
-              <a:t>			</a:t>
-            </a:r>
-            <a:r>
-              <a:rPr lang="en-US" sz="1800" dirty="0" err="1">
-                <a:solidFill>
-                  <a:schemeClr val="accent2"/>
-                </a:solidFill>
-              </a:rPr>
-              <a:t>elsif</a:t>
-            </a:r>
-            <a:r>
-              <a:rPr lang="en-US" sz="1800" dirty="0">
-                <a:solidFill>
-                  <a:schemeClr val="accent2"/>
-                </a:solidFill>
-              </a:rPr>
-              <a:t> (</a:t>
-            </a:r>
-            <a:r>
-              <a:rPr lang="en-US" sz="1800" dirty="0" err="1">
-                <a:solidFill>
-                  <a:schemeClr val="accent2"/>
-                </a:solidFill>
-              </a:rPr>
-              <a:t>crtl</a:t>
-            </a:r>
-            <a:r>
-              <a:rPr lang="en-US" sz="1800" dirty="0">
-                <a:solidFill>
-                  <a:schemeClr val="accent2"/>
-                </a:solidFill>
-              </a:rPr>
-              <a:t> = "10") then</a:t>
-            </a:r>
-          </a:p>
-          <a:p>
-            <a:pPr marL="349250" lvl="1" indent="-342900" eaLnBrk="1" hangingPunct="1">
-              <a:lnSpc>
-                <a:spcPct val="80000"/>
-              </a:lnSpc>
-              <a:buFont typeface="+mj-lt"/>
-              <a:buAutoNum type="arabicPeriod" startAt="5"/>
-              <a:tabLst>
-                <a:tab pos="463550" algn="l"/>
-                <a:tab pos="914400" algn="l"/>
-                <a:tab pos="1377950" algn="l"/>
-                <a:tab pos="1828800" algn="l"/>
-                <a:tab pos="2292350" algn="l"/>
-              </a:tabLst>
-            </a:pPr>
-            <a:r>
-              <a:rPr lang="en-US" sz="1800" dirty="0">
-                <a:solidFill>
-                  <a:schemeClr val="accent2"/>
-                </a:solidFill>
-              </a:rPr>
-              <a:t>				</a:t>
-            </a:r>
-            <a:r>
-              <a:rPr lang="en-US" sz="1800" dirty="0" err="1">
-                <a:solidFill>
-                  <a:schemeClr val="accent2"/>
-                </a:solidFill>
-              </a:rPr>
-              <a:t>processQ</a:t>
-            </a:r>
-            <a:r>
-              <a:rPr lang="en-US" sz="1800" dirty="0">
-                <a:solidFill>
-                  <a:schemeClr val="accent2"/>
-                </a:solidFill>
-              </a:rPr>
-              <a:t> &lt;= unsigned(D);</a:t>
-            </a:r>
-          </a:p>
-          <a:p>
-            <a:pPr marL="349250" lvl="1" indent="-342900" eaLnBrk="1" hangingPunct="1">
-              <a:lnSpc>
-                <a:spcPct val="80000"/>
-              </a:lnSpc>
-              <a:buFont typeface="+mj-lt"/>
-              <a:buAutoNum type="arabicPeriod" startAt="5"/>
-              <a:tabLst>
-                <a:tab pos="463550" algn="l"/>
-                <a:tab pos="914400" algn="l"/>
-                <a:tab pos="1377950" algn="l"/>
-                <a:tab pos="1828800" algn="l"/>
-                <a:tab pos="2292350" algn="l"/>
-              </a:tabLst>
-            </a:pPr>
-            <a:r>
-              <a:rPr lang="en-US" sz="1800" dirty="0">
-                <a:solidFill>
-                  <a:schemeClr val="accent2"/>
-                </a:solidFill>
-              </a:rPr>
-              <a:t>			</a:t>
-            </a:r>
-            <a:r>
-              <a:rPr lang="en-US" sz="1800" dirty="0" err="1">
-                <a:solidFill>
-                  <a:schemeClr val="accent2"/>
-                </a:solidFill>
-              </a:rPr>
-              <a:t>elsif</a:t>
-            </a:r>
-            <a:r>
-              <a:rPr lang="en-US" sz="1800" dirty="0">
-                <a:solidFill>
-                  <a:schemeClr val="accent2"/>
-                </a:solidFill>
-              </a:rPr>
-              <a:t> (</a:t>
-            </a:r>
-            <a:r>
-              <a:rPr lang="en-US" sz="1800" dirty="0" err="1">
-                <a:solidFill>
-                  <a:schemeClr val="accent2"/>
-                </a:solidFill>
-              </a:rPr>
-              <a:t>crtl</a:t>
-            </a:r>
-            <a:r>
-              <a:rPr lang="en-US" sz="1800" dirty="0">
-                <a:solidFill>
-                  <a:schemeClr val="accent2"/>
-                </a:solidFill>
-              </a:rPr>
-              <a:t> = "11") then</a:t>
-            </a:r>
-          </a:p>
-          <a:p>
-            <a:pPr marL="349250" lvl="1" indent="-342900" eaLnBrk="1" hangingPunct="1">
-              <a:lnSpc>
-                <a:spcPct val="80000"/>
-              </a:lnSpc>
-              <a:buFont typeface="+mj-lt"/>
-              <a:buAutoNum type="arabicPeriod" startAt="5"/>
-              <a:tabLst>
-                <a:tab pos="463550" algn="l"/>
-                <a:tab pos="914400" algn="l"/>
-                <a:tab pos="1377950" algn="l"/>
-                <a:tab pos="1828800" algn="l"/>
-                <a:tab pos="2292350" algn="l"/>
-              </a:tabLst>
-            </a:pPr>
-            <a:r>
-              <a:rPr lang="en-US" sz="1800" dirty="0">
-                <a:solidFill>
-                  <a:schemeClr val="accent2"/>
-                </a:solidFill>
-              </a:rPr>
-              <a:t>				</a:t>
-            </a:r>
-            <a:r>
-              <a:rPr lang="en-US" sz="1800" dirty="0" err="1">
-                <a:solidFill>
-                  <a:schemeClr val="accent2"/>
-                </a:solidFill>
-              </a:rPr>
-              <a:t>processQ</a:t>
-            </a:r>
-            <a:r>
-              <a:rPr lang="en-US" sz="1800" dirty="0">
-                <a:solidFill>
-                  <a:schemeClr val="accent2"/>
-                </a:solidFill>
-              </a:rPr>
-              <a:t> &lt;= (others =&gt; '0');</a:t>
-            </a:r>
-          </a:p>
-          <a:p>
-            <a:pPr marL="349250" lvl="1" indent="-342900" eaLnBrk="1" hangingPunct="1">
-              <a:lnSpc>
-                <a:spcPct val="80000"/>
-              </a:lnSpc>
-              <a:buFont typeface="+mj-lt"/>
-              <a:buAutoNum type="arabicPeriod" startAt="5"/>
-              <a:tabLst>
-                <a:tab pos="463550" algn="l"/>
-                <a:tab pos="914400" algn="l"/>
-                <a:tab pos="1377950" algn="l"/>
-                <a:tab pos="1828800" algn="l"/>
-                <a:tab pos="2292350" algn="l"/>
-              </a:tabLst>
-            </a:pPr>
-            <a:r>
-              <a:rPr lang="en-US" sz="1800" dirty="0">
-                <a:solidFill>
-                  <a:schemeClr val="accent2"/>
-                </a:solidFill>
-              </a:rPr>
-              <a:t>			end if;</a:t>
-            </a:r>
-          </a:p>
-          <a:p>
-            <a:pPr marL="349250" lvl="1" indent="-342900" eaLnBrk="1" hangingPunct="1">
-              <a:lnSpc>
-                <a:spcPct val="80000"/>
-              </a:lnSpc>
-              <a:buFont typeface="+mj-lt"/>
-              <a:buAutoNum type="arabicPeriod" startAt="5"/>
-              <a:tabLst>
-                <a:tab pos="463550" algn="l"/>
-                <a:tab pos="914400" algn="l"/>
-                <a:tab pos="1377950" algn="l"/>
-                <a:tab pos="1828800" algn="l"/>
-                <a:tab pos="2292350" algn="l"/>
-              </a:tabLst>
-            </a:pPr>
-            <a:r>
-              <a:rPr lang="en-US" sz="1800" dirty="0">
-                <a:solidFill>
-                  <a:schemeClr val="accent2"/>
-                </a:solidFill>
-              </a:rPr>
-              <a:t>		end if;</a:t>
-            </a:r>
-          </a:p>
-          <a:p>
-            <a:pPr marL="349250" lvl="1" indent="-342900" eaLnBrk="1" hangingPunct="1">
-              <a:lnSpc>
-                <a:spcPct val="80000"/>
-              </a:lnSpc>
-              <a:buFont typeface="+mj-lt"/>
-              <a:buAutoNum type="arabicPeriod" startAt="5"/>
-              <a:tabLst>
-                <a:tab pos="463550" algn="l"/>
-                <a:tab pos="914400" algn="l"/>
-                <a:tab pos="1377950" algn="l"/>
-                <a:tab pos="1828800" algn="l"/>
-                <a:tab pos="2292350" algn="l"/>
-              </a:tabLst>
-            </a:pPr>
-            <a:r>
-              <a:rPr lang="en-US" sz="1800" dirty="0">
-                <a:solidFill>
-                  <a:schemeClr val="accent2"/>
-                </a:solidFill>
-              </a:rPr>
-              <a:t>	end process;</a:t>
-            </a:r>
-          </a:p>
-          <a:p>
-            <a:pPr marL="342900" indent="-342900">
-              <a:buFont typeface="+mj-lt"/>
-              <a:buAutoNum type="arabicPeriod"/>
-            </a:pPr>
-            <a:endParaRPr lang="en-US" sz="1800" dirty="0"/>
+            <a:endParaRPr lang="en-US" dirty="0" smtClean="0"/>
+          </a:p>
+          <a:p>
+            <a:endParaRPr lang="en-US" dirty="0"/>
           </a:p>
         </p:txBody>
       </p:sp>
@@ -16194,10 +16842,180 @@
           </a:p>
         </p:txBody>
       </p:sp>
+      <p:sp>
+        <p:nvSpPr>
+          <p:cNvPr id="7" name="Rectangle 1"/>
+          <p:cNvSpPr>
+            <a:spLocks noChangeArrowheads="1"/>
+          </p:cNvSpPr>
+          <p:nvPr/>
+        </p:nvSpPr>
+        <p:spPr bwMode="auto">
+          <a:xfrm>
+            <a:off x="800100" y="2803525"/>
+            <a:ext cx="9144000" cy="0"/>
+          </a:xfrm>
+          <a:prstGeom prst="rect">
+            <a:avLst/>
+          </a:prstGeom>
+          <a:noFill/>
+          <a:ln>
+            <a:noFill/>
+          </a:ln>
+          <a:effectLst/>
+          <a:extLst>
+            <a:ext uri="{909E8E84-426E-40DD-AFC4-6F175D3DCCD1}">
+              <a14:hiddenFill xmlns:a14="http://schemas.microsoft.com/office/drawing/2010/main">
+                <a:solidFill>
+                  <a:schemeClr val="accent1"/>
+                </a:solidFill>
+              </a14:hiddenFill>
+            </a:ext>
+            <a:ext uri="{91240B29-F687-4F45-9708-019B960494DF}">
+              <a14:hiddenLine xmlns:a14="http://schemas.microsoft.com/office/drawing/2010/main" w="9525">
+                <a:solidFill>
+                  <a:schemeClr val="tx1"/>
+                </a:solidFill>
+                <a:miter lim="800000"/>
+                <a:headEnd/>
+                <a:tailEnd/>
+              </a14:hiddenLine>
+            </a:ext>
+            <a:ext uri="{AF507438-7753-43E0-B8FC-AC1667EBCBE1}">
+              <a14:hiddenEffects xmlns:a14="http://schemas.microsoft.com/office/drawing/2010/main">
+                <a:effectLst>
+                  <a:outerShdw dist="35921" dir="2700000" algn="ctr" rotWithShape="0">
+                    <a:schemeClr val="bg2"/>
+                  </a:outerShdw>
+                </a:effectLst>
+              </a14:hiddenEffects>
+            </a:ext>
+          </a:extLst>
+        </p:spPr>
+        <p:txBody>
+          <a:bodyPr vert="horz" wrap="none" lIns="91440" tIns="45720" rIns="91440" bIns="45720" numCol="1" anchor="ctr" anchorCtr="0" compatLnSpc="1">
+            <a:prstTxWarp prst="textNoShape">
+              <a:avLst/>
+            </a:prstTxWarp>
+            <a:spAutoFit/>
+          </a:bodyPr>
+          <a:lstStyle/>
+          <a:p>
+            <a:pPr marL="0" marR="0" lvl="0" indent="0" algn="l" defTabSz="914400" rtl="0" eaLnBrk="1" fontAlgn="base" latinLnBrk="0" hangingPunct="1">
+              <a:lnSpc>
+                <a:spcPct val="100000"/>
+              </a:lnSpc>
+              <a:spcBef>
+                <a:spcPct val="0"/>
+              </a:spcBef>
+              <a:spcAft>
+                <a:spcPct val="0"/>
+              </a:spcAft>
+              <a:buClrTx/>
+              <a:buSzTx/>
+              <a:buFontTx/>
+              <a:buNone/>
+              <a:tabLst/>
+            </a:pPr>
+            <a:r>
+              <a:rPr kumimoji="0" lang="en-US" altLang="en-US" sz="1800" b="0" i="0" u="none" strike="noStrike" cap="none" normalizeH="0" baseline="0" smtClean="0">
+                <a:ln>
+                  <a:noFill/>
+                </a:ln>
+                <a:solidFill>
+                  <a:schemeClr val="tx1"/>
+                </a:solidFill>
+                <a:effectLst/>
+                <a:latin typeface="Arial" charset="0"/>
+                <a:cs typeface="Arial" charset="0"/>
+              </a:rPr>
+              <a:t/>
+            </a:r>
+            <a:br>
+              <a:rPr kumimoji="0" lang="en-US" altLang="en-US" sz="1800" b="0" i="0" u="none" strike="noStrike" cap="none" normalizeH="0" baseline="0" smtClean="0">
+                <a:ln>
+                  <a:noFill/>
+                </a:ln>
+                <a:solidFill>
+                  <a:schemeClr val="tx1"/>
+                </a:solidFill>
+                <a:effectLst/>
+                <a:latin typeface="Arial" charset="0"/>
+                <a:cs typeface="Arial" charset="0"/>
+              </a:rPr>
+            </a:br>
+            <a:endParaRPr kumimoji="0" lang="en-US" altLang="en-US" sz="1800" b="0" i="0" u="none" strike="noStrike" cap="none" normalizeH="0" baseline="0" smtClean="0">
+              <a:ln>
+                <a:noFill/>
+              </a:ln>
+              <a:solidFill>
+                <a:schemeClr val="tx1"/>
+              </a:solidFill>
+              <a:effectLst/>
+              <a:latin typeface="Arial" charset="0"/>
+              <a:cs typeface="Arial" charset="0"/>
+            </a:endParaRPr>
+          </a:p>
+        </p:txBody>
+      </p:sp>
+      <p:pic>
+        <p:nvPicPr>
+          <p:cNvPr id="2050" name="Picture 2"/>
+          <p:cNvPicPr>
+            <a:picLocks noChangeAspect="1" noChangeArrowheads="1"/>
+          </p:cNvPicPr>
+          <p:nvPr/>
+        </p:nvPicPr>
+        <p:blipFill>
+          <a:blip r:embed="rId2">
+            <a:extLst>
+              <a:ext uri="{28A0092B-C50C-407E-A947-70E740481C1C}">
+                <a14:useLocalDpi xmlns:a14="http://schemas.microsoft.com/office/drawing/2010/main" val="0"/>
+              </a:ext>
+            </a:extLst>
+          </a:blip>
+          <a:srcRect/>
+          <a:stretch>
+            <a:fillRect/>
+          </a:stretch>
+        </p:blipFill>
+        <p:spPr bwMode="auto">
+          <a:xfrm>
+            <a:off x="1" y="1443038"/>
+            <a:ext cx="9144000" cy="3540435"/>
+          </a:xfrm>
+          <a:prstGeom prst="rect">
+            <a:avLst/>
+          </a:prstGeom>
+          <a:noFill/>
+          <a:ln>
+            <a:noFill/>
+          </a:ln>
+          <a:extLst>
+            <a:ext uri="{909E8E84-426E-40DD-AFC4-6F175D3DCCD1}">
+              <a14:hiddenFill xmlns:a14="http://schemas.microsoft.com/office/drawing/2010/main">
+                <a:solidFill>
+                  <a:schemeClr val="accent1"/>
+                </a:solidFill>
+              </a14:hiddenFill>
+            </a:ext>
+            <a:ext uri="{91240B29-F687-4F45-9708-019B960494DF}">
+              <a14:hiddenLine xmlns:a14="http://schemas.microsoft.com/office/drawing/2010/main" w="9525">
+                <a:solidFill>
+                  <a:schemeClr val="tx1"/>
+                </a:solidFill>
+                <a:miter lim="800000"/>
+                <a:headEnd/>
+                <a:tailEnd/>
+              </a14:hiddenLine>
+            </a:ext>
+          </a:extLst>
+        </p:spPr>
+      </p:pic>
     </p:spTree>
     <p:extLst>
       <p:ext uri="{BB962C8B-B14F-4D97-AF65-F5344CB8AC3E}">
-        <p14:creationId xmlns:p14="http://schemas.microsoft.com/office/powerpoint/2010/main" val="1793954976"/>
+        <p14:creationId xmlns:p14="http://schemas.microsoft.com/office/powerpoint/2010/main" val="2443412429"/>
       </p:ext>
     </p:extLst>
   </p:cSld>
